--- a/Sleeping_Analysis.pptx
+++ b/Sleeping_Analysis.pptx
@@ -5019,12 +5019,12 @@
               <a:t>: </a:t>
             </a:r>
             <a:r>
-              <a:rPr lang="ko-KR" altLang="en-US" dirty="0"/>
+              <a:rPr lang="ko-KR" altLang="en-US"/>
               <a:t>현재 </a:t>
             </a:r>
             <a:r>
-              <a:rPr lang="ko-KR" altLang="en-US" dirty="0" err="1"/>
-              <a:t>논의중</a:t>
+              <a:rPr lang="ko-KR" altLang="en-US" smtClean="0"/>
+              <a:t>논의 중</a:t>
             </a:r>
             <a:endParaRPr lang="en-US" dirty="0"/>
           </a:p>

--- a/Sleeping_Analysis.pptx
+++ b/Sleeping_Analysis.pptx
@@ -310,7 +310,7 @@
           <a:p>
             <a:fld id="{1F86D852-7648-4D84-944E-E1841212398F}" type="datetimeFigureOut">
               <a:rPr lang="en-US" smtClean="0"/>
-              <a:t>11/12/2019</a:t>
+              <a:t>11/17/2019</a:t>
             </a:fld>
             <a:endParaRPr lang="en-US"/>
           </a:p>
@@ -510,7 +510,7 @@
           <a:p>
             <a:fld id="{1F86D852-7648-4D84-944E-E1841212398F}" type="datetimeFigureOut">
               <a:rPr lang="en-US" smtClean="0"/>
-              <a:t>11/12/2019</a:t>
+              <a:t>11/17/2019</a:t>
             </a:fld>
             <a:endParaRPr lang="en-US"/>
           </a:p>
@@ -720,7 +720,7 @@
           <a:p>
             <a:fld id="{1F86D852-7648-4D84-944E-E1841212398F}" type="datetimeFigureOut">
               <a:rPr lang="en-US" smtClean="0"/>
-              <a:t>11/12/2019</a:t>
+              <a:t>11/17/2019</a:t>
             </a:fld>
             <a:endParaRPr lang="en-US"/>
           </a:p>
@@ -920,7 +920,7 @@
           <a:p>
             <a:fld id="{1F86D852-7648-4D84-944E-E1841212398F}" type="datetimeFigureOut">
               <a:rPr lang="en-US" smtClean="0"/>
-              <a:t>11/12/2019</a:t>
+              <a:t>11/17/2019</a:t>
             </a:fld>
             <a:endParaRPr lang="en-US"/>
           </a:p>
@@ -1196,7 +1196,7 @@
           <a:p>
             <a:fld id="{1F86D852-7648-4D84-944E-E1841212398F}" type="datetimeFigureOut">
               <a:rPr lang="en-US" smtClean="0"/>
-              <a:t>11/12/2019</a:t>
+              <a:t>11/17/2019</a:t>
             </a:fld>
             <a:endParaRPr lang="en-US"/>
           </a:p>
@@ -1464,7 +1464,7 @@
           <a:p>
             <a:fld id="{1F86D852-7648-4D84-944E-E1841212398F}" type="datetimeFigureOut">
               <a:rPr lang="en-US" smtClean="0"/>
-              <a:t>11/12/2019</a:t>
+              <a:t>11/17/2019</a:t>
             </a:fld>
             <a:endParaRPr lang="en-US"/>
           </a:p>
@@ -1879,7 +1879,7 @@
           <a:p>
             <a:fld id="{1F86D852-7648-4D84-944E-E1841212398F}" type="datetimeFigureOut">
               <a:rPr lang="en-US" smtClean="0"/>
-              <a:t>11/12/2019</a:t>
+              <a:t>11/17/2019</a:t>
             </a:fld>
             <a:endParaRPr lang="en-US"/>
           </a:p>
@@ -2021,7 +2021,7 @@
           <a:p>
             <a:fld id="{1F86D852-7648-4D84-944E-E1841212398F}" type="datetimeFigureOut">
               <a:rPr lang="en-US" smtClean="0"/>
-              <a:t>11/12/2019</a:t>
+              <a:t>11/17/2019</a:t>
             </a:fld>
             <a:endParaRPr lang="en-US"/>
           </a:p>
@@ -2134,7 +2134,7 @@
           <a:p>
             <a:fld id="{1F86D852-7648-4D84-944E-E1841212398F}" type="datetimeFigureOut">
               <a:rPr lang="en-US" smtClean="0"/>
-              <a:t>11/12/2019</a:t>
+              <a:t>11/17/2019</a:t>
             </a:fld>
             <a:endParaRPr lang="en-US"/>
           </a:p>
@@ -2447,7 +2447,7 @@
           <a:p>
             <a:fld id="{1F86D852-7648-4D84-944E-E1841212398F}" type="datetimeFigureOut">
               <a:rPr lang="en-US" smtClean="0"/>
-              <a:t>11/12/2019</a:t>
+              <a:t>11/17/2019</a:t>
             </a:fld>
             <a:endParaRPr lang="en-US"/>
           </a:p>
@@ -2736,7 +2736,7 @@
           <a:p>
             <a:fld id="{1F86D852-7648-4D84-944E-E1841212398F}" type="datetimeFigureOut">
               <a:rPr lang="en-US" smtClean="0"/>
-              <a:t>11/12/2019</a:t>
+              <a:t>11/17/2019</a:t>
             </a:fld>
             <a:endParaRPr lang="en-US"/>
           </a:p>
@@ -2979,7 +2979,7 @@
           <a:p>
             <a:fld id="{1F86D852-7648-4D84-944E-E1841212398F}" type="datetimeFigureOut">
               <a:rPr lang="en-US" smtClean="0"/>
-              <a:t>11/12/2019</a:t>
+              <a:t>11/17/2019</a:t>
             </a:fld>
             <a:endParaRPr lang="en-US"/>
           </a:p>
@@ -3583,8 +3583,8 @@
               <a:t>현재 </a:t>
             </a:r>
             <a:r>
-              <a:rPr lang="ko-KR" altLang="en-US" dirty="0" err="1"/>
-              <a:t>논의중</a:t>
+              <a:rPr lang="ko-KR" altLang="en-US" dirty="0" smtClean="0"/>
+              <a:t>논의 중</a:t>
             </a:r>
             <a:endParaRPr lang="en-US" dirty="0"/>
           </a:p>
@@ -3729,12 +3729,8 @@
               <a:t> </a:t>
             </a:r>
             <a:r>
-              <a:rPr lang="ko-KR" altLang="en-US" dirty="0" err="1"/>
-              <a:t>지속시</a:t>
-            </a:r>
-            <a:r>
-              <a:rPr lang="ko-KR" altLang="en-US" dirty="0"/>
-              <a:t> </a:t>
+              <a:rPr lang="ko-KR" altLang="en-US" dirty="0" smtClean="0"/>
+              <a:t>지속 시 </a:t>
             </a:r>
             <a:r>
               <a:rPr lang="ko-KR" altLang="en-US" dirty="0" err="1"/>
@@ -3776,8 +3772,8 @@
               <a:t>현재 </a:t>
             </a:r>
             <a:r>
-              <a:rPr lang="ko-KR" altLang="en-US" dirty="0" err="1"/>
-              <a:t>논의중</a:t>
+              <a:rPr lang="ko-KR" altLang="en-US" dirty="0" smtClean="0"/>
+              <a:t>논의 중</a:t>
             </a:r>
             <a:endParaRPr lang="en-US" dirty="0"/>
           </a:p>
@@ -3924,11 +3920,15 @@
             </a:r>
             <a:r>
               <a:rPr lang="ko-KR" altLang="en-US" dirty="0"/>
-              <a:t>유저 편의성은 어플이 </a:t>
-            </a:r>
-            <a:r>
-              <a:rPr lang="ko-KR" altLang="en-US" dirty="0" err="1"/>
-              <a:t>상위호환</a:t>
+              <a:t>유저 편의성은 </a:t>
+            </a:r>
+            <a:r>
+              <a:rPr lang="ko-KR" altLang="en-US" dirty="0" err="1" smtClean="0"/>
+              <a:t>어플이</a:t>
+            </a:r>
+            <a:r>
+              <a:rPr lang="ko-KR" altLang="en-US" dirty="0" smtClean="0"/>
+              <a:t> 좋음</a:t>
             </a:r>
             <a:endParaRPr lang="en-US" altLang="ko-KR" dirty="0"/>
           </a:p>
@@ -4050,7 +4050,11 @@
           <a:p>
             <a:r>
               <a:rPr lang="ko-KR" altLang="en-US" dirty="0"/>
-              <a:t>이후 고대화</a:t>
+              <a:t>이후 </a:t>
+            </a:r>
+            <a:r>
+              <a:rPr lang="ko-KR" altLang="en-US" dirty="0" smtClean="0"/>
+              <a:t>고도화</a:t>
             </a:r>
             <a:r>
               <a:rPr lang="en-US" altLang="ko-KR" dirty="0"/>
@@ -4899,7 +4903,19 @@
           <a:p>
             <a:r>
               <a:rPr lang="ko-KR" altLang="en-US" dirty="0"/>
-              <a:t>현재 장비 </a:t>
+              <a:t>현재 </a:t>
+            </a:r>
+            <a:r>
+              <a:rPr lang="ko-KR" altLang="en-US" dirty="0" smtClean="0"/>
+              <a:t>장비</a:t>
+            </a:r>
+            <a:r>
+              <a:rPr lang="en-US" altLang="ko-KR" dirty="0" smtClean="0"/>
+              <a:t>:</a:t>
+            </a:r>
+            <a:r>
+              <a:rPr lang="ko-KR" altLang="en-US" dirty="0" smtClean="0"/>
+              <a:t> </a:t>
             </a:r>
             <a:r>
               <a:rPr lang="en-US" altLang="ko-KR" dirty="0"/>
@@ -4961,8 +4977,12 @@
           <a:lstStyle/>
           <a:p>
             <a:r>
-              <a:rPr lang="ko-KR" altLang="en-US" dirty="0"/>
-              <a:t>방안 조도 센서</a:t>
+              <a:rPr lang="ko-KR" altLang="en-US" dirty="0" smtClean="0"/>
+              <a:t>방 안 </a:t>
+            </a:r>
+            <a:r>
+              <a:rPr lang="ko-KR" altLang="en-US" dirty="0"/>
+              <a:t>조도 센서</a:t>
             </a:r>
             <a:endParaRPr lang="en-US" dirty="0"/>
           </a:p>
@@ -5019,11 +5039,11 @@
               <a:t>: </a:t>
             </a:r>
             <a:r>
-              <a:rPr lang="ko-KR" altLang="en-US"/>
+              <a:rPr lang="ko-KR" altLang="en-US" dirty="0"/>
               <a:t>현재 </a:t>
             </a:r>
             <a:r>
-              <a:rPr lang="ko-KR" altLang="en-US" smtClean="0"/>
+              <a:rPr lang="ko-KR" altLang="en-US" dirty="0" smtClean="0"/>
               <a:t>논의 중</a:t>
             </a:r>
             <a:endParaRPr lang="en-US" dirty="0"/>

--- a/Sleeping_Analysis.pptx
+++ b/Sleeping_Analysis.pptx
@@ -6,7 +6,7 @@
   </p:sldMasterIdLst>
   <p:sldIdLst>
     <p:sldId id="256" r:id="rId2"/>
-    <p:sldId id="257" r:id="rId3"/>
+    <p:sldId id="270" r:id="rId3"/>
     <p:sldId id="258" r:id="rId4"/>
     <p:sldId id="259" r:id="rId5"/>
     <p:sldId id="267" r:id="rId6"/>
@@ -17,7 +17,8 @@
     <p:sldId id="264" r:id="rId11"/>
     <p:sldId id="265" r:id="rId12"/>
     <p:sldId id="266" r:id="rId13"/>
-    <p:sldId id="268" r:id="rId14"/>
+    <p:sldId id="269" r:id="rId14"/>
+    <p:sldId id="268" r:id="rId15"/>
   </p:sldIdLst>
   <p:sldSz cx="12192000" cy="6858000"/>
   <p:notesSz cx="6858000" cy="9144000"/>
@@ -119,18 +120,18 @@
   <p:extLst>
     <p:ext uri="{521415D9-36F7-43E2-AB2F-B90AF26B5E84}">
       <p14:sectionLst xmlns:p14="http://schemas.microsoft.com/office/powerpoint/2010/main">
-        <p14:section name="기본 구역" id="{F021442D-ADD7-465F-A943-A070789BA200}">
+        <p14:section name="MAIN" id="{F021442D-ADD7-465F-A943-A070789BA200}">
           <p14:sldIdLst>
             <p14:sldId id="256"/>
-            <p14:sldId id="257"/>
+            <p14:sldId id="270"/>
           </p14:sldIdLst>
         </p14:section>
-        <p14:section name="목적" id="{C3166687-DC28-4E44-A490-21572D91F010}">
+        <p14:section name="PURPOSE" id="{C3166687-DC28-4E44-A490-21572D91F010}">
           <p14:sldIdLst>
             <p14:sldId id="258"/>
           </p14:sldIdLst>
         </p14:section>
-        <p14:section name="측정" id="{6F252247-10E5-4C36-A444-E6E0C4FB960E}">
+        <p14:section name="REAGENTS&amp;APPARATUS" id="{6F252247-10E5-4C36-A444-E6E0C4FB960E}">
           <p14:sldIdLst>
             <p14:sldId id="259"/>
             <p14:sldId id="267"/>
@@ -142,9 +143,14 @@
             <p14:sldId id="265"/>
           </p14:sldIdLst>
         </p14:section>
-        <p14:section name="데이터 축적" id="{94C22F78-A78A-4274-9BE3-31F375B9708A}">
+        <p14:section name="DATA ACCUMULATION" id="{94C22F78-A78A-4274-9BE3-31F375B9708A}">
           <p14:sldIdLst>
             <p14:sldId id="266"/>
+          </p14:sldIdLst>
+        </p14:section>
+        <p14:section name="PROJECT MANAGEMENT" id="{E1C8DE75-6DCC-4DDA-8DB9-42E1C6E0307C}">
+          <p14:sldIdLst>
+            <p14:sldId id="269"/>
           </p14:sldIdLst>
         </p14:section>
         <p14:section name="회의록" id="{A93AE245-BAA0-49EC-8E06-74200226703B}">
@@ -159,6 +165,2839 @@
     </p:ext>
   </p:extLst>
 </p:presentation>
+</file>
+
+<file path=ppt/diagrams/colors1.xml><?xml version="1.0" encoding="utf-8"?>
+<dgm:colorsDef xmlns:dgm="http://schemas.openxmlformats.org/drawingml/2006/diagram" xmlns:a="http://schemas.openxmlformats.org/drawingml/2006/main" uniqueId="urn:microsoft.com/office/officeart/2018/5/colors/Iconchunking_coloredtext_accent0_3">
+  <dgm:title val=""/>
+  <dgm:desc val=""/>
+  <dgm:catLst>
+    <dgm:cat type="mainScheme" pri="10300"/>
+  </dgm:catLst>
+  <dgm:styleLbl name="node0">
+    <dgm:fillClrLst meth="repeat">
+      <a:schemeClr val="dk2"/>
+    </dgm:fillClrLst>
+    <dgm:linClrLst meth="repeat">
+      <a:schemeClr val="lt2"/>
+    </dgm:linClrLst>
+    <dgm:effectClrLst/>
+    <dgm:txLinClrLst/>
+    <dgm:txFillClrLst/>
+    <dgm:txEffectClrLst/>
+  </dgm:styleLbl>
+  <dgm:styleLbl name="alignNode1">
+    <dgm:fillClrLst meth="repeat">
+      <a:schemeClr val="dk2"/>
+    </dgm:fillClrLst>
+    <dgm:linClrLst meth="repeat">
+      <a:schemeClr val="dk2"/>
+    </dgm:linClrLst>
+    <dgm:effectClrLst/>
+    <dgm:txLinClrLst/>
+    <dgm:txFillClrLst/>
+    <dgm:txEffectClrLst/>
+  </dgm:styleLbl>
+  <dgm:styleLbl name="node1">
+    <dgm:fillClrLst meth="repeat">
+      <a:schemeClr val="bg1"/>
+    </dgm:fillClrLst>
+    <dgm:linClrLst meth="repeat">
+      <a:schemeClr val="lt2">
+        <a:alpha val="0"/>
+      </a:schemeClr>
+    </dgm:linClrLst>
+    <dgm:effectClrLst/>
+    <dgm:txLinClrLst/>
+    <dgm:txFillClrLst meth="repeat">
+      <a:schemeClr val="dk1"/>
+    </dgm:txFillClrLst>
+    <dgm:txEffectClrLst/>
+  </dgm:styleLbl>
+  <dgm:styleLbl name="lnNode1">
+    <dgm:fillClrLst meth="repeat">
+      <a:schemeClr val="dk2"/>
+    </dgm:fillClrLst>
+    <dgm:linClrLst meth="repeat">
+      <a:schemeClr val="lt2"/>
+    </dgm:linClrLst>
+    <dgm:effectClrLst/>
+    <dgm:txLinClrLst/>
+    <dgm:txFillClrLst/>
+    <dgm:txEffectClrLst/>
+  </dgm:styleLbl>
+  <dgm:styleLbl name="vennNode1">
+    <dgm:fillClrLst meth="repeat">
+      <a:schemeClr val="dk2">
+        <a:alpha val="50000"/>
+      </a:schemeClr>
+    </dgm:fillClrLst>
+    <dgm:linClrLst meth="repeat">
+      <a:schemeClr val="lt2"/>
+    </dgm:linClrLst>
+    <dgm:effectClrLst/>
+    <dgm:txLinClrLst/>
+    <dgm:txFillClrLst/>
+    <dgm:txEffectClrLst/>
+  </dgm:styleLbl>
+  <dgm:styleLbl name="node2">
+    <dgm:fillClrLst meth="repeat">
+      <a:schemeClr val="dk2"/>
+    </dgm:fillClrLst>
+    <dgm:linClrLst meth="repeat">
+      <a:schemeClr val="lt2"/>
+    </dgm:linClrLst>
+    <dgm:effectClrLst/>
+    <dgm:txLinClrLst/>
+    <dgm:txFillClrLst/>
+    <dgm:txEffectClrLst/>
+  </dgm:styleLbl>
+  <dgm:styleLbl name="node3">
+    <dgm:fillClrLst meth="repeat">
+      <a:schemeClr val="dk2"/>
+    </dgm:fillClrLst>
+    <dgm:linClrLst meth="repeat">
+      <a:schemeClr val="lt2"/>
+    </dgm:linClrLst>
+    <dgm:effectClrLst/>
+    <dgm:txLinClrLst/>
+    <dgm:txFillClrLst/>
+    <dgm:txEffectClrLst/>
+  </dgm:styleLbl>
+  <dgm:styleLbl name="node4">
+    <dgm:fillClrLst meth="repeat">
+      <a:schemeClr val="dk2"/>
+    </dgm:fillClrLst>
+    <dgm:linClrLst meth="repeat">
+      <a:schemeClr val="lt2"/>
+    </dgm:linClrLst>
+    <dgm:effectClrLst/>
+    <dgm:txLinClrLst/>
+    <dgm:txFillClrLst/>
+    <dgm:txEffectClrLst/>
+  </dgm:styleLbl>
+  <dgm:styleLbl name="fgImgPlace1">
+    <dgm:fillClrLst meth="repeat">
+      <a:schemeClr val="dk2">
+        <a:tint val="50000"/>
+      </a:schemeClr>
+    </dgm:fillClrLst>
+    <dgm:linClrLst meth="repeat">
+      <a:schemeClr val="lt2"/>
+    </dgm:linClrLst>
+    <dgm:effectClrLst/>
+    <dgm:txLinClrLst/>
+    <dgm:txFillClrLst meth="repeat">
+      <a:schemeClr val="lt2"/>
+    </dgm:txFillClrLst>
+    <dgm:txEffectClrLst/>
+  </dgm:styleLbl>
+  <dgm:styleLbl name="alignImgPlace1">
+    <dgm:fillClrLst meth="repeat">
+      <a:schemeClr val="dk2">
+        <a:tint val="50000"/>
+      </a:schemeClr>
+    </dgm:fillClrLst>
+    <dgm:linClrLst meth="repeat">
+      <a:schemeClr val="dk2">
+        <a:shade val="80000"/>
+      </a:schemeClr>
+    </dgm:linClrLst>
+    <dgm:effectClrLst/>
+    <dgm:txLinClrLst/>
+    <dgm:txFillClrLst meth="repeat">
+      <a:schemeClr val="lt2"/>
+    </dgm:txFillClrLst>
+    <dgm:txEffectClrLst/>
+  </dgm:styleLbl>
+  <dgm:styleLbl name="bgImgPlace1">
+    <dgm:fillClrLst meth="repeat">
+      <a:schemeClr val="dk2">
+        <a:tint val="50000"/>
+      </a:schemeClr>
+    </dgm:fillClrLst>
+    <dgm:linClrLst meth="repeat">
+      <a:schemeClr val="dk2">
+        <a:shade val="80000"/>
+      </a:schemeClr>
+    </dgm:linClrLst>
+    <dgm:effectClrLst/>
+    <dgm:txLinClrLst/>
+    <dgm:txFillClrLst meth="repeat">
+      <a:schemeClr val="lt2"/>
+    </dgm:txFillClrLst>
+    <dgm:txEffectClrLst/>
+  </dgm:styleLbl>
+  <dgm:styleLbl name="sibTrans2D1">
+    <dgm:fillClrLst meth="repeat">
+      <a:schemeClr val="dk2">
+        <a:tint val="60000"/>
+      </a:schemeClr>
+    </dgm:fillClrLst>
+    <dgm:linClrLst meth="repeat">
+      <a:schemeClr val="dk2">
+        <a:tint val="60000"/>
+      </a:schemeClr>
+    </dgm:linClrLst>
+    <dgm:effectClrLst/>
+    <dgm:txLinClrLst/>
+    <dgm:txFillClrLst/>
+    <dgm:txEffectClrLst/>
+  </dgm:styleLbl>
+  <dgm:styleLbl name="fgSibTrans2D1">
+    <dgm:fillClrLst meth="repeat">
+      <a:schemeClr val="dk2">
+        <a:tint val="60000"/>
+      </a:schemeClr>
+    </dgm:fillClrLst>
+    <dgm:linClrLst meth="repeat">
+      <a:schemeClr val="dk2">
+        <a:tint val="60000"/>
+      </a:schemeClr>
+    </dgm:linClrLst>
+    <dgm:effectClrLst/>
+    <dgm:txLinClrLst/>
+    <dgm:txFillClrLst/>
+    <dgm:txEffectClrLst/>
+  </dgm:styleLbl>
+  <dgm:styleLbl name="bgSibTrans2D1">
+    <dgm:fillClrLst meth="repeat">
+      <a:schemeClr val="dk2">
+        <a:tint val="60000"/>
+      </a:schemeClr>
+    </dgm:fillClrLst>
+    <dgm:linClrLst meth="repeat">
+      <a:schemeClr val="dk2">
+        <a:tint val="60000"/>
+      </a:schemeClr>
+    </dgm:linClrLst>
+    <dgm:effectClrLst/>
+    <dgm:txLinClrLst/>
+    <dgm:txFillClrLst/>
+    <dgm:txEffectClrLst/>
+  </dgm:styleLbl>
+  <dgm:styleLbl name="sibTrans1D1">
+    <dgm:fillClrLst meth="repeat">
+      <a:schemeClr val="dk2"/>
+    </dgm:fillClrLst>
+    <dgm:linClrLst meth="repeat">
+      <a:schemeClr val="dk2"/>
+    </dgm:linClrLst>
+    <dgm:effectClrLst/>
+    <dgm:txLinClrLst/>
+    <dgm:txFillClrLst meth="repeat">
+      <a:schemeClr val="lt2"/>
+    </dgm:txFillClrLst>
+    <dgm:txEffectClrLst/>
+  </dgm:styleLbl>
+  <dgm:styleLbl name="callout">
+    <dgm:fillClrLst meth="repeat">
+      <a:schemeClr val="dk2"/>
+    </dgm:fillClrLst>
+    <dgm:linClrLst meth="repeat">
+      <a:schemeClr val="dk2">
+        <a:tint val="50000"/>
+      </a:schemeClr>
+    </dgm:linClrLst>
+    <dgm:effectClrLst/>
+    <dgm:txLinClrLst/>
+    <dgm:txFillClrLst meth="repeat">
+      <a:schemeClr val="lt2"/>
+    </dgm:txFillClrLst>
+    <dgm:txEffectClrLst/>
+  </dgm:styleLbl>
+  <dgm:styleLbl name="asst0">
+    <dgm:fillClrLst meth="repeat">
+      <a:schemeClr val="dk2"/>
+    </dgm:fillClrLst>
+    <dgm:linClrLst meth="repeat">
+      <a:schemeClr val="lt2"/>
+    </dgm:linClrLst>
+    <dgm:effectClrLst/>
+    <dgm:txLinClrLst/>
+    <dgm:txFillClrLst/>
+    <dgm:txEffectClrLst/>
+  </dgm:styleLbl>
+  <dgm:styleLbl name="asst1">
+    <dgm:fillClrLst meth="repeat">
+      <a:schemeClr val="dk2"/>
+    </dgm:fillClrLst>
+    <dgm:linClrLst meth="repeat">
+      <a:schemeClr val="lt2"/>
+    </dgm:linClrLst>
+    <dgm:effectClrLst/>
+    <dgm:txLinClrLst/>
+    <dgm:txFillClrLst/>
+    <dgm:txEffectClrLst/>
+  </dgm:styleLbl>
+  <dgm:styleLbl name="asst2">
+    <dgm:fillClrLst meth="repeat">
+      <a:schemeClr val="dk2"/>
+    </dgm:fillClrLst>
+    <dgm:linClrLst meth="repeat">
+      <a:schemeClr val="lt2"/>
+    </dgm:linClrLst>
+    <dgm:effectClrLst/>
+    <dgm:txLinClrLst/>
+    <dgm:txFillClrLst/>
+    <dgm:txEffectClrLst/>
+  </dgm:styleLbl>
+  <dgm:styleLbl name="asst3">
+    <dgm:fillClrLst meth="repeat">
+      <a:schemeClr val="dk2"/>
+    </dgm:fillClrLst>
+    <dgm:linClrLst meth="repeat">
+      <a:schemeClr val="lt2"/>
+    </dgm:linClrLst>
+    <dgm:effectClrLst/>
+    <dgm:txLinClrLst/>
+    <dgm:txFillClrLst/>
+    <dgm:txEffectClrLst/>
+  </dgm:styleLbl>
+  <dgm:styleLbl name="asst4">
+    <dgm:fillClrLst meth="repeat">
+      <a:schemeClr val="dk2"/>
+    </dgm:fillClrLst>
+    <dgm:linClrLst meth="repeat">
+      <a:schemeClr val="lt2"/>
+    </dgm:linClrLst>
+    <dgm:effectClrLst/>
+    <dgm:txLinClrLst/>
+    <dgm:txFillClrLst/>
+    <dgm:txEffectClrLst/>
+  </dgm:styleLbl>
+  <dgm:styleLbl name="parChTrans2D1">
+    <dgm:fillClrLst meth="repeat">
+      <a:schemeClr val="dk2">
+        <a:tint val="60000"/>
+      </a:schemeClr>
+    </dgm:fillClrLst>
+    <dgm:linClrLst meth="repeat">
+      <a:schemeClr val="dk2">
+        <a:tint val="60000"/>
+      </a:schemeClr>
+    </dgm:linClrLst>
+    <dgm:effectClrLst/>
+    <dgm:txLinClrLst/>
+    <dgm:txFillClrLst meth="repeat">
+      <a:schemeClr val="lt2"/>
+    </dgm:txFillClrLst>
+    <dgm:txEffectClrLst/>
+  </dgm:styleLbl>
+  <dgm:styleLbl name="parChTrans2D2">
+    <dgm:fillClrLst meth="repeat">
+      <a:schemeClr val="dk2"/>
+    </dgm:fillClrLst>
+    <dgm:linClrLst meth="repeat">
+      <a:schemeClr val="dk2"/>
+    </dgm:linClrLst>
+    <dgm:effectClrLst/>
+    <dgm:txLinClrLst/>
+    <dgm:txFillClrLst meth="repeat">
+      <a:schemeClr val="lt2"/>
+    </dgm:txFillClrLst>
+    <dgm:txEffectClrLst/>
+  </dgm:styleLbl>
+  <dgm:styleLbl name="parChTrans2D3">
+    <dgm:fillClrLst meth="repeat">
+      <a:schemeClr val="dk2"/>
+    </dgm:fillClrLst>
+    <dgm:linClrLst meth="repeat">
+      <a:schemeClr val="dk2"/>
+    </dgm:linClrLst>
+    <dgm:effectClrLst/>
+    <dgm:txLinClrLst/>
+    <dgm:txFillClrLst meth="repeat">
+      <a:schemeClr val="lt2"/>
+    </dgm:txFillClrLst>
+    <dgm:txEffectClrLst/>
+  </dgm:styleLbl>
+  <dgm:styleLbl name="parChTrans2D4">
+    <dgm:fillClrLst meth="repeat">
+      <a:schemeClr val="dk2"/>
+    </dgm:fillClrLst>
+    <dgm:linClrLst meth="repeat">
+      <a:schemeClr val="dk2"/>
+    </dgm:linClrLst>
+    <dgm:effectClrLst/>
+    <dgm:txLinClrLst/>
+    <dgm:txFillClrLst meth="repeat">
+      <a:schemeClr val="lt2"/>
+    </dgm:txFillClrLst>
+    <dgm:txEffectClrLst/>
+  </dgm:styleLbl>
+  <dgm:styleLbl name="parChTrans1D1">
+    <dgm:fillClrLst meth="repeat">
+      <a:schemeClr val="dk2"/>
+    </dgm:fillClrLst>
+    <dgm:linClrLst meth="repeat">
+      <a:schemeClr val="dk2">
+        <a:shade val="60000"/>
+      </a:schemeClr>
+    </dgm:linClrLst>
+    <dgm:effectClrLst/>
+    <dgm:txLinClrLst/>
+    <dgm:txFillClrLst meth="repeat">
+      <a:schemeClr val="tx1"/>
+    </dgm:txFillClrLst>
+    <dgm:txEffectClrLst/>
+  </dgm:styleLbl>
+  <dgm:styleLbl name="parChTrans1D2">
+    <dgm:fillClrLst meth="repeat">
+      <a:schemeClr val="dk2"/>
+    </dgm:fillClrLst>
+    <dgm:linClrLst meth="repeat">
+      <a:schemeClr val="dk2">
+        <a:shade val="60000"/>
+      </a:schemeClr>
+    </dgm:linClrLst>
+    <dgm:effectClrLst/>
+    <dgm:txLinClrLst/>
+    <dgm:txFillClrLst meth="repeat">
+      <a:schemeClr val="tx1"/>
+    </dgm:txFillClrLst>
+    <dgm:txEffectClrLst/>
+  </dgm:styleLbl>
+  <dgm:styleLbl name="parChTrans1D3">
+    <dgm:fillClrLst meth="repeat">
+      <a:schemeClr val="dk2"/>
+    </dgm:fillClrLst>
+    <dgm:linClrLst meth="repeat">
+      <a:schemeClr val="dk2">
+        <a:shade val="80000"/>
+      </a:schemeClr>
+    </dgm:linClrLst>
+    <dgm:effectClrLst/>
+    <dgm:txLinClrLst/>
+    <dgm:txFillClrLst meth="repeat">
+      <a:schemeClr val="tx1"/>
+    </dgm:txFillClrLst>
+    <dgm:txEffectClrLst/>
+  </dgm:styleLbl>
+  <dgm:styleLbl name="parChTrans1D4">
+    <dgm:fillClrLst meth="repeat">
+      <a:schemeClr val="dk2"/>
+    </dgm:fillClrLst>
+    <dgm:linClrLst meth="repeat">
+      <a:schemeClr val="dk2">
+        <a:shade val="80000"/>
+      </a:schemeClr>
+    </dgm:linClrLst>
+    <dgm:effectClrLst/>
+    <dgm:txLinClrLst/>
+    <dgm:txFillClrLst meth="repeat">
+      <a:schemeClr val="tx1"/>
+    </dgm:txFillClrLst>
+    <dgm:txEffectClrLst/>
+  </dgm:styleLbl>
+  <dgm:styleLbl name="fgAcc1">
+    <dgm:fillClrLst meth="repeat">
+      <a:schemeClr val="lt2">
+        <a:alpha val="90000"/>
+      </a:schemeClr>
+    </dgm:fillClrLst>
+    <dgm:linClrLst meth="repeat">
+      <a:schemeClr val="dk2"/>
+    </dgm:linClrLst>
+    <dgm:effectClrLst/>
+    <dgm:txLinClrLst/>
+    <dgm:txFillClrLst meth="repeat">
+      <a:schemeClr val="dk1"/>
+    </dgm:txFillClrLst>
+    <dgm:txEffectClrLst/>
+  </dgm:styleLbl>
+  <dgm:styleLbl name="conFgAcc1">
+    <dgm:fillClrLst meth="repeat">
+      <a:schemeClr val="lt2">
+        <a:alpha val="90000"/>
+      </a:schemeClr>
+    </dgm:fillClrLst>
+    <dgm:linClrLst meth="repeat">
+      <a:schemeClr val="dk2"/>
+    </dgm:linClrLst>
+    <dgm:effectClrLst/>
+    <dgm:txLinClrLst/>
+    <dgm:txFillClrLst meth="repeat">
+      <a:schemeClr val="dk1"/>
+    </dgm:txFillClrLst>
+    <dgm:txEffectClrLst/>
+  </dgm:styleLbl>
+  <dgm:styleLbl name="alignAcc1">
+    <dgm:fillClrLst meth="repeat">
+      <a:schemeClr val="lt2">
+        <a:alpha val="90000"/>
+      </a:schemeClr>
+    </dgm:fillClrLst>
+    <dgm:linClrLst meth="repeat">
+      <a:schemeClr val="dk2"/>
+    </dgm:linClrLst>
+    <dgm:effectClrLst/>
+    <dgm:txLinClrLst/>
+    <dgm:txFillClrLst meth="repeat">
+      <a:schemeClr val="dk1"/>
+    </dgm:txFillClrLst>
+    <dgm:txEffectClrLst/>
+  </dgm:styleLbl>
+  <dgm:styleLbl name="trAlignAcc1">
+    <dgm:fillClrLst meth="repeat">
+      <a:schemeClr val="lt2">
+        <a:alpha val="0"/>
+      </a:schemeClr>
+    </dgm:fillClrLst>
+    <dgm:linClrLst meth="repeat">
+      <a:schemeClr val="dk2"/>
+    </dgm:linClrLst>
+    <dgm:effectClrLst/>
+    <dgm:txLinClrLst/>
+    <dgm:txFillClrLst meth="repeat">
+      <a:schemeClr val="dk1"/>
+    </dgm:txFillClrLst>
+    <dgm:txEffectClrLst/>
+  </dgm:styleLbl>
+  <dgm:styleLbl name="bgAcc1">
+    <dgm:fillClrLst meth="repeat">
+      <a:schemeClr val="lt2">
+        <a:alpha val="90000"/>
+      </a:schemeClr>
+    </dgm:fillClrLst>
+    <dgm:linClrLst meth="repeat">
+      <a:schemeClr val="dk2"/>
+    </dgm:linClrLst>
+    <dgm:effectClrLst/>
+    <dgm:txLinClrLst/>
+    <dgm:txFillClrLst meth="repeat">
+      <a:schemeClr val="dk1"/>
+    </dgm:txFillClrLst>
+    <dgm:txEffectClrLst/>
+  </dgm:styleLbl>
+  <dgm:styleLbl name="solidFgAcc1">
+    <dgm:fillClrLst meth="repeat">
+      <a:schemeClr val="lt2"/>
+    </dgm:fillClrLst>
+    <dgm:linClrLst meth="repeat">
+      <a:schemeClr val="dk2"/>
+    </dgm:linClrLst>
+    <dgm:effectClrLst/>
+    <dgm:txLinClrLst/>
+    <dgm:txFillClrLst meth="repeat">
+      <a:schemeClr val="dk1"/>
+    </dgm:txFillClrLst>
+    <dgm:txEffectClrLst/>
+  </dgm:styleLbl>
+  <dgm:styleLbl name="solidAlignAcc1">
+    <dgm:fillClrLst meth="repeat">
+      <a:schemeClr val="lt2"/>
+    </dgm:fillClrLst>
+    <dgm:linClrLst meth="repeat">
+      <a:schemeClr val="dk2"/>
+    </dgm:linClrLst>
+    <dgm:effectClrLst/>
+    <dgm:txLinClrLst/>
+    <dgm:txFillClrLst meth="repeat">
+      <a:schemeClr val="dk1"/>
+    </dgm:txFillClrLst>
+    <dgm:txEffectClrLst/>
+  </dgm:styleLbl>
+  <dgm:styleLbl name="solidBgAcc1">
+    <dgm:fillClrLst meth="repeat">
+      <a:schemeClr val="lt2"/>
+    </dgm:fillClrLst>
+    <dgm:linClrLst meth="repeat">
+      <a:schemeClr val="dk2"/>
+    </dgm:linClrLst>
+    <dgm:effectClrLst/>
+    <dgm:txLinClrLst/>
+    <dgm:txFillClrLst meth="repeat">
+      <a:schemeClr val="dk1"/>
+    </dgm:txFillClrLst>
+    <dgm:txEffectClrLst/>
+  </dgm:styleLbl>
+  <dgm:styleLbl name="fgAccFollowNode1">
+    <dgm:fillClrLst meth="repeat">
+      <a:schemeClr val="dk2">
+        <a:alpha val="90000"/>
+        <a:tint val="40000"/>
+      </a:schemeClr>
+    </dgm:fillClrLst>
+    <dgm:linClrLst meth="repeat">
+      <a:schemeClr val="dk2">
+        <a:alpha val="90000"/>
+        <a:tint val="40000"/>
+      </a:schemeClr>
+    </dgm:linClrLst>
+    <dgm:effectClrLst/>
+    <dgm:txLinClrLst/>
+    <dgm:txFillClrLst meth="repeat">
+      <a:schemeClr val="dk1"/>
+    </dgm:txFillClrLst>
+    <dgm:txEffectClrLst/>
+  </dgm:styleLbl>
+  <dgm:styleLbl name="alignAccFollowNode1">
+    <dgm:fillClrLst meth="repeat">
+      <a:schemeClr val="dk2">
+        <a:alpha val="90000"/>
+        <a:tint val="40000"/>
+      </a:schemeClr>
+    </dgm:fillClrLst>
+    <dgm:linClrLst meth="repeat">
+      <a:schemeClr val="dk2">
+        <a:alpha val="90000"/>
+        <a:tint val="40000"/>
+      </a:schemeClr>
+    </dgm:linClrLst>
+    <dgm:effectClrLst/>
+    <dgm:txLinClrLst/>
+    <dgm:txFillClrLst meth="repeat">
+      <a:schemeClr val="dk1"/>
+    </dgm:txFillClrLst>
+    <dgm:txEffectClrLst/>
+  </dgm:styleLbl>
+  <dgm:styleLbl name="bgAccFollowNode1">
+    <dgm:fillClrLst meth="repeat">
+      <a:schemeClr val="dk2">
+        <a:alpha val="90000"/>
+        <a:tint val="40000"/>
+      </a:schemeClr>
+    </dgm:fillClrLst>
+    <dgm:linClrLst meth="repeat">
+      <a:schemeClr val="dk2">
+        <a:alpha val="90000"/>
+        <a:tint val="40000"/>
+      </a:schemeClr>
+    </dgm:linClrLst>
+    <dgm:effectClrLst/>
+    <dgm:txLinClrLst/>
+    <dgm:txFillClrLst meth="repeat">
+      <a:schemeClr val="dk1"/>
+    </dgm:txFillClrLst>
+    <dgm:txEffectClrLst/>
+  </dgm:styleLbl>
+  <dgm:styleLbl name="fgAcc0">
+    <dgm:fillClrLst meth="repeat">
+      <a:schemeClr val="lt2">
+        <a:alpha val="90000"/>
+      </a:schemeClr>
+    </dgm:fillClrLst>
+    <dgm:linClrLst meth="repeat">
+      <a:schemeClr val="dk2"/>
+    </dgm:linClrLst>
+    <dgm:effectClrLst/>
+    <dgm:txLinClrLst/>
+    <dgm:txFillClrLst meth="repeat">
+      <a:schemeClr val="dk1"/>
+    </dgm:txFillClrLst>
+    <dgm:txEffectClrLst/>
+  </dgm:styleLbl>
+  <dgm:styleLbl name="fgAcc2">
+    <dgm:fillClrLst meth="repeat">
+      <a:schemeClr val="lt2">
+        <a:alpha val="90000"/>
+      </a:schemeClr>
+    </dgm:fillClrLst>
+    <dgm:linClrLst meth="repeat">
+      <a:schemeClr val="dk2"/>
+    </dgm:linClrLst>
+    <dgm:effectClrLst/>
+    <dgm:txLinClrLst/>
+    <dgm:txFillClrLst meth="repeat">
+      <a:schemeClr val="dk1"/>
+    </dgm:txFillClrLst>
+    <dgm:txEffectClrLst/>
+  </dgm:styleLbl>
+  <dgm:styleLbl name="fgAcc3">
+    <dgm:fillClrLst meth="repeat">
+      <a:schemeClr val="lt2">
+        <a:alpha val="90000"/>
+      </a:schemeClr>
+    </dgm:fillClrLst>
+    <dgm:linClrLst meth="repeat">
+      <a:schemeClr val="dk2"/>
+    </dgm:linClrLst>
+    <dgm:effectClrLst/>
+    <dgm:txLinClrLst/>
+    <dgm:txFillClrLst meth="repeat">
+      <a:schemeClr val="dk1"/>
+    </dgm:txFillClrLst>
+    <dgm:txEffectClrLst/>
+  </dgm:styleLbl>
+  <dgm:styleLbl name="fgAcc4">
+    <dgm:fillClrLst meth="repeat">
+      <a:schemeClr val="lt2">
+        <a:alpha val="90000"/>
+      </a:schemeClr>
+    </dgm:fillClrLst>
+    <dgm:linClrLst meth="repeat">
+      <a:schemeClr val="dk2"/>
+    </dgm:linClrLst>
+    <dgm:effectClrLst/>
+    <dgm:txLinClrLst/>
+    <dgm:txFillClrLst meth="repeat">
+      <a:schemeClr val="dk1"/>
+    </dgm:txFillClrLst>
+    <dgm:txEffectClrLst/>
+  </dgm:styleLbl>
+  <dgm:styleLbl name="bgShp">
+    <dgm:fillClrLst meth="repeat">
+      <a:schemeClr val="dk2"/>
+    </dgm:fillClrLst>
+    <dgm:linClrLst meth="repeat">
+      <a:schemeClr val="lt2">
+        <a:alpha val="0"/>
+      </a:schemeClr>
+    </dgm:linClrLst>
+    <dgm:effectClrLst/>
+    <dgm:txLinClrLst/>
+    <dgm:txFillClrLst/>
+    <dgm:txEffectClrLst/>
+  </dgm:styleLbl>
+  <dgm:styleLbl name="dkBgShp">
+    <dgm:fillClrLst meth="repeat">
+      <a:schemeClr val="dk2">
+        <a:shade val="80000"/>
+      </a:schemeClr>
+    </dgm:fillClrLst>
+    <dgm:linClrLst meth="repeat">
+      <a:schemeClr val="dk2"/>
+    </dgm:linClrLst>
+    <dgm:effectClrLst/>
+    <dgm:txLinClrLst/>
+    <dgm:txFillClrLst meth="repeat">
+      <a:schemeClr val="lt1"/>
+    </dgm:txFillClrLst>
+    <dgm:txEffectClrLst/>
+  </dgm:styleLbl>
+  <dgm:styleLbl name="trBgShp">
+    <dgm:fillClrLst meth="repeat">
+      <a:schemeClr val="dk2">
+        <a:tint val="50000"/>
+        <a:alpha val="40000"/>
+      </a:schemeClr>
+    </dgm:fillClrLst>
+    <dgm:linClrLst meth="repeat">
+      <a:schemeClr val="dk2"/>
+    </dgm:linClrLst>
+    <dgm:effectClrLst/>
+    <dgm:txLinClrLst/>
+    <dgm:txFillClrLst meth="repeat">
+      <a:schemeClr val="lt1"/>
+    </dgm:txFillClrLst>
+    <dgm:txEffectClrLst/>
+  </dgm:styleLbl>
+  <dgm:styleLbl name="fgShp">
+    <dgm:fillClrLst meth="repeat">
+      <a:schemeClr val="dk2">
+        <a:tint val="60000"/>
+      </a:schemeClr>
+    </dgm:fillClrLst>
+    <dgm:linClrLst meth="repeat">
+      <a:schemeClr val="lt2"/>
+    </dgm:linClrLst>
+    <dgm:effectClrLst/>
+    <dgm:txLinClrLst/>
+    <dgm:txFillClrLst meth="repeat">
+      <a:schemeClr val="dk1"/>
+    </dgm:txFillClrLst>
+    <dgm:txEffectClrLst/>
+  </dgm:styleLbl>
+  <dgm:styleLbl name="revTx">
+    <dgm:fillClrLst meth="repeat">
+      <a:schemeClr val="dk2">
+        <a:alpha val="0"/>
+      </a:schemeClr>
+    </dgm:fillClrLst>
+    <dgm:linClrLst meth="repeat">
+      <a:schemeClr val="dk2">
+        <a:alpha val="0"/>
+      </a:schemeClr>
+    </dgm:linClrLst>
+    <dgm:effectClrLst/>
+    <dgm:txLinClrLst/>
+    <dgm:txFillClrLst meth="repeat">
+      <a:schemeClr val="dk2"/>
+    </dgm:txFillClrLst>
+    <dgm:txEffectClrLst/>
+  </dgm:styleLbl>
+</dgm:colorsDef>
+</file>
+
+<file path=ppt/diagrams/data1.xml><?xml version="1.0" encoding="utf-8"?>
+<dgm:dataModel xmlns:dgm="http://schemas.openxmlformats.org/drawingml/2006/diagram" xmlns:a="http://schemas.openxmlformats.org/drawingml/2006/main">
+  <dgm:ptLst>
+    <dgm:pt modelId="{29831B26-704C-4053-9FD5-B60675B840A4}" type="doc">
+      <dgm:prSet loTypeId="urn:microsoft.com/office/officeart/2018/5/layout/IconCircleLabelList" loCatId="icon" qsTypeId="urn:microsoft.com/office/officeart/2005/8/quickstyle/simple1" qsCatId="simple" csTypeId="urn:microsoft.com/office/officeart/2018/5/colors/Iconchunking_coloredtext_accent0_3" csCatId="mainScheme" phldr="1"/>
+      <dgm:spPr/>
+      <dgm:t>
+        <a:bodyPr/>
+        <a:lstStyle/>
+        <a:p>
+          <a:endParaRPr lang="en-US"/>
+        </a:p>
+      </dgm:t>
+    </dgm:pt>
+    <dgm:pt modelId="{17A98381-80F5-4C12-A3EF-3506A4B9BDF4}">
+      <dgm:prSet/>
+      <dgm:spPr/>
+      <dgm:t>
+        <a:bodyPr/>
+        <a:lstStyle/>
+        <a:p>
+          <a:pPr>
+            <a:lnSpc>
+              <a:spcPct val="100000"/>
+            </a:lnSpc>
+            <a:defRPr cap="all"/>
+          </a:pPr>
+          <a:r>
+            <a:rPr lang="en-US"/>
+            <a:t>Purpose</a:t>
+          </a:r>
+        </a:p>
+      </dgm:t>
+    </dgm:pt>
+    <dgm:pt modelId="{82BB61A3-CB8B-414A-BBF5-BB918AF4CF0A}" type="parTrans" cxnId="{B6992BF8-FD6C-403A-94F6-39892D1FF199}">
+      <dgm:prSet/>
+      <dgm:spPr/>
+      <dgm:t>
+        <a:bodyPr/>
+        <a:lstStyle/>
+        <a:p>
+          <a:endParaRPr lang="en-US"/>
+        </a:p>
+      </dgm:t>
+    </dgm:pt>
+    <dgm:pt modelId="{67FB173F-1537-4BD9-B93A-4C04E1471011}" type="sibTrans" cxnId="{B6992BF8-FD6C-403A-94F6-39892D1FF199}">
+      <dgm:prSet/>
+      <dgm:spPr/>
+      <dgm:t>
+        <a:bodyPr/>
+        <a:lstStyle/>
+        <a:p>
+          <a:endParaRPr lang="en-US"/>
+        </a:p>
+      </dgm:t>
+    </dgm:pt>
+    <dgm:pt modelId="{4899A2A0-B16A-4FD3-B4F7-3977FBBDC3E9}">
+      <dgm:prSet/>
+      <dgm:spPr/>
+      <dgm:t>
+        <a:bodyPr/>
+        <a:lstStyle/>
+        <a:p>
+          <a:pPr>
+            <a:lnSpc>
+              <a:spcPct val="100000"/>
+            </a:lnSpc>
+            <a:defRPr cap="all"/>
+          </a:pPr>
+          <a:r>
+            <a:rPr lang="en-US"/>
+            <a:t>Reagents</a:t>
+          </a:r>
+          <a:r>
+            <a:rPr lang="ko-KR"/>
+            <a:t> </a:t>
+          </a:r>
+          <a:r>
+            <a:rPr lang="en-US"/>
+            <a:t>&amp;</a:t>
+          </a:r>
+          <a:r>
+            <a:rPr lang="ko-KR"/>
+            <a:t> </a:t>
+          </a:r>
+          <a:r>
+            <a:rPr lang="en-US"/>
+            <a:t>Apparatus</a:t>
+          </a:r>
+        </a:p>
+      </dgm:t>
+    </dgm:pt>
+    <dgm:pt modelId="{AA267230-4837-4F06-A071-4E46D503AFA9}" type="parTrans" cxnId="{F954F096-6579-426F-A03E-63BDB79D33AE}">
+      <dgm:prSet/>
+      <dgm:spPr/>
+      <dgm:t>
+        <a:bodyPr/>
+        <a:lstStyle/>
+        <a:p>
+          <a:endParaRPr lang="en-US"/>
+        </a:p>
+      </dgm:t>
+    </dgm:pt>
+    <dgm:pt modelId="{5A0AEAF3-846C-4740-86EB-FE171C49C1D0}" type="sibTrans" cxnId="{F954F096-6579-426F-A03E-63BDB79D33AE}">
+      <dgm:prSet/>
+      <dgm:spPr/>
+      <dgm:t>
+        <a:bodyPr/>
+        <a:lstStyle/>
+        <a:p>
+          <a:endParaRPr lang="en-US"/>
+        </a:p>
+      </dgm:t>
+    </dgm:pt>
+    <dgm:pt modelId="{37E87069-FCA2-40E2-BBD0-D571A9EA881F}">
+      <dgm:prSet/>
+      <dgm:spPr/>
+      <dgm:t>
+        <a:bodyPr/>
+        <a:lstStyle/>
+        <a:p>
+          <a:pPr>
+            <a:lnSpc>
+              <a:spcPct val="100000"/>
+            </a:lnSpc>
+            <a:defRPr cap="all"/>
+          </a:pPr>
+          <a:r>
+            <a:rPr lang="en-US" dirty="0"/>
+            <a:t>DATA ACCUMULATION</a:t>
+          </a:r>
+        </a:p>
+      </dgm:t>
+    </dgm:pt>
+    <dgm:pt modelId="{AF510381-9E14-48F9-A800-88E394D5CE39}" type="parTrans" cxnId="{44A6C9D9-B3A7-4F7A-9222-9E0DE59584DA}">
+      <dgm:prSet/>
+      <dgm:spPr/>
+      <dgm:t>
+        <a:bodyPr/>
+        <a:lstStyle/>
+        <a:p>
+          <a:endParaRPr lang="en-US"/>
+        </a:p>
+      </dgm:t>
+    </dgm:pt>
+    <dgm:pt modelId="{0D977BC5-6E6C-4E19-B772-62C25F0510A0}" type="sibTrans" cxnId="{44A6C9D9-B3A7-4F7A-9222-9E0DE59584DA}">
+      <dgm:prSet/>
+      <dgm:spPr/>
+      <dgm:t>
+        <a:bodyPr/>
+        <a:lstStyle/>
+        <a:p>
+          <a:endParaRPr lang="en-US"/>
+        </a:p>
+      </dgm:t>
+    </dgm:pt>
+    <dgm:pt modelId="{1698815F-8628-4E4F-BB1C-69626B68618D}" type="pres">
+      <dgm:prSet presAssocID="{29831B26-704C-4053-9FD5-B60675B840A4}" presName="root" presStyleCnt="0">
+        <dgm:presLayoutVars>
+          <dgm:dir/>
+          <dgm:resizeHandles val="exact"/>
+        </dgm:presLayoutVars>
+      </dgm:prSet>
+      <dgm:spPr/>
+    </dgm:pt>
+    <dgm:pt modelId="{210C4ADA-A752-4F7E-805E-9D21FB161D16}" type="pres">
+      <dgm:prSet presAssocID="{17A98381-80F5-4C12-A3EF-3506A4B9BDF4}" presName="compNode" presStyleCnt="0"/>
+      <dgm:spPr/>
+    </dgm:pt>
+    <dgm:pt modelId="{FE848667-7DCB-4040-B14C-4A5A5A88462B}" type="pres">
+      <dgm:prSet presAssocID="{17A98381-80F5-4C12-A3EF-3506A4B9BDF4}" presName="iconBgRect" presStyleLbl="bgShp" presStyleIdx="0" presStyleCnt="3"/>
+      <dgm:spPr/>
+    </dgm:pt>
+    <dgm:pt modelId="{1D1D0377-DF3C-413F-877D-693399392BB2}" type="pres">
+      <dgm:prSet presAssocID="{17A98381-80F5-4C12-A3EF-3506A4B9BDF4}" presName="iconRect" presStyleLbl="node1" presStyleIdx="0" presStyleCnt="3"/>
+      <dgm:spPr>
+        <a:blipFill>
+          <a:blip xmlns:r="http://schemas.openxmlformats.org/officeDocument/2006/relationships" r:embed="rId1">
+            <a:extLst>
+              <a:ext uri="{28A0092B-C50C-407E-A947-70E740481C1C}">
+                <a14:useLocalDpi xmlns:a14="http://schemas.microsoft.com/office/drawing/2010/main" val="0"/>
+              </a:ext>
+              <a:ext uri="{96DAC541-7B7A-43D3-8B79-37D633B846F1}">
+                <asvg:svgBlip xmlns:asvg="http://schemas.microsoft.com/office/drawing/2016/SVG/main" r:embed="rId2"/>
+              </a:ext>
+            </a:extLst>
+          </a:blip>
+          <a:stretch>
+            <a:fillRect/>
+          </a:stretch>
+        </a:blipFill>
+        <a:ln>
+          <a:noFill/>
+        </a:ln>
+      </dgm:spPr>
+      <dgm:extLst>
+        <a:ext uri="{E40237B7-FDA0-4F09-8148-C483321AD2D9}">
+          <dgm14:cNvPr xmlns:dgm14="http://schemas.microsoft.com/office/drawing/2010/diagram" id="0" name="" descr="Bullseye"/>
+        </a:ext>
+      </dgm:extLst>
+    </dgm:pt>
+    <dgm:pt modelId="{59053EB3-B998-43BB-A9DB-833CE98DC23E}" type="pres">
+      <dgm:prSet presAssocID="{17A98381-80F5-4C12-A3EF-3506A4B9BDF4}" presName="spaceRect" presStyleCnt="0"/>
+      <dgm:spPr/>
+    </dgm:pt>
+    <dgm:pt modelId="{C878EF03-E172-4954-A556-12C3FA46E140}" type="pres">
+      <dgm:prSet presAssocID="{17A98381-80F5-4C12-A3EF-3506A4B9BDF4}" presName="textRect" presStyleLbl="revTx" presStyleIdx="0" presStyleCnt="3">
+        <dgm:presLayoutVars>
+          <dgm:chMax val="1"/>
+          <dgm:chPref val="1"/>
+        </dgm:presLayoutVars>
+      </dgm:prSet>
+      <dgm:spPr/>
+    </dgm:pt>
+    <dgm:pt modelId="{CC72FB8A-CB5C-4F29-8AD1-1694236A31F0}" type="pres">
+      <dgm:prSet presAssocID="{67FB173F-1537-4BD9-B93A-4C04E1471011}" presName="sibTrans" presStyleCnt="0"/>
+      <dgm:spPr/>
+    </dgm:pt>
+    <dgm:pt modelId="{8EE42D98-41B0-4CA0-95E6-35C98322852D}" type="pres">
+      <dgm:prSet presAssocID="{4899A2A0-B16A-4FD3-B4F7-3977FBBDC3E9}" presName="compNode" presStyleCnt="0"/>
+      <dgm:spPr/>
+    </dgm:pt>
+    <dgm:pt modelId="{5CA697C5-97C1-406F-9921-E0810635249A}" type="pres">
+      <dgm:prSet presAssocID="{4899A2A0-B16A-4FD3-B4F7-3977FBBDC3E9}" presName="iconBgRect" presStyleLbl="bgShp" presStyleIdx="1" presStyleCnt="3"/>
+      <dgm:spPr/>
+    </dgm:pt>
+    <dgm:pt modelId="{725DBA08-01A7-4A93-AB2B-3481F1A2F654}" type="pres">
+      <dgm:prSet presAssocID="{4899A2A0-B16A-4FD3-B4F7-3977FBBDC3E9}" presName="iconRect" presStyleLbl="node1" presStyleIdx="1" presStyleCnt="3"/>
+      <dgm:spPr>
+        <a:blipFill>
+          <a:blip xmlns:r="http://schemas.openxmlformats.org/officeDocument/2006/relationships" r:embed="rId3">
+            <a:extLst>
+              <a:ext uri="{96DAC541-7B7A-43D3-8B79-37D633B846F1}">
+                <asvg:svgBlip xmlns:asvg="http://schemas.microsoft.com/office/drawing/2016/SVG/main" r:embed="rId4"/>
+              </a:ext>
+            </a:extLst>
+          </a:blip>
+          <a:srcRect/>
+          <a:stretch>
+            <a:fillRect/>
+          </a:stretch>
+        </a:blipFill>
+        <a:ln>
+          <a:noFill/>
+        </a:ln>
+      </dgm:spPr>
+      <dgm:extLst>
+        <a:ext uri="{E40237B7-FDA0-4F09-8148-C483321AD2D9}">
+          <dgm14:cNvPr xmlns:dgm14="http://schemas.microsoft.com/office/drawing/2010/diagram" id="0" name="" descr="프로세서"/>
+        </a:ext>
+      </dgm:extLst>
+    </dgm:pt>
+    <dgm:pt modelId="{DBA23EA4-4A8D-4841-9305-8A1D3737054F}" type="pres">
+      <dgm:prSet presAssocID="{4899A2A0-B16A-4FD3-B4F7-3977FBBDC3E9}" presName="spaceRect" presStyleCnt="0"/>
+      <dgm:spPr/>
+    </dgm:pt>
+    <dgm:pt modelId="{42759438-3AE3-4CB5-A966-ACB1BB14F715}" type="pres">
+      <dgm:prSet presAssocID="{4899A2A0-B16A-4FD3-B4F7-3977FBBDC3E9}" presName="textRect" presStyleLbl="revTx" presStyleIdx="1" presStyleCnt="3">
+        <dgm:presLayoutVars>
+          <dgm:chMax val="1"/>
+          <dgm:chPref val="1"/>
+        </dgm:presLayoutVars>
+      </dgm:prSet>
+      <dgm:spPr/>
+    </dgm:pt>
+    <dgm:pt modelId="{6420DE86-F4EB-48A9-95F4-70E975EB05D9}" type="pres">
+      <dgm:prSet presAssocID="{5A0AEAF3-846C-4740-86EB-FE171C49C1D0}" presName="sibTrans" presStyleCnt="0"/>
+      <dgm:spPr/>
+    </dgm:pt>
+    <dgm:pt modelId="{941F96B2-E9B7-46E0-9CAD-5FE05D135A84}" type="pres">
+      <dgm:prSet presAssocID="{37E87069-FCA2-40E2-BBD0-D571A9EA881F}" presName="compNode" presStyleCnt="0"/>
+      <dgm:spPr/>
+    </dgm:pt>
+    <dgm:pt modelId="{0147B471-514B-4E4B-946F-177C8A4E4762}" type="pres">
+      <dgm:prSet presAssocID="{37E87069-FCA2-40E2-BBD0-D571A9EA881F}" presName="iconBgRect" presStyleLbl="bgShp" presStyleIdx="2" presStyleCnt="3"/>
+      <dgm:spPr/>
+    </dgm:pt>
+    <dgm:pt modelId="{016EABE0-ABC6-45F4-A84F-4EF238732B5D}" type="pres">
+      <dgm:prSet presAssocID="{37E87069-FCA2-40E2-BBD0-D571A9EA881F}" presName="iconRect" presStyleLbl="node1" presStyleIdx="2" presStyleCnt="3"/>
+      <dgm:spPr>
+        <a:blipFill>
+          <a:blip xmlns:r="http://schemas.openxmlformats.org/officeDocument/2006/relationships" r:embed="rId5">
+            <a:extLst>
+              <a:ext uri="{28A0092B-C50C-407E-A947-70E740481C1C}">
+                <a14:useLocalDpi xmlns:a14="http://schemas.microsoft.com/office/drawing/2010/main" val="0"/>
+              </a:ext>
+              <a:ext uri="{96DAC541-7B7A-43D3-8B79-37D633B846F1}">
+                <asvg:svgBlip xmlns:asvg="http://schemas.microsoft.com/office/drawing/2016/SVG/main" r:embed="rId6"/>
+              </a:ext>
+            </a:extLst>
+          </a:blip>
+          <a:stretch>
+            <a:fillRect/>
+          </a:stretch>
+        </a:blipFill>
+        <a:ln>
+          <a:noFill/>
+        </a:ln>
+      </dgm:spPr>
+      <dgm:extLst>
+        <a:ext uri="{E40237B7-FDA0-4F09-8148-C483321AD2D9}">
+          <dgm14:cNvPr xmlns:dgm14="http://schemas.microsoft.com/office/drawing/2010/diagram" id="0" name="" descr="Bar chart"/>
+        </a:ext>
+      </dgm:extLst>
+    </dgm:pt>
+    <dgm:pt modelId="{A006AEE6-379D-40C9-95EB-035B84F3F976}" type="pres">
+      <dgm:prSet presAssocID="{37E87069-FCA2-40E2-BBD0-D571A9EA881F}" presName="spaceRect" presStyleCnt="0"/>
+      <dgm:spPr/>
+    </dgm:pt>
+    <dgm:pt modelId="{B0F859CD-F693-41DB-86C5-D5482B89997C}" type="pres">
+      <dgm:prSet presAssocID="{37E87069-FCA2-40E2-BBD0-D571A9EA881F}" presName="textRect" presStyleLbl="revTx" presStyleIdx="2" presStyleCnt="3">
+        <dgm:presLayoutVars>
+          <dgm:chMax val="1"/>
+          <dgm:chPref val="1"/>
+        </dgm:presLayoutVars>
+      </dgm:prSet>
+      <dgm:spPr/>
+    </dgm:pt>
+  </dgm:ptLst>
+  <dgm:cxnLst>
+    <dgm:cxn modelId="{AEF74727-1477-416E-BB98-0BEA328EAA32}" type="presOf" srcId="{17A98381-80F5-4C12-A3EF-3506A4B9BDF4}" destId="{C878EF03-E172-4954-A556-12C3FA46E140}" srcOrd="0" destOrd="0" presId="urn:microsoft.com/office/officeart/2018/5/layout/IconCircleLabelList"/>
+    <dgm:cxn modelId="{3F051184-8672-47FA-8E01-4319F0807255}" type="presOf" srcId="{4899A2A0-B16A-4FD3-B4F7-3977FBBDC3E9}" destId="{42759438-3AE3-4CB5-A966-ACB1BB14F715}" srcOrd="0" destOrd="0" presId="urn:microsoft.com/office/officeart/2018/5/layout/IconCircleLabelList"/>
+    <dgm:cxn modelId="{F954F096-6579-426F-A03E-63BDB79D33AE}" srcId="{29831B26-704C-4053-9FD5-B60675B840A4}" destId="{4899A2A0-B16A-4FD3-B4F7-3977FBBDC3E9}" srcOrd="1" destOrd="0" parTransId="{AA267230-4837-4F06-A071-4E46D503AFA9}" sibTransId="{5A0AEAF3-846C-4740-86EB-FE171C49C1D0}"/>
+    <dgm:cxn modelId="{37E1F69F-7DA1-49F6-A400-A689F0ADC4CD}" type="presOf" srcId="{29831B26-704C-4053-9FD5-B60675B840A4}" destId="{1698815F-8628-4E4F-BB1C-69626B68618D}" srcOrd="0" destOrd="0" presId="urn:microsoft.com/office/officeart/2018/5/layout/IconCircleLabelList"/>
+    <dgm:cxn modelId="{44A6C9D9-B3A7-4F7A-9222-9E0DE59584DA}" srcId="{29831B26-704C-4053-9FD5-B60675B840A4}" destId="{37E87069-FCA2-40E2-BBD0-D571A9EA881F}" srcOrd="2" destOrd="0" parTransId="{AF510381-9E14-48F9-A800-88E394D5CE39}" sibTransId="{0D977BC5-6E6C-4E19-B772-62C25F0510A0}"/>
+    <dgm:cxn modelId="{C2617BDB-2172-4BE0-8B68-E817494EDC97}" type="presOf" srcId="{37E87069-FCA2-40E2-BBD0-D571A9EA881F}" destId="{B0F859CD-F693-41DB-86C5-D5482B89997C}" srcOrd="0" destOrd="0" presId="urn:microsoft.com/office/officeart/2018/5/layout/IconCircleLabelList"/>
+    <dgm:cxn modelId="{B6992BF8-FD6C-403A-94F6-39892D1FF199}" srcId="{29831B26-704C-4053-9FD5-B60675B840A4}" destId="{17A98381-80F5-4C12-A3EF-3506A4B9BDF4}" srcOrd="0" destOrd="0" parTransId="{82BB61A3-CB8B-414A-BBF5-BB918AF4CF0A}" sibTransId="{67FB173F-1537-4BD9-B93A-4C04E1471011}"/>
+    <dgm:cxn modelId="{CCB26713-5E67-4972-8743-AC652FA9D187}" type="presParOf" srcId="{1698815F-8628-4E4F-BB1C-69626B68618D}" destId="{210C4ADA-A752-4F7E-805E-9D21FB161D16}" srcOrd="0" destOrd="0" presId="urn:microsoft.com/office/officeart/2018/5/layout/IconCircleLabelList"/>
+    <dgm:cxn modelId="{21675390-0DE8-404A-B10C-F3D61ADD7811}" type="presParOf" srcId="{210C4ADA-A752-4F7E-805E-9D21FB161D16}" destId="{FE848667-7DCB-4040-B14C-4A5A5A88462B}" srcOrd="0" destOrd="0" presId="urn:microsoft.com/office/officeart/2018/5/layout/IconCircleLabelList"/>
+    <dgm:cxn modelId="{C20005C8-A501-4192-A6D9-1CC04C8623A5}" type="presParOf" srcId="{210C4ADA-A752-4F7E-805E-9D21FB161D16}" destId="{1D1D0377-DF3C-413F-877D-693399392BB2}" srcOrd="1" destOrd="0" presId="urn:microsoft.com/office/officeart/2018/5/layout/IconCircleLabelList"/>
+    <dgm:cxn modelId="{613D4CA7-2E46-4650-B303-99802C977AE7}" type="presParOf" srcId="{210C4ADA-A752-4F7E-805E-9D21FB161D16}" destId="{59053EB3-B998-43BB-A9DB-833CE98DC23E}" srcOrd="2" destOrd="0" presId="urn:microsoft.com/office/officeart/2018/5/layout/IconCircleLabelList"/>
+    <dgm:cxn modelId="{34566640-04CA-4EBE-A56F-F6B829AC805A}" type="presParOf" srcId="{210C4ADA-A752-4F7E-805E-9D21FB161D16}" destId="{C878EF03-E172-4954-A556-12C3FA46E140}" srcOrd="3" destOrd="0" presId="urn:microsoft.com/office/officeart/2018/5/layout/IconCircleLabelList"/>
+    <dgm:cxn modelId="{C8FF7F12-A15A-4BEC-AEFA-4921029D1187}" type="presParOf" srcId="{1698815F-8628-4E4F-BB1C-69626B68618D}" destId="{CC72FB8A-CB5C-4F29-8AD1-1694236A31F0}" srcOrd="1" destOrd="0" presId="urn:microsoft.com/office/officeart/2018/5/layout/IconCircleLabelList"/>
+    <dgm:cxn modelId="{2F6B9A59-4A1C-4640-BFBF-0FD41A415807}" type="presParOf" srcId="{1698815F-8628-4E4F-BB1C-69626B68618D}" destId="{8EE42D98-41B0-4CA0-95E6-35C98322852D}" srcOrd="2" destOrd="0" presId="urn:microsoft.com/office/officeart/2018/5/layout/IconCircleLabelList"/>
+    <dgm:cxn modelId="{EDBDECE0-9C9F-4DDF-A538-D04157FC9D81}" type="presParOf" srcId="{8EE42D98-41B0-4CA0-95E6-35C98322852D}" destId="{5CA697C5-97C1-406F-9921-E0810635249A}" srcOrd="0" destOrd="0" presId="urn:microsoft.com/office/officeart/2018/5/layout/IconCircleLabelList"/>
+    <dgm:cxn modelId="{D6980358-1363-4F0B-8FA4-0FEB963AF1F7}" type="presParOf" srcId="{8EE42D98-41B0-4CA0-95E6-35C98322852D}" destId="{725DBA08-01A7-4A93-AB2B-3481F1A2F654}" srcOrd="1" destOrd="0" presId="urn:microsoft.com/office/officeart/2018/5/layout/IconCircleLabelList"/>
+    <dgm:cxn modelId="{C342227C-28DC-4E09-9219-4383C4E18E2F}" type="presParOf" srcId="{8EE42D98-41B0-4CA0-95E6-35C98322852D}" destId="{DBA23EA4-4A8D-4841-9305-8A1D3737054F}" srcOrd="2" destOrd="0" presId="urn:microsoft.com/office/officeart/2018/5/layout/IconCircleLabelList"/>
+    <dgm:cxn modelId="{2F18D544-88F5-4BA9-8FB8-403EEEEA1A23}" type="presParOf" srcId="{8EE42D98-41B0-4CA0-95E6-35C98322852D}" destId="{42759438-3AE3-4CB5-A966-ACB1BB14F715}" srcOrd="3" destOrd="0" presId="urn:microsoft.com/office/officeart/2018/5/layout/IconCircleLabelList"/>
+    <dgm:cxn modelId="{282A6579-4056-4E36-9BBD-323A8DE2E719}" type="presParOf" srcId="{1698815F-8628-4E4F-BB1C-69626B68618D}" destId="{6420DE86-F4EB-48A9-95F4-70E975EB05D9}" srcOrd="3" destOrd="0" presId="urn:microsoft.com/office/officeart/2018/5/layout/IconCircleLabelList"/>
+    <dgm:cxn modelId="{3BBB533C-DDB0-43E9-9AAB-748C716D7E83}" type="presParOf" srcId="{1698815F-8628-4E4F-BB1C-69626B68618D}" destId="{941F96B2-E9B7-46E0-9CAD-5FE05D135A84}" srcOrd="4" destOrd="0" presId="urn:microsoft.com/office/officeart/2018/5/layout/IconCircleLabelList"/>
+    <dgm:cxn modelId="{A15F8515-7BA3-4CC3-836A-0E9F05D9CFB5}" type="presParOf" srcId="{941F96B2-E9B7-46E0-9CAD-5FE05D135A84}" destId="{0147B471-514B-4E4B-946F-177C8A4E4762}" srcOrd="0" destOrd="0" presId="urn:microsoft.com/office/officeart/2018/5/layout/IconCircleLabelList"/>
+    <dgm:cxn modelId="{02122BA8-E0C0-4AC9-92E5-564DFF30EE70}" type="presParOf" srcId="{941F96B2-E9B7-46E0-9CAD-5FE05D135A84}" destId="{016EABE0-ABC6-45F4-A84F-4EF238732B5D}" srcOrd="1" destOrd="0" presId="urn:microsoft.com/office/officeart/2018/5/layout/IconCircleLabelList"/>
+    <dgm:cxn modelId="{76FCC376-9FD8-4449-A7DE-5E730E229B00}" type="presParOf" srcId="{941F96B2-E9B7-46E0-9CAD-5FE05D135A84}" destId="{A006AEE6-379D-40C9-95EB-035B84F3F976}" srcOrd="2" destOrd="0" presId="urn:microsoft.com/office/officeart/2018/5/layout/IconCircleLabelList"/>
+    <dgm:cxn modelId="{C31FF96A-DAFB-4729-959C-4D88BA3DBC35}" type="presParOf" srcId="{941F96B2-E9B7-46E0-9CAD-5FE05D135A84}" destId="{B0F859CD-F693-41DB-86C5-D5482B89997C}" srcOrd="3" destOrd="0" presId="urn:microsoft.com/office/officeart/2018/5/layout/IconCircleLabelList"/>
+  </dgm:cxnLst>
+  <dgm:bg/>
+  <dgm:whole/>
+  <dgm:extLst>
+    <a:ext uri="http://schemas.microsoft.com/office/drawing/2008/diagram">
+      <dsp:dataModelExt xmlns:dsp="http://schemas.microsoft.com/office/drawing/2008/diagram" relId="rId6" minVer="http://schemas.openxmlformats.org/drawingml/2006/diagram"/>
+    </a:ext>
+  </dgm:extLst>
+</dgm:dataModel>
+</file>
+
+<file path=ppt/diagrams/drawing1.xml><?xml version="1.0" encoding="utf-8"?>
+<dsp:drawing xmlns:dgm="http://schemas.openxmlformats.org/drawingml/2006/diagram" xmlns:dsp="http://schemas.microsoft.com/office/drawing/2008/diagram" xmlns:a="http://schemas.openxmlformats.org/drawingml/2006/main">
+  <dsp:spTree>
+    <dsp:nvGrpSpPr>
+      <dsp:cNvPr id="0" name=""/>
+      <dsp:cNvGrpSpPr/>
+    </dsp:nvGrpSpPr>
+    <dsp:grpSpPr/>
+    <dsp:sp modelId="{FE848667-7DCB-4040-B14C-4A5A5A88462B}">
+      <dsp:nvSpPr>
+        <dsp:cNvPr id="0" name=""/>
+        <dsp:cNvSpPr/>
+      </dsp:nvSpPr>
+      <dsp:spPr>
+        <a:xfrm>
+          <a:off x="599625" y="233922"/>
+          <a:ext cx="1852875" cy="1852875"/>
+        </a:xfrm>
+        <a:prstGeom prst="ellipse">
+          <a:avLst/>
+        </a:prstGeom>
+        <a:solidFill>
+          <a:schemeClr val="dk2">
+            <a:hueOff val="0"/>
+            <a:satOff val="0"/>
+            <a:lumOff val="0"/>
+            <a:alphaOff val="0"/>
+          </a:schemeClr>
+        </a:solidFill>
+        <a:ln>
+          <a:noFill/>
+        </a:ln>
+        <a:effectLst/>
+      </dsp:spPr>
+      <dsp:style>
+        <a:lnRef idx="0">
+          <a:scrgbClr r="0" g="0" b="0"/>
+        </a:lnRef>
+        <a:fillRef idx="1">
+          <a:scrgbClr r="0" g="0" b="0"/>
+        </a:fillRef>
+        <a:effectRef idx="0">
+          <a:scrgbClr r="0" g="0" b="0"/>
+        </a:effectRef>
+        <a:fontRef idx="minor"/>
+      </dsp:style>
+    </dsp:sp>
+    <dsp:sp modelId="{1D1D0377-DF3C-413F-877D-693399392BB2}">
+      <dsp:nvSpPr>
+        <dsp:cNvPr id="0" name=""/>
+        <dsp:cNvSpPr/>
+      </dsp:nvSpPr>
+      <dsp:spPr>
+        <a:xfrm>
+          <a:off x="994500" y="628797"/>
+          <a:ext cx="1063125" cy="1063125"/>
+        </a:xfrm>
+        <a:prstGeom prst="rect">
+          <a:avLst/>
+        </a:prstGeom>
+        <a:blipFill>
+          <a:blip xmlns:r="http://schemas.openxmlformats.org/officeDocument/2006/relationships" r:embed="rId1">
+            <a:extLst>
+              <a:ext uri="{28A0092B-C50C-407E-A947-70E740481C1C}">
+                <a14:useLocalDpi xmlns:a14="http://schemas.microsoft.com/office/drawing/2010/main" val="0"/>
+              </a:ext>
+              <a:ext uri="{96DAC541-7B7A-43D3-8B79-37D633B846F1}">
+                <asvg:svgBlip xmlns:asvg="http://schemas.microsoft.com/office/drawing/2016/SVG/main" r:embed="rId2"/>
+              </a:ext>
+            </a:extLst>
+          </a:blip>
+          <a:stretch>
+            <a:fillRect/>
+          </a:stretch>
+        </a:blipFill>
+        <a:ln w="12700" cap="flat" cmpd="sng" algn="ctr">
+          <a:noFill/>
+          <a:prstDash val="solid"/>
+          <a:miter lim="800000"/>
+        </a:ln>
+        <a:effectLst/>
+      </dsp:spPr>
+      <dsp:style>
+        <a:lnRef idx="2">
+          <a:scrgbClr r="0" g="0" b="0"/>
+        </a:lnRef>
+        <a:fillRef idx="1">
+          <a:scrgbClr r="0" g="0" b="0"/>
+        </a:fillRef>
+        <a:effectRef idx="0">
+          <a:scrgbClr r="0" g="0" b="0"/>
+        </a:effectRef>
+        <a:fontRef idx="minor">
+          <a:schemeClr val="lt1"/>
+        </a:fontRef>
+      </dsp:style>
+    </dsp:sp>
+    <dsp:sp modelId="{C878EF03-E172-4954-A556-12C3FA46E140}">
+      <dsp:nvSpPr>
+        <dsp:cNvPr id="0" name=""/>
+        <dsp:cNvSpPr/>
+      </dsp:nvSpPr>
+      <dsp:spPr>
+        <a:xfrm>
+          <a:off x="7313" y="2663922"/>
+          <a:ext cx="3037500" cy="720000"/>
+        </a:xfrm>
+        <a:prstGeom prst="rect">
+          <a:avLst/>
+        </a:prstGeom>
+        <a:noFill/>
+        <a:ln>
+          <a:noFill/>
+        </a:ln>
+        <a:effectLst/>
+      </dsp:spPr>
+      <dsp:style>
+        <a:lnRef idx="0">
+          <a:scrgbClr r="0" g="0" b="0"/>
+        </a:lnRef>
+        <a:fillRef idx="0">
+          <a:scrgbClr r="0" g="0" b="0"/>
+        </a:fillRef>
+        <a:effectRef idx="0">
+          <a:scrgbClr r="0" g="0" b="0"/>
+        </a:effectRef>
+        <a:fontRef idx="minor"/>
+      </dsp:style>
+      <dsp:txBody>
+        <a:bodyPr spcFirstLastPara="0" vert="horz" wrap="square" lIns="0" tIns="0" rIns="0" bIns="0" numCol="1" spcCol="1270" anchor="t" anchorCtr="0">
+          <a:noAutofit/>
+        </a:bodyPr>
+        <a:lstStyle/>
+        <a:p>
+          <a:pPr marL="0" lvl="0" indent="0" algn="ctr" defTabSz="1022350">
+            <a:lnSpc>
+              <a:spcPct val="100000"/>
+            </a:lnSpc>
+            <a:spcBef>
+              <a:spcPct val="0"/>
+            </a:spcBef>
+            <a:spcAft>
+              <a:spcPct val="35000"/>
+            </a:spcAft>
+            <a:buNone/>
+            <a:defRPr cap="all"/>
+          </a:pPr>
+          <a:r>
+            <a:rPr lang="en-US" sz="2300" kern="1200"/>
+            <a:t>Purpose</a:t>
+          </a:r>
+        </a:p>
+      </dsp:txBody>
+      <dsp:txXfrm>
+        <a:off x="7313" y="2663922"/>
+        <a:ext cx="3037500" cy="720000"/>
+      </dsp:txXfrm>
+    </dsp:sp>
+    <dsp:sp modelId="{5CA697C5-97C1-406F-9921-E0810635249A}">
+      <dsp:nvSpPr>
+        <dsp:cNvPr id="0" name=""/>
+        <dsp:cNvSpPr/>
+      </dsp:nvSpPr>
+      <dsp:spPr>
+        <a:xfrm>
+          <a:off x="4168688" y="233922"/>
+          <a:ext cx="1852875" cy="1852875"/>
+        </a:xfrm>
+        <a:prstGeom prst="ellipse">
+          <a:avLst/>
+        </a:prstGeom>
+        <a:solidFill>
+          <a:schemeClr val="dk2">
+            <a:hueOff val="0"/>
+            <a:satOff val="0"/>
+            <a:lumOff val="0"/>
+            <a:alphaOff val="0"/>
+          </a:schemeClr>
+        </a:solidFill>
+        <a:ln>
+          <a:noFill/>
+        </a:ln>
+        <a:effectLst/>
+      </dsp:spPr>
+      <dsp:style>
+        <a:lnRef idx="0">
+          <a:scrgbClr r="0" g="0" b="0"/>
+        </a:lnRef>
+        <a:fillRef idx="1">
+          <a:scrgbClr r="0" g="0" b="0"/>
+        </a:fillRef>
+        <a:effectRef idx="0">
+          <a:scrgbClr r="0" g="0" b="0"/>
+        </a:effectRef>
+        <a:fontRef idx="minor"/>
+      </dsp:style>
+    </dsp:sp>
+    <dsp:sp modelId="{725DBA08-01A7-4A93-AB2B-3481F1A2F654}">
+      <dsp:nvSpPr>
+        <dsp:cNvPr id="0" name=""/>
+        <dsp:cNvSpPr/>
+      </dsp:nvSpPr>
+      <dsp:spPr>
+        <a:xfrm>
+          <a:off x="4563563" y="628797"/>
+          <a:ext cx="1063125" cy="1063125"/>
+        </a:xfrm>
+        <a:prstGeom prst="rect">
+          <a:avLst/>
+        </a:prstGeom>
+        <a:blipFill>
+          <a:blip xmlns:r="http://schemas.openxmlformats.org/officeDocument/2006/relationships" r:embed="rId3">
+            <a:extLst>
+              <a:ext uri="{96DAC541-7B7A-43D3-8B79-37D633B846F1}">
+                <asvg:svgBlip xmlns:asvg="http://schemas.microsoft.com/office/drawing/2016/SVG/main" r:embed="rId4"/>
+              </a:ext>
+            </a:extLst>
+          </a:blip>
+          <a:srcRect/>
+          <a:stretch>
+            <a:fillRect/>
+          </a:stretch>
+        </a:blipFill>
+        <a:ln w="12700" cap="flat" cmpd="sng" algn="ctr">
+          <a:noFill/>
+          <a:prstDash val="solid"/>
+          <a:miter lim="800000"/>
+        </a:ln>
+        <a:effectLst/>
+      </dsp:spPr>
+      <dsp:style>
+        <a:lnRef idx="2">
+          <a:scrgbClr r="0" g="0" b="0"/>
+        </a:lnRef>
+        <a:fillRef idx="1">
+          <a:scrgbClr r="0" g="0" b="0"/>
+        </a:fillRef>
+        <a:effectRef idx="0">
+          <a:scrgbClr r="0" g="0" b="0"/>
+        </a:effectRef>
+        <a:fontRef idx="minor">
+          <a:schemeClr val="lt1"/>
+        </a:fontRef>
+      </dsp:style>
+    </dsp:sp>
+    <dsp:sp modelId="{42759438-3AE3-4CB5-A966-ACB1BB14F715}">
+      <dsp:nvSpPr>
+        <dsp:cNvPr id="0" name=""/>
+        <dsp:cNvSpPr/>
+      </dsp:nvSpPr>
+      <dsp:spPr>
+        <a:xfrm>
+          <a:off x="3576376" y="2663922"/>
+          <a:ext cx="3037500" cy="720000"/>
+        </a:xfrm>
+        <a:prstGeom prst="rect">
+          <a:avLst/>
+        </a:prstGeom>
+        <a:noFill/>
+        <a:ln>
+          <a:noFill/>
+        </a:ln>
+        <a:effectLst/>
+      </dsp:spPr>
+      <dsp:style>
+        <a:lnRef idx="0">
+          <a:scrgbClr r="0" g="0" b="0"/>
+        </a:lnRef>
+        <a:fillRef idx="0">
+          <a:scrgbClr r="0" g="0" b="0"/>
+        </a:fillRef>
+        <a:effectRef idx="0">
+          <a:scrgbClr r="0" g="0" b="0"/>
+        </a:effectRef>
+        <a:fontRef idx="minor"/>
+      </dsp:style>
+      <dsp:txBody>
+        <a:bodyPr spcFirstLastPara="0" vert="horz" wrap="square" lIns="0" tIns="0" rIns="0" bIns="0" numCol="1" spcCol="1270" anchor="t" anchorCtr="0">
+          <a:noAutofit/>
+        </a:bodyPr>
+        <a:lstStyle/>
+        <a:p>
+          <a:pPr marL="0" lvl="0" indent="0" algn="ctr" defTabSz="1022350">
+            <a:lnSpc>
+              <a:spcPct val="100000"/>
+            </a:lnSpc>
+            <a:spcBef>
+              <a:spcPct val="0"/>
+            </a:spcBef>
+            <a:spcAft>
+              <a:spcPct val="35000"/>
+            </a:spcAft>
+            <a:buNone/>
+            <a:defRPr cap="all"/>
+          </a:pPr>
+          <a:r>
+            <a:rPr lang="en-US" sz="2300" kern="1200"/>
+            <a:t>Reagents</a:t>
+          </a:r>
+          <a:r>
+            <a:rPr lang="ko-KR" sz="2300" kern="1200"/>
+            <a:t> </a:t>
+          </a:r>
+          <a:r>
+            <a:rPr lang="en-US" sz="2300" kern="1200"/>
+            <a:t>&amp;</a:t>
+          </a:r>
+          <a:r>
+            <a:rPr lang="ko-KR" sz="2300" kern="1200"/>
+            <a:t> </a:t>
+          </a:r>
+          <a:r>
+            <a:rPr lang="en-US" sz="2300" kern="1200"/>
+            <a:t>Apparatus</a:t>
+          </a:r>
+        </a:p>
+      </dsp:txBody>
+      <dsp:txXfrm>
+        <a:off x="3576376" y="2663922"/>
+        <a:ext cx="3037500" cy="720000"/>
+      </dsp:txXfrm>
+    </dsp:sp>
+    <dsp:sp modelId="{0147B471-514B-4E4B-946F-177C8A4E4762}">
+      <dsp:nvSpPr>
+        <dsp:cNvPr id="0" name=""/>
+        <dsp:cNvSpPr/>
+      </dsp:nvSpPr>
+      <dsp:spPr>
+        <a:xfrm>
+          <a:off x="7737751" y="233922"/>
+          <a:ext cx="1852875" cy="1852875"/>
+        </a:xfrm>
+        <a:prstGeom prst="ellipse">
+          <a:avLst/>
+        </a:prstGeom>
+        <a:solidFill>
+          <a:schemeClr val="dk2">
+            <a:hueOff val="0"/>
+            <a:satOff val="0"/>
+            <a:lumOff val="0"/>
+            <a:alphaOff val="0"/>
+          </a:schemeClr>
+        </a:solidFill>
+        <a:ln>
+          <a:noFill/>
+        </a:ln>
+        <a:effectLst/>
+      </dsp:spPr>
+      <dsp:style>
+        <a:lnRef idx="0">
+          <a:scrgbClr r="0" g="0" b="0"/>
+        </a:lnRef>
+        <a:fillRef idx="1">
+          <a:scrgbClr r="0" g="0" b="0"/>
+        </a:fillRef>
+        <a:effectRef idx="0">
+          <a:scrgbClr r="0" g="0" b="0"/>
+        </a:effectRef>
+        <a:fontRef idx="minor"/>
+      </dsp:style>
+    </dsp:sp>
+    <dsp:sp modelId="{016EABE0-ABC6-45F4-A84F-4EF238732B5D}">
+      <dsp:nvSpPr>
+        <dsp:cNvPr id="0" name=""/>
+        <dsp:cNvSpPr/>
+      </dsp:nvSpPr>
+      <dsp:spPr>
+        <a:xfrm>
+          <a:off x="8132626" y="628797"/>
+          <a:ext cx="1063125" cy="1063125"/>
+        </a:xfrm>
+        <a:prstGeom prst="rect">
+          <a:avLst/>
+        </a:prstGeom>
+        <a:blipFill>
+          <a:blip xmlns:r="http://schemas.openxmlformats.org/officeDocument/2006/relationships" r:embed="rId5">
+            <a:extLst>
+              <a:ext uri="{28A0092B-C50C-407E-A947-70E740481C1C}">
+                <a14:useLocalDpi xmlns:a14="http://schemas.microsoft.com/office/drawing/2010/main" val="0"/>
+              </a:ext>
+              <a:ext uri="{96DAC541-7B7A-43D3-8B79-37D633B846F1}">
+                <asvg:svgBlip xmlns:asvg="http://schemas.microsoft.com/office/drawing/2016/SVG/main" r:embed="rId6"/>
+              </a:ext>
+            </a:extLst>
+          </a:blip>
+          <a:stretch>
+            <a:fillRect/>
+          </a:stretch>
+        </a:blipFill>
+        <a:ln w="12700" cap="flat" cmpd="sng" algn="ctr">
+          <a:noFill/>
+          <a:prstDash val="solid"/>
+          <a:miter lim="800000"/>
+        </a:ln>
+        <a:effectLst/>
+      </dsp:spPr>
+      <dsp:style>
+        <a:lnRef idx="2">
+          <a:scrgbClr r="0" g="0" b="0"/>
+        </a:lnRef>
+        <a:fillRef idx="1">
+          <a:scrgbClr r="0" g="0" b="0"/>
+        </a:fillRef>
+        <a:effectRef idx="0">
+          <a:scrgbClr r="0" g="0" b="0"/>
+        </a:effectRef>
+        <a:fontRef idx="minor">
+          <a:schemeClr val="lt1"/>
+        </a:fontRef>
+      </dsp:style>
+    </dsp:sp>
+    <dsp:sp modelId="{B0F859CD-F693-41DB-86C5-D5482B89997C}">
+      <dsp:nvSpPr>
+        <dsp:cNvPr id="0" name=""/>
+        <dsp:cNvSpPr/>
+      </dsp:nvSpPr>
+      <dsp:spPr>
+        <a:xfrm>
+          <a:off x="7145438" y="2663922"/>
+          <a:ext cx="3037500" cy="720000"/>
+        </a:xfrm>
+        <a:prstGeom prst="rect">
+          <a:avLst/>
+        </a:prstGeom>
+        <a:noFill/>
+        <a:ln>
+          <a:noFill/>
+        </a:ln>
+        <a:effectLst/>
+      </dsp:spPr>
+      <dsp:style>
+        <a:lnRef idx="0">
+          <a:scrgbClr r="0" g="0" b="0"/>
+        </a:lnRef>
+        <a:fillRef idx="0">
+          <a:scrgbClr r="0" g="0" b="0"/>
+        </a:fillRef>
+        <a:effectRef idx="0">
+          <a:scrgbClr r="0" g="0" b="0"/>
+        </a:effectRef>
+        <a:fontRef idx="minor"/>
+      </dsp:style>
+      <dsp:txBody>
+        <a:bodyPr spcFirstLastPara="0" vert="horz" wrap="square" lIns="0" tIns="0" rIns="0" bIns="0" numCol="1" spcCol="1270" anchor="t" anchorCtr="0">
+          <a:noAutofit/>
+        </a:bodyPr>
+        <a:lstStyle/>
+        <a:p>
+          <a:pPr marL="0" lvl="0" indent="0" algn="ctr" defTabSz="1022350">
+            <a:lnSpc>
+              <a:spcPct val="100000"/>
+            </a:lnSpc>
+            <a:spcBef>
+              <a:spcPct val="0"/>
+            </a:spcBef>
+            <a:spcAft>
+              <a:spcPct val="35000"/>
+            </a:spcAft>
+            <a:buNone/>
+            <a:defRPr cap="all"/>
+          </a:pPr>
+          <a:r>
+            <a:rPr lang="en-US" sz="2300" kern="1200" dirty="0"/>
+            <a:t>DATA ACCUMULATION</a:t>
+          </a:r>
+        </a:p>
+      </dsp:txBody>
+      <dsp:txXfrm>
+        <a:off x="7145438" y="2663922"/>
+        <a:ext cx="3037500" cy="720000"/>
+      </dsp:txXfrm>
+    </dsp:sp>
+  </dsp:spTree>
+</dsp:drawing>
+</file>
+
+<file path=ppt/diagrams/layout1.xml><?xml version="1.0" encoding="utf-8"?>
+<dgm:layoutDef xmlns:dgm="http://schemas.openxmlformats.org/drawingml/2006/diagram" xmlns:a="http://schemas.openxmlformats.org/drawingml/2006/main" uniqueId="urn:microsoft.com/office/officeart/2018/5/layout/IconCircleLabelList">
+  <dgm:title val="Icon Circle Label List"/>
+  <dgm:desc val="Use to show non-sequential or grouped chunks of information accompanied by a related visuals. Works best with icons or small pictures with short text captions."/>
+  <dgm:catLst>
+    <dgm:cat type="icon" pri="500"/>
+  </dgm:catLst>
+  <dgm:sampData useDef="1">
+    <dgm:dataModel>
+      <dgm:ptLst/>
+      <dgm:bg/>
+      <dgm:whole/>
+    </dgm:dataModel>
+  </dgm:sampData>
+  <dgm:styleData useDef="1">
+    <dgm:dataModel>
+      <dgm:ptLst/>
+      <dgm:bg/>
+      <dgm:whole/>
+    </dgm:dataModel>
+  </dgm:styleData>
+  <dgm:clrData useDef="1">
+    <dgm:dataModel>
+      <dgm:ptLst/>
+      <dgm:bg/>
+      <dgm:whole/>
+    </dgm:dataModel>
+  </dgm:clrData>
+  <dgm:layoutNode name="root">
+    <dgm:varLst>
+      <dgm:dir/>
+      <dgm:resizeHandles val="exact"/>
+    </dgm:varLst>
+    <dgm:choose name="Name0">
+      <dgm:if name="Name1" axis="self" func="var" arg="dir" op="equ" val="norm">
+        <dgm:alg type="snake">
+          <dgm:param type="grDir" val="tL"/>
+          <dgm:param type="flowDir" val="row"/>
+          <dgm:param type="contDir" val="sameDir"/>
+          <dgm:param type="off" val="ctr"/>
+          <dgm:param type="vertAlign" val="mid"/>
+          <dgm:param type="horzAlign" val="ctr"/>
+        </dgm:alg>
+      </dgm:if>
+      <dgm:else name="Name2">
+        <dgm:alg type="snake">
+          <dgm:param type="grDir" val="tR"/>
+          <dgm:param type="flowDir" val="row"/>
+          <dgm:param type="contDir" val="sameDir"/>
+          <dgm:param type="off" val="ctr"/>
+          <dgm:param type="vertAlign" val="mid"/>
+          <dgm:param type="horzAlign" val="ctr"/>
+        </dgm:alg>
+      </dgm:else>
+    </dgm:choose>
+    <dgm:shape xmlns:r="http://schemas.openxmlformats.org/officeDocument/2006/relationships" r:blip="">
+      <dgm:adjLst/>
+    </dgm:shape>
+    <dgm:presOf/>
+    <dgm:choose name="Name3">
+      <dgm:if name="Name4" axis="ch" ptType="node" func="cnt" op="lte" val="2">
+        <dgm:constrLst>
+          <dgm:constr type="h" for="ch" forName="compNode" refType="h" fact="0.4"/>
+          <dgm:constr type="w" for="ch" forName="compNode" val="100"/>
+          <dgm:constr type="w" for="ch" forName="sibTrans" refType="w" refFor="ch" refForName="compNode" fact="0.175"/>
+          <dgm:constr type="sp" refType="w" refFor="ch" refForName="compNode" op="equ" fact="0.25"/>
+          <dgm:constr type="primFontSz" for="des" ptType="node" op="equ" val="44"/>
+          <dgm:constr type="h" for="des" forName="compNode" op="equ"/>
+          <dgm:constr type="h" for="des" forName="textRect" op="equ"/>
+        </dgm:constrLst>
+      </dgm:if>
+      <dgm:if name="Name5" axis="ch" ptType="node" func="cnt" op="lte" val="3">
+        <dgm:constrLst>
+          <dgm:constr type="h" for="ch" forName="compNode" refType="h" fact="0.4"/>
+          <dgm:constr type="w" for="ch" forName="compNode" val="100"/>
+          <dgm:constr type="w" for="ch" forName="sibTrans" refType="w" refFor="ch" refForName="compNode" fact="0.175"/>
+          <dgm:constr type="sp" refType="w" refFor="ch" refForName="compNode" op="equ" fact="0.25"/>
+          <dgm:constr type="primFontSz" for="des" ptType="node" op="equ" val="40"/>
+          <dgm:constr type="h" for="des" forName="compNode" op="equ"/>
+          <dgm:constr type="h" for="des" forName="textRect" op="equ"/>
+        </dgm:constrLst>
+      </dgm:if>
+      <dgm:if name="Name6" axis="ch" ptType="node" func="cnt" op="lte" val="4">
+        <dgm:constrLst>
+          <dgm:constr type="h" for="ch" forName="compNode" refType="h" fact="0.4"/>
+          <dgm:constr type="w" for="ch" forName="compNode" refType="w"/>
+          <dgm:constr type="w" for="ch" forName="sibTrans" refType="w" refFor="ch" refForName="compNode" fact="0.175"/>
+          <dgm:constr type="sp" refType="w" refFor="ch" refForName="compNode" op="equ" fact="0.25"/>
+          <dgm:constr type="primFontSz" for="des" ptType="node" op="equ" val="32"/>
+          <dgm:constr type="h" for="des" forName="compNode" op="equ"/>
+          <dgm:constr type="h" for="des" forName="textRect" op="equ"/>
+        </dgm:constrLst>
+      </dgm:if>
+      <dgm:else name="Name7">
+        <dgm:constrLst>
+          <dgm:constr type="h" for="ch" forName="compNode" refType="h" fact="0.4"/>
+          <dgm:constr type="w" for="ch" forName="compNode" refType="w"/>
+          <dgm:constr type="w" for="ch" forName="sibTrans" refType="w" refFor="ch" refForName="compNode" fact="0.175"/>
+          <dgm:constr type="sp" refType="w" refFor="ch" refForName="compNode" op="equ" fact="0.25"/>
+          <dgm:constr type="primFontSz" for="des" ptType="node" op="equ" val="24"/>
+          <dgm:constr type="h" for="des" forName="compNode" op="equ"/>
+          <dgm:constr type="h" for="des" forName="textRect" op="equ"/>
+        </dgm:constrLst>
+      </dgm:else>
+    </dgm:choose>
+    <dgm:ruleLst>
+      <dgm:rule type="w" for="ch" forName="compNode" val="50" fact="NaN" max="NaN"/>
+    </dgm:ruleLst>
+    <dgm:forEach name="Name8" axis="ch" ptType="node">
+      <dgm:layoutNode name="compNode">
+        <dgm:alg type="composite"/>
+        <dgm:shape xmlns:r="http://schemas.openxmlformats.org/officeDocument/2006/relationships" r:blip="">
+          <dgm:adjLst/>
+        </dgm:shape>
+        <dgm:presOf axis="self"/>
+        <dgm:constrLst>
+          <dgm:constr type="w" for="ch" forName="iconBgRect" refType="w" fact="0.61"/>
+          <dgm:constr type="h" for="ch" forName="iconBgRect" refType="w" refFor="ch" refForName="iconBgRect"/>
+          <dgm:constr type="t" for="ch" forName="iconBgRect"/>
+          <dgm:constr type="ctrX" for="ch" forName="iconBgRect" refType="w" fact="0.5"/>
+          <dgm:constr type="w" for="ch" forName="iconRect" refType="w" fact="0.35"/>
+          <dgm:constr type="h" for="ch" forName="iconRect" refType="w" refFor="ch" refForName="iconRect"/>
+          <dgm:constr type="ctrX" for="ch" forName="iconRect" refType="ctrX" refFor="ch" refForName="iconBgRect"/>
+          <dgm:constr type="ctrY" for="ch" forName="iconRect" refType="ctrY" refFor="ch" refForName="iconBgRect"/>
+          <dgm:constr type="h" for="ch" forName="spaceRect" refType="w" fact="0.19"/>
+          <dgm:constr type="w" for="ch" forName="spaceRect" refType="w"/>
+          <dgm:constr type="l" for="ch" forName="spaceRect"/>
+          <dgm:constr type="t" for="ch" forName="spaceRect" refType="b" refFor="ch" refForName="iconBgRect"/>
+          <dgm:constr type="h" for="ch" forName="textRect" val="20"/>
+          <dgm:constr type="w" for="ch" forName="textRect" refType="w"/>
+          <dgm:constr type="l" for="ch" forName="textRect"/>
+          <dgm:constr type="t" for="ch" forName="textRect" refType="b" refFor="ch" refForName="spaceRect"/>
+        </dgm:constrLst>
+        <dgm:ruleLst>
+          <dgm:rule type="h" val="INF" fact="NaN" max="NaN"/>
+        </dgm:ruleLst>
+        <dgm:layoutNode name="iconBgRect" styleLbl="bgShp">
+          <dgm:alg type="sp"/>
+          <dgm:shape xmlns:r="http://schemas.openxmlformats.org/officeDocument/2006/relationships" type="ellipse" r:blip="">
+            <dgm:adjLst/>
+          </dgm:shape>
+          <dgm:presOf/>
+          <dgm:constrLst/>
+          <dgm:ruleLst/>
+        </dgm:layoutNode>
+        <dgm:layoutNode name="iconRect" styleLbl="node1">
+          <dgm:alg type="sp"/>
+          <dgm:shape xmlns:r="http://schemas.openxmlformats.org/officeDocument/2006/relationships" type="rect" r:blip="" blipPhldr="1">
+            <dgm:adjLst/>
+          </dgm:shape>
+          <dgm:presOf/>
+          <dgm:constrLst/>
+          <dgm:ruleLst/>
+        </dgm:layoutNode>
+        <dgm:layoutNode name="spaceRect">
+          <dgm:alg type="sp"/>
+          <dgm:shape xmlns:r="http://schemas.openxmlformats.org/officeDocument/2006/relationships" r:blip="">
+            <dgm:adjLst/>
+          </dgm:shape>
+          <dgm:presOf/>
+          <dgm:constrLst/>
+          <dgm:ruleLst/>
+        </dgm:layoutNode>
+        <dgm:layoutNode name="textRect" styleLbl="revTx">
+          <dgm:varLst>
+            <dgm:chMax val="1"/>
+            <dgm:chPref val="1"/>
+          </dgm:varLst>
+          <dgm:alg type="tx">
+            <dgm:param type="txAnchorVert" val="t"/>
+          </dgm:alg>
+          <dgm:shape xmlns:r="http://schemas.openxmlformats.org/officeDocument/2006/relationships" type="rect" r:blip="">
+            <dgm:adjLst/>
+          </dgm:shape>
+          <dgm:presOf axis="self" ptType="node"/>
+          <dgm:constrLst>
+            <dgm:constr type="lMarg"/>
+            <dgm:constr type="rMarg"/>
+            <dgm:constr type="tMarg"/>
+            <dgm:constr type="bMarg"/>
+          </dgm:constrLst>
+          <dgm:ruleLst>
+            <dgm:rule type="primFontSz" val="11" fact="NaN" max="NaN"/>
+            <dgm:rule type="h" val="INF" fact="NaN" max="NaN"/>
+          </dgm:ruleLst>
+        </dgm:layoutNode>
+      </dgm:layoutNode>
+      <dgm:forEach name="Name9" axis="followSib" ptType="sibTrans" cnt="1">
+        <dgm:layoutNode name="sibTrans">
+          <dgm:alg type="sp"/>
+          <dgm:shape xmlns:r="http://schemas.openxmlformats.org/officeDocument/2006/relationships" r:blip="">
+            <dgm:adjLst/>
+          </dgm:shape>
+          <dgm:presOf axis="self"/>
+          <dgm:constrLst/>
+          <dgm:ruleLst/>
+        </dgm:layoutNode>
+      </dgm:forEach>
+    </dgm:forEach>
+  </dgm:layoutNode>
+  <dgm:extLst>
+    <a:ext uri="{68A01E43-0DF5-4B5B-8FA6-DAF915123BFB}">
+      <dgm1612:lstStyle xmlns:dgm1612="http://schemas.microsoft.com/office/drawing/2016/12/diagram">
+        <a:lvl1pPr>
+          <a:lnSpc>
+            <a:spcPct val="100000"/>
+          </a:lnSpc>
+          <a:defRPr cap="all"/>
+        </a:lvl1pPr>
+      </dgm1612:lstStyle>
+    </a:ext>
+  </dgm:extLst>
+</dgm:layoutDef>
+</file>
+
+<file path=ppt/diagrams/quickStyle1.xml><?xml version="1.0" encoding="utf-8"?>
+<dgm:styleDef xmlns:dgm="http://schemas.openxmlformats.org/drawingml/2006/diagram" xmlns:a="http://schemas.openxmlformats.org/drawingml/2006/main" uniqueId="urn:microsoft.com/office/officeart/2005/8/quickstyle/simple1">
+  <dgm:title val=""/>
+  <dgm:desc val=""/>
+  <dgm:catLst>
+    <dgm:cat type="simple" pri="10100"/>
+  </dgm:catLst>
+  <dgm:scene3d>
+    <a:camera prst="orthographicFront"/>
+    <a:lightRig rig="threePt" dir="t"/>
+  </dgm:scene3d>
+  <dgm:styleLbl name="node0">
+    <dgm:scene3d>
+      <a:camera prst="orthographicFront"/>
+      <a:lightRig rig="threePt" dir="t"/>
+    </dgm:scene3d>
+    <dgm:sp3d/>
+    <dgm:txPr/>
+    <dgm:style>
+      <a:lnRef idx="2">
+        <a:scrgbClr r="0" g="0" b="0"/>
+      </a:lnRef>
+      <a:fillRef idx="1">
+        <a:scrgbClr r="0" g="0" b="0"/>
+      </a:fillRef>
+      <a:effectRef idx="0">
+        <a:scrgbClr r="0" g="0" b="0"/>
+      </a:effectRef>
+      <a:fontRef idx="minor">
+        <a:schemeClr val="lt1"/>
+      </a:fontRef>
+    </dgm:style>
+  </dgm:styleLbl>
+  <dgm:styleLbl name="lnNode1">
+    <dgm:scene3d>
+      <a:camera prst="orthographicFront"/>
+      <a:lightRig rig="threePt" dir="t"/>
+    </dgm:scene3d>
+    <dgm:sp3d/>
+    <dgm:txPr/>
+    <dgm:style>
+      <a:lnRef idx="2">
+        <a:scrgbClr r="0" g="0" b="0"/>
+      </a:lnRef>
+      <a:fillRef idx="1">
+        <a:scrgbClr r="0" g="0" b="0"/>
+      </a:fillRef>
+      <a:effectRef idx="0">
+        <a:scrgbClr r="0" g="0" b="0"/>
+      </a:effectRef>
+      <a:fontRef idx="minor">
+        <a:schemeClr val="lt1"/>
+      </a:fontRef>
+    </dgm:style>
+  </dgm:styleLbl>
+  <dgm:styleLbl name="vennNode1">
+    <dgm:scene3d>
+      <a:camera prst="orthographicFront"/>
+      <a:lightRig rig="threePt" dir="t"/>
+    </dgm:scene3d>
+    <dgm:sp3d/>
+    <dgm:txPr/>
+    <dgm:style>
+      <a:lnRef idx="2">
+        <a:scrgbClr r="0" g="0" b="0"/>
+      </a:lnRef>
+      <a:fillRef idx="1">
+        <a:scrgbClr r="0" g="0" b="0"/>
+      </a:fillRef>
+      <a:effectRef idx="0">
+        <a:scrgbClr r="0" g="0" b="0"/>
+      </a:effectRef>
+      <a:fontRef idx="minor">
+        <a:schemeClr val="tx1"/>
+      </a:fontRef>
+    </dgm:style>
+  </dgm:styleLbl>
+  <dgm:styleLbl name="alignNode1">
+    <dgm:scene3d>
+      <a:camera prst="orthographicFront"/>
+      <a:lightRig rig="threePt" dir="t"/>
+    </dgm:scene3d>
+    <dgm:sp3d/>
+    <dgm:txPr/>
+    <dgm:style>
+      <a:lnRef idx="2">
+        <a:scrgbClr r="0" g="0" b="0"/>
+      </a:lnRef>
+      <a:fillRef idx="1">
+        <a:scrgbClr r="0" g="0" b="0"/>
+      </a:fillRef>
+      <a:effectRef idx="0">
+        <a:scrgbClr r="0" g="0" b="0"/>
+      </a:effectRef>
+      <a:fontRef idx="minor">
+        <a:schemeClr val="lt1"/>
+      </a:fontRef>
+    </dgm:style>
+  </dgm:styleLbl>
+  <dgm:styleLbl name="node1">
+    <dgm:scene3d>
+      <a:camera prst="orthographicFront"/>
+      <a:lightRig rig="threePt" dir="t"/>
+    </dgm:scene3d>
+    <dgm:sp3d/>
+    <dgm:txPr/>
+    <dgm:style>
+      <a:lnRef idx="2">
+        <a:scrgbClr r="0" g="0" b="0"/>
+      </a:lnRef>
+      <a:fillRef idx="1">
+        <a:scrgbClr r="0" g="0" b="0"/>
+      </a:fillRef>
+      <a:effectRef idx="0">
+        <a:scrgbClr r="0" g="0" b="0"/>
+      </a:effectRef>
+      <a:fontRef idx="minor">
+        <a:schemeClr val="lt1"/>
+      </a:fontRef>
+    </dgm:style>
+  </dgm:styleLbl>
+  <dgm:styleLbl name="node2">
+    <dgm:scene3d>
+      <a:camera prst="orthographicFront"/>
+      <a:lightRig rig="threePt" dir="t"/>
+    </dgm:scene3d>
+    <dgm:sp3d/>
+    <dgm:txPr/>
+    <dgm:style>
+      <a:lnRef idx="2">
+        <a:scrgbClr r="0" g="0" b="0"/>
+      </a:lnRef>
+      <a:fillRef idx="1">
+        <a:scrgbClr r="0" g="0" b="0"/>
+      </a:fillRef>
+      <a:effectRef idx="0">
+        <a:scrgbClr r="0" g="0" b="0"/>
+      </a:effectRef>
+      <a:fontRef idx="minor">
+        <a:schemeClr val="lt1"/>
+      </a:fontRef>
+    </dgm:style>
+  </dgm:styleLbl>
+  <dgm:styleLbl name="node3">
+    <dgm:scene3d>
+      <a:camera prst="orthographicFront"/>
+      <a:lightRig rig="threePt" dir="t"/>
+    </dgm:scene3d>
+    <dgm:sp3d/>
+    <dgm:txPr/>
+    <dgm:style>
+      <a:lnRef idx="2">
+        <a:scrgbClr r="0" g="0" b="0"/>
+      </a:lnRef>
+      <a:fillRef idx="1">
+        <a:scrgbClr r="0" g="0" b="0"/>
+      </a:fillRef>
+      <a:effectRef idx="0">
+        <a:scrgbClr r="0" g="0" b="0"/>
+      </a:effectRef>
+      <a:fontRef idx="minor">
+        <a:schemeClr val="lt1"/>
+      </a:fontRef>
+    </dgm:style>
+  </dgm:styleLbl>
+  <dgm:styleLbl name="node4">
+    <dgm:scene3d>
+      <a:camera prst="orthographicFront"/>
+      <a:lightRig rig="threePt" dir="t"/>
+    </dgm:scene3d>
+    <dgm:sp3d/>
+    <dgm:txPr/>
+    <dgm:style>
+      <a:lnRef idx="2">
+        <a:scrgbClr r="0" g="0" b="0"/>
+      </a:lnRef>
+      <a:fillRef idx="1">
+        <a:scrgbClr r="0" g="0" b="0"/>
+      </a:fillRef>
+      <a:effectRef idx="0">
+        <a:scrgbClr r="0" g="0" b="0"/>
+      </a:effectRef>
+      <a:fontRef idx="minor">
+        <a:schemeClr val="lt1"/>
+      </a:fontRef>
+    </dgm:style>
+  </dgm:styleLbl>
+  <dgm:styleLbl name="fgImgPlace1">
+    <dgm:scene3d>
+      <a:camera prst="orthographicFront"/>
+      <a:lightRig rig="threePt" dir="t"/>
+    </dgm:scene3d>
+    <dgm:sp3d/>
+    <dgm:txPr/>
+    <dgm:style>
+      <a:lnRef idx="2">
+        <a:scrgbClr r="0" g="0" b="0"/>
+      </a:lnRef>
+      <a:fillRef idx="1">
+        <a:scrgbClr r="0" g="0" b="0"/>
+      </a:fillRef>
+      <a:effectRef idx="0">
+        <a:scrgbClr r="0" g="0" b="0"/>
+      </a:effectRef>
+      <a:fontRef idx="minor"/>
+    </dgm:style>
+  </dgm:styleLbl>
+  <dgm:styleLbl name="alignImgPlace1">
+    <dgm:scene3d>
+      <a:camera prst="orthographicFront"/>
+      <a:lightRig rig="threePt" dir="t"/>
+    </dgm:scene3d>
+    <dgm:sp3d/>
+    <dgm:txPr/>
+    <dgm:style>
+      <a:lnRef idx="2">
+        <a:scrgbClr r="0" g="0" b="0"/>
+      </a:lnRef>
+      <a:fillRef idx="1">
+        <a:scrgbClr r="0" g="0" b="0"/>
+      </a:fillRef>
+      <a:effectRef idx="0">
+        <a:scrgbClr r="0" g="0" b="0"/>
+      </a:effectRef>
+      <a:fontRef idx="minor"/>
+    </dgm:style>
+  </dgm:styleLbl>
+  <dgm:styleLbl name="bgImgPlace1">
+    <dgm:scene3d>
+      <a:camera prst="orthographicFront"/>
+      <a:lightRig rig="threePt" dir="t"/>
+    </dgm:scene3d>
+    <dgm:sp3d/>
+    <dgm:txPr/>
+    <dgm:style>
+      <a:lnRef idx="2">
+        <a:scrgbClr r="0" g="0" b="0"/>
+      </a:lnRef>
+      <a:fillRef idx="1">
+        <a:scrgbClr r="0" g="0" b="0"/>
+      </a:fillRef>
+      <a:effectRef idx="0">
+        <a:scrgbClr r="0" g="0" b="0"/>
+      </a:effectRef>
+      <a:fontRef idx="minor"/>
+    </dgm:style>
+  </dgm:styleLbl>
+  <dgm:styleLbl name="sibTrans2D1">
+    <dgm:scene3d>
+      <a:camera prst="orthographicFront"/>
+      <a:lightRig rig="threePt" dir="t"/>
+    </dgm:scene3d>
+    <dgm:sp3d/>
+    <dgm:txPr/>
+    <dgm:style>
+      <a:lnRef idx="0">
+        <a:scrgbClr r="0" g="0" b="0"/>
+      </a:lnRef>
+      <a:fillRef idx="1">
+        <a:scrgbClr r="0" g="0" b="0"/>
+      </a:fillRef>
+      <a:effectRef idx="0">
+        <a:scrgbClr r="0" g="0" b="0"/>
+      </a:effectRef>
+      <a:fontRef idx="minor">
+        <a:schemeClr val="lt1"/>
+      </a:fontRef>
+    </dgm:style>
+  </dgm:styleLbl>
+  <dgm:styleLbl name="fgSibTrans2D1">
+    <dgm:scene3d>
+      <a:camera prst="orthographicFront"/>
+      <a:lightRig rig="threePt" dir="t"/>
+    </dgm:scene3d>
+    <dgm:sp3d/>
+    <dgm:txPr/>
+    <dgm:style>
+      <a:lnRef idx="0">
+        <a:scrgbClr r="0" g="0" b="0"/>
+      </a:lnRef>
+      <a:fillRef idx="1">
+        <a:scrgbClr r="0" g="0" b="0"/>
+      </a:fillRef>
+      <a:effectRef idx="0">
+        <a:scrgbClr r="0" g="0" b="0"/>
+      </a:effectRef>
+      <a:fontRef idx="minor">
+        <a:schemeClr val="lt1"/>
+      </a:fontRef>
+    </dgm:style>
+  </dgm:styleLbl>
+  <dgm:styleLbl name="bgSibTrans2D1">
+    <dgm:scene3d>
+      <a:camera prst="orthographicFront"/>
+      <a:lightRig rig="threePt" dir="t"/>
+    </dgm:scene3d>
+    <dgm:sp3d/>
+    <dgm:txPr/>
+    <dgm:style>
+      <a:lnRef idx="0">
+        <a:scrgbClr r="0" g="0" b="0"/>
+      </a:lnRef>
+      <a:fillRef idx="1">
+        <a:scrgbClr r="0" g="0" b="0"/>
+      </a:fillRef>
+      <a:effectRef idx="0">
+        <a:scrgbClr r="0" g="0" b="0"/>
+      </a:effectRef>
+      <a:fontRef idx="minor">
+        <a:schemeClr val="lt1"/>
+      </a:fontRef>
+    </dgm:style>
+  </dgm:styleLbl>
+  <dgm:styleLbl name="sibTrans1D1">
+    <dgm:scene3d>
+      <a:camera prst="orthographicFront"/>
+      <a:lightRig rig="threePt" dir="t"/>
+    </dgm:scene3d>
+    <dgm:sp3d/>
+    <dgm:txPr/>
+    <dgm:style>
+      <a:lnRef idx="1">
+        <a:scrgbClr r="0" g="0" b="0"/>
+      </a:lnRef>
+      <a:fillRef idx="0">
+        <a:scrgbClr r="0" g="0" b="0"/>
+      </a:fillRef>
+      <a:effectRef idx="0">
+        <a:scrgbClr r="0" g="0" b="0"/>
+      </a:effectRef>
+      <a:fontRef idx="minor"/>
+    </dgm:style>
+  </dgm:styleLbl>
+  <dgm:styleLbl name="callout">
+    <dgm:scene3d>
+      <a:camera prst="orthographicFront"/>
+      <a:lightRig rig="threePt" dir="t"/>
+    </dgm:scene3d>
+    <dgm:sp3d/>
+    <dgm:txPr/>
+    <dgm:style>
+      <a:lnRef idx="2">
+        <a:scrgbClr r="0" g="0" b="0"/>
+      </a:lnRef>
+      <a:fillRef idx="1">
+        <a:scrgbClr r="0" g="0" b="0"/>
+      </a:fillRef>
+      <a:effectRef idx="0">
+        <a:scrgbClr r="0" g="0" b="0"/>
+      </a:effectRef>
+      <a:fontRef idx="minor"/>
+    </dgm:style>
+  </dgm:styleLbl>
+  <dgm:styleLbl name="asst0">
+    <dgm:scene3d>
+      <a:camera prst="orthographicFront"/>
+      <a:lightRig rig="threePt" dir="t"/>
+    </dgm:scene3d>
+    <dgm:sp3d/>
+    <dgm:txPr/>
+    <dgm:style>
+      <a:lnRef idx="2">
+        <a:scrgbClr r="0" g="0" b="0"/>
+      </a:lnRef>
+      <a:fillRef idx="1">
+        <a:scrgbClr r="0" g="0" b="0"/>
+      </a:fillRef>
+      <a:effectRef idx="0">
+        <a:scrgbClr r="0" g="0" b="0"/>
+      </a:effectRef>
+      <a:fontRef idx="minor">
+        <a:schemeClr val="lt1"/>
+      </a:fontRef>
+    </dgm:style>
+  </dgm:styleLbl>
+  <dgm:styleLbl name="asst1">
+    <dgm:scene3d>
+      <a:camera prst="orthographicFront"/>
+      <a:lightRig rig="threePt" dir="t"/>
+    </dgm:scene3d>
+    <dgm:sp3d/>
+    <dgm:txPr/>
+    <dgm:style>
+      <a:lnRef idx="2">
+        <a:scrgbClr r="0" g="0" b="0"/>
+      </a:lnRef>
+      <a:fillRef idx="1">
+        <a:scrgbClr r="0" g="0" b="0"/>
+      </a:fillRef>
+      <a:effectRef idx="0">
+        <a:scrgbClr r="0" g="0" b="0"/>
+      </a:effectRef>
+      <a:fontRef idx="minor">
+        <a:schemeClr val="lt1"/>
+      </a:fontRef>
+    </dgm:style>
+  </dgm:styleLbl>
+  <dgm:styleLbl name="asst2">
+    <dgm:scene3d>
+      <a:camera prst="orthographicFront"/>
+      <a:lightRig rig="threePt" dir="t"/>
+    </dgm:scene3d>
+    <dgm:sp3d/>
+    <dgm:txPr/>
+    <dgm:style>
+      <a:lnRef idx="2">
+        <a:scrgbClr r="0" g="0" b="0"/>
+      </a:lnRef>
+      <a:fillRef idx="1">
+        <a:scrgbClr r="0" g="0" b="0"/>
+      </a:fillRef>
+      <a:effectRef idx="0">
+        <a:scrgbClr r="0" g="0" b="0"/>
+      </a:effectRef>
+      <a:fontRef idx="minor">
+        <a:schemeClr val="lt1"/>
+      </a:fontRef>
+    </dgm:style>
+  </dgm:styleLbl>
+  <dgm:styleLbl name="asst3">
+    <dgm:scene3d>
+      <a:camera prst="orthographicFront"/>
+      <a:lightRig rig="threePt" dir="t"/>
+    </dgm:scene3d>
+    <dgm:sp3d/>
+    <dgm:txPr/>
+    <dgm:style>
+      <a:lnRef idx="2">
+        <a:scrgbClr r="0" g="0" b="0"/>
+      </a:lnRef>
+      <a:fillRef idx="1">
+        <a:scrgbClr r="0" g="0" b="0"/>
+      </a:fillRef>
+      <a:effectRef idx="0">
+        <a:scrgbClr r="0" g="0" b="0"/>
+      </a:effectRef>
+      <a:fontRef idx="minor">
+        <a:schemeClr val="lt1"/>
+      </a:fontRef>
+    </dgm:style>
+  </dgm:styleLbl>
+  <dgm:styleLbl name="asst4">
+    <dgm:scene3d>
+      <a:camera prst="orthographicFront"/>
+      <a:lightRig rig="threePt" dir="t"/>
+    </dgm:scene3d>
+    <dgm:sp3d/>
+    <dgm:txPr/>
+    <dgm:style>
+      <a:lnRef idx="2">
+        <a:scrgbClr r="0" g="0" b="0"/>
+      </a:lnRef>
+      <a:fillRef idx="1">
+        <a:scrgbClr r="0" g="0" b="0"/>
+      </a:fillRef>
+      <a:effectRef idx="0">
+        <a:scrgbClr r="0" g="0" b="0"/>
+      </a:effectRef>
+      <a:fontRef idx="minor">
+        <a:schemeClr val="lt1"/>
+      </a:fontRef>
+    </dgm:style>
+  </dgm:styleLbl>
+  <dgm:styleLbl name="parChTrans2D1">
+    <dgm:scene3d>
+      <a:camera prst="orthographicFront"/>
+      <a:lightRig rig="threePt" dir="t"/>
+    </dgm:scene3d>
+    <dgm:sp3d/>
+    <dgm:txPr/>
+    <dgm:style>
+      <a:lnRef idx="2">
+        <a:scrgbClr r="0" g="0" b="0"/>
+      </a:lnRef>
+      <a:fillRef idx="1">
+        <a:scrgbClr r="0" g="0" b="0"/>
+      </a:fillRef>
+      <a:effectRef idx="0">
+        <a:scrgbClr r="0" g="0" b="0"/>
+      </a:effectRef>
+      <a:fontRef idx="minor">
+        <a:schemeClr val="lt1"/>
+      </a:fontRef>
+    </dgm:style>
+  </dgm:styleLbl>
+  <dgm:styleLbl name="parChTrans2D2">
+    <dgm:scene3d>
+      <a:camera prst="orthographicFront"/>
+      <a:lightRig rig="threePt" dir="t"/>
+    </dgm:scene3d>
+    <dgm:sp3d/>
+    <dgm:txPr/>
+    <dgm:style>
+      <a:lnRef idx="2">
+        <a:scrgbClr r="0" g="0" b="0"/>
+      </a:lnRef>
+      <a:fillRef idx="1">
+        <a:scrgbClr r="0" g="0" b="0"/>
+      </a:fillRef>
+      <a:effectRef idx="0">
+        <a:scrgbClr r="0" g="0" b="0"/>
+      </a:effectRef>
+      <a:fontRef idx="minor">
+        <a:schemeClr val="lt1"/>
+      </a:fontRef>
+    </dgm:style>
+  </dgm:styleLbl>
+  <dgm:styleLbl name="parChTrans2D3">
+    <dgm:scene3d>
+      <a:camera prst="orthographicFront"/>
+      <a:lightRig rig="threePt" dir="t"/>
+    </dgm:scene3d>
+    <dgm:sp3d/>
+    <dgm:txPr/>
+    <dgm:style>
+      <a:lnRef idx="2">
+        <a:scrgbClr r="0" g="0" b="0"/>
+      </a:lnRef>
+      <a:fillRef idx="1">
+        <a:scrgbClr r="0" g="0" b="0"/>
+      </a:fillRef>
+      <a:effectRef idx="0">
+        <a:scrgbClr r="0" g="0" b="0"/>
+      </a:effectRef>
+      <a:fontRef idx="minor">
+        <a:schemeClr val="lt1"/>
+      </a:fontRef>
+    </dgm:style>
+  </dgm:styleLbl>
+  <dgm:styleLbl name="parChTrans2D4">
+    <dgm:scene3d>
+      <a:camera prst="orthographicFront"/>
+      <a:lightRig rig="threePt" dir="t"/>
+    </dgm:scene3d>
+    <dgm:sp3d/>
+    <dgm:txPr/>
+    <dgm:style>
+      <a:lnRef idx="2">
+        <a:scrgbClr r="0" g="0" b="0"/>
+      </a:lnRef>
+      <a:fillRef idx="1">
+        <a:scrgbClr r="0" g="0" b="0"/>
+      </a:fillRef>
+      <a:effectRef idx="0">
+        <a:scrgbClr r="0" g="0" b="0"/>
+      </a:effectRef>
+      <a:fontRef idx="minor">
+        <a:schemeClr val="lt1"/>
+      </a:fontRef>
+    </dgm:style>
+  </dgm:styleLbl>
+  <dgm:styleLbl name="parChTrans1D1">
+    <dgm:scene3d>
+      <a:camera prst="orthographicFront"/>
+      <a:lightRig rig="threePt" dir="t"/>
+    </dgm:scene3d>
+    <dgm:sp3d/>
+    <dgm:txPr/>
+    <dgm:style>
+      <a:lnRef idx="2">
+        <a:scrgbClr r="0" g="0" b="0"/>
+      </a:lnRef>
+      <a:fillRef idx="0">
+        <a:scrgbClr r="0" g="0" b="0"/>
+      </a:fillRef>
+      <a:effectRef idx="0">
+        <a:scrgbClr r="0" g="0" b="0"/>
+      </a:effectRef>
+      <a:fontRef idx="minor"/>
+    </dgm:style>
+  </dgm:styleLbl>
+  <dgm:styleLbl name="parChTrans1D2">
+    <dgm:scene3d>
+      <a:camera prst="orthographicFront"/>
+      <a:lightRig rig="threePt" dir="t"/>
+    </dgm:scene3d>
+    <dgm:sp3d/>
+    <dgm:txPr/>
+    <dgm:style>
+      <a:lnRef idx="2">
+        <a:scrgbClr r="0" g="0" b="0"/>
+      </a:lnRef>
+      <a:fillRef idx="0">
+        <a:scrgbClr r="0" g="0" b="0"/>
+      </a:fillRef>
+      <a:effectRef idx="0">
+        <a:scrgbClr r="0" g="0" b="0"/>
+      </a:effectRef>
+      <a:fontRef idx="minor"/>
+    </dgm:style>
+  </dgm:styleLbl>
+  <dgm:styleLbl name="parChTrans1D3">
+    <dgm:scene3d>
+      <a:camera prst="orthographicFront"/>
+      <a:lightRig rig="threePt" dir="t"/>
+    </dgm:scene3d>
+    <dgm:sp3d/>
+    <dgm:txPr/>
+    <dgm:style>
+      <a:lnRef idx="2">
+        <a:scrgbClr r="0" g="0" b="0"/>
+      </a:lnRef>
+      <a:fillRef idx="0">
+        <a:scrgbClr r="0" g="0" b="0"/>
+      </a:fillRef>
+      <a:effectRef idx="0">
+        <a:scrgbClr r="0" g="0" b="0"/>
+      </a:effectRef>
+      <a:fontRef idx="minor"/>
+    </dgm:style>
+  </dgm:styleLbl>
+  <dgm:styleLbl name="parChTrans1D4">
+    <dgm:scene3d>
+      <a:camera prst="orthographicFront"/>
+      <a:lightRig rig="threePt" dir="t"/>
+    </dgm:scene3d>
+    <dgm:sp3d/>
+    <dgm:txPr/>
+    <dgm:style>
+      <a:lnRef idx="2">
+        <a:scrgbClr r="0" g="0" b="0"/>
+      </a:lnRef>
+      <a:fillRef idx="0">
+        <a:scrgbClr r="0" g="0" b="0"/>
+      </a:fillRef>
+      <a:effectRef idx="0">
+        <a:scrgbClr r="0" g="0" b="0"/>
+      </a:effectRef>
+      <a:fontRef idx="minor"/>
+    </dgm:style>
+  </dgm:styleLbl>
+  <dgm:styleLbl name="fgAcc1">
+    <dgm:scene3d>
+      <a:camera prst="orthographicFront"/>
+      <a:lightRig rig="threePt" dir="t"/>
+    </dgm:scene3d>
+    <dgm:sp3d/>
+    <dgm:txPr/>
+    <dgm:style>
+      <a:lnRef idx="2">
+        <a:scrgbClr r="0" g="0" b="0"/>
+      </a:lnRef>
+      <a:fillRef idx="1">
+        <a:scrgbClr r="0" g="0" b="0"/>
+      </a:fillRef>
+      <a:effectRef idx="0">
+        <a:scrgbClr r="0" g="0" b="0"/>
+      </a:effectRef>
+      <a:fontRef idx="minor"/>
+    </dgm:style>
+  </dgm:styleLbl>
+  <dgm:styleLbl name="conFgAcc1">
+    <dgm:scene3d>
+      <a:camera prst="orthographicFront"/>
+      <a:lightRig rig="threePt" dir="t"/>
+    </dgm:scene3d>
+    <dgm:sp3d/>
+    <dgm:txPr/>
+    <dgm:style>
+      <a:lnRef idx="2">
+        <a:scrgbClr r="0" g="0" b="0"/>
+      </a:lnRef>
+      <a:fillRef idx="1">
+        <a:scrgbClr r="0" g="0" b="0"/>
+      </a:fillRef>
+      <a:effectRef idx="0">
+        <a:scrgbClr r="0" g="0" b="0"/>
+      </a:effectRef>
+      <a:fontRef idx="minor"/>
+    </dgm:style>
+  </dgm:styleLbl>
+  <dgm:styleLbl name="alignAcc1">
+    <dgm:scene3d>
+      <a:camera prst="orthographicFront"/>
+      <a:lightRig rig="threePt" dir="t"/>
+    </dgm:scene3d>
+    <dgm:sp3d/>
+    <dgm:txPr/>
+    <dgm:style>
+      <a:lnRef idx="2">
+        <a:scrgbClr r="0" g="0" b="0"/>
+      </a:lnRef>
+      <a:fillRef idx="1">
+        <a:scrgbClr r="0" g="0" b="0"/>
+      </a:fillRef>
+      <a:effectRef idx="0">
+        <a:scrgbClr r="0" g="0" b="0"/>
+      </a:effectRef>
+      <a:fontRef idx="minor"/>
+    </dgm:style>
+  </dgm:styleLbl>
+  <dgm:styleLbl name="trAlignAcc1">
+    <dgm:scene3d>
+      <a:camera prst="orthographicFront"/>
+      <a:lightRig rig="threePt" dir="t"/>
+    </dgm:scene3d>
+    <dgm:sp3d/>
+    <dgm:txPr/>
+    <dgm:style>
+      <a:lnRef idx="1">
+        <a:scrgbClr r="0" g="0" b="0"/>
+      </a:lnRef>
+      <a:fillRef idx="1">
+        <a:scrgbClr r="0" g="0" b="0"/>
+      </a:fillRef>
+      <a:effectRef idx="0">
+        <a:scrgbClr r="0" g="0" b="0"/>
+      </a:effectRef>
+      <a:fontRef idx="minor"/>
+    </dgm:style>
+  </dgm:styleLbl>
+  <dgm:styleLbl name="bgAcc1">
+    <dgm:scene3d>
+      <a:camera prst="orthographicFront"/>
+      <a:lightRig rig="threePt" dir="t"/>
+    </dgm:scene3d>
+    <dgm:sp3d/>
+    <dgm:txPr/>
+    <dgm:style>
+      <a:lnRef idx="2">
+        <a:scrgbClr r="0" g="0" b="0"/>
+      </a:lnRef>
+      <a:fillRef idx="1">
+        <a:scrgbClr r="0" g="0" b="0"/>
+      </a:fillRef>
+      <a:effectRef idx="0">
+        <a:scrgbClr r="0" g="0" b="0"/>
+      </a:effectRef>
+      <a:fontRef idx="minor"/>
+    </dgm:style>
+  </dgm:styleLbl>
+  <dgm:styleLbl name="solidFgAcc1">
+    <dgm:scene3d>
+      <a:camera prst="orthographicFront"/>
+      <a:lightRig rig="threePt" dir="t"/>
+    </dgm:scene3d>
+    <dgm:sp3d/>
+    <dgm:txPr/>
+    <dgm:style>
+      <a:lnRef idx="2">
+        <a:scrgbClr r="0" g="0" b="0"/>
+      </a:lnRef>
+      <a:fillRef idx="1">
+        <a:scrgbClr r="0" g="0" b="0"/>
+      </a:fillRef>
+      <a:effectRef idx="0">
+        <a:scrgbClr r="0" g="0" b="0"/>
+      </a:effectRef>
+      <a:fontRef idx="minor"/>
+    </dgm:style>
+  </dgm:styleLbl>
+  <dgm:styleLbl name="solidAlignAcc1">
+    <dgm:scene3d>
+      <a:camera prst="orthographicFront"/>
+      <a:lightRig rig="threePt" dir="t"/>
+    </dgm:scene3d>
+    <dgm:sp3d/>
+    <dgm:txPr/>
+    <dgm:style>
+      <a:lnRef idx="2">
+        <a:scrgbClr r="0" g="0" b="0"/>
+      </a:lnRef>
+      <a:fillRef idx="1">
+        <a:scrgbClr r="0" g="0" b="0"/>
+      </a:fillRef>
+      <a:effectRef idx="0">
+        <a:scrgbClr r="0" g="0" b="0"/>
+      </a:effectRef>
+      <a:fontRef idx="minor"/>
+    </dgm:style>
+  </dgm:styleLbl>
+  <dgm:styleLbl name="solidBgAcc1">
+    <dgm:scene3d>
+      <a:camera prst="orthographicFront"/>
+      <a:lightRig rig="threePt" dir="t"/>
+    </dgm:scene3d>
+    <dgm:sp3d/>
+    <dgm:txPr/>
+    <dgm:style>
+      <a:lnRef idx="2">
+        <a:scrgbClr r="0" g="0" b="0"/>
+      </a:lnRef>
+      <a:fillRef idx="1">
+        <a:scrgbClr r="0" g="0" b="0"/>
+      </a:fillRef>
+      <a:effectRef idx="0">
+        <a:scrgbClr r="0" g="0" b="0"/>
+      </a:effectRef>
+      <a:fontRef idx="minor"/>
+    </dgm:style>
+  </dgm:styleLbl>
+  <dgm:styleLbl name="fgAccFollowNode1">
+    <dgm:scene3d>
+      <a:camera prst="orthographicFront"/>
+      <a:lightRig rig="threePt" dir="t"/>
+    </dgm:scene3d>
+    <dgm:sp3d/>
+    <dgm:txPr/>
+    <dgm:style>
+      <a:lnRef idx="2">
+        <a:scrgbClr r="0" g="0" b="0"/>
+      </a:lnRef>
+      <a:fillRef idx="1">
+        <a:scrgbClr r="0" g="0" b="0"/>
+      </a:fillRef>
+      <a:effectRef idx="0">
+        <a:scrgbClr r="0" g="0" b="0"/>
+      </a:effectRef>
+      <a:fontRef idx="minor"/>
+    </dgm:style>
+  </dgm:styleLbl>
+  <dgm:styleLbl name="alignAccFollowNode1">
+    <dgm:scene3d>
+      <a:camera prst="orthographicFront"/>
+      <a:lightRig rig="threePt" dir="t"/>
+    </dgm:scene3d>
+    <dgm:sp3d/>
+    <dgm:txPr/>
+    <dgm:style>
+      <a:lnRef idx="2">
+        <a:scrgbClr r="0" g="0" b="0"/>
+      </a:lnRef>
+      <a:fillRef idx="1">
+        <a:scrgbClr r="0" g="0" b="0"/>
+      </a:fillRef>
+      <a:effectRef idx="0">
+        <a:scrgbClr r="0" g="0" b="0"/>
+      </a:effectRef>
+      <a:fontRef idx="minor"/>
+    </dgm:style>
+  </dgm:styleLbl>
+  <dgm:styleLbl name="bgAccFollowNode1">
+    <dgm:scene3d>
+      <a:camera prst="orthographicFront"/>
+      <a:lightRig rig="threePt" dir="t"/>
+    </dgm:scene3d>
+    <dgm:sp3d/>
+    <dgm:txPr/>
+    <dgm:style>
+      <a:lnRef idx="2">
+        <a:scrgbClr r="0" g="0" b="0"/>
+      </a:lnRef>
+      <a:fillRef idx="1">
+        <a:scrgbClr r="0" g="0" b="0"/>
+      </a:fillRef>
+      <a:effectRef idx="0">
+        <a:scrgbClr r="0" g="0" b="0"/>
+      </a:effectRef>
+      <a:fontRef idx="minor"/>
+    </dgm:style>
+  </dgm:styleLbl>
+  <dgm:styleLbl name="fgAcc0">
+    <dgm:scene3d>
+      <a:camera prst="orthographicFront"/>
+      <a:lightRig rig="threePt" dir="t"/>
+    </dgm:scene3d>
+    <dgm:sp3d/>
+    <dgm:txPr/>
+    <dgm:style>
+      <a:lnRef idx="2">
+        <a:scrgbClr r="0" g="0" b="0"/>
+      </a:lnRef>
+      <a:fillRef idx="1">
+        <a:scrgbClr r="0" g="0" b="0"/>
+      </a:fillRef>
+      <a:effectRef idx="0">
+        <a:scrgbClr r="0" g="0" b="0"/>
+      </a:effectRef>
+      <a:fontRef idx="minor"/>
+    </dgm:style>
+  </dgm:styleLbl>
+  <dgm:styleLbl name="fgAcc2">
+    <dgm:scene3d>
+      <a:camera prst="orthographicFront"/>
+      <a:lightRig rig="threePt" dir="t"/>
+    </dgm:scene3d>
+    <dgm:sp3d/>
+    <dgm:txPr/>
+    <dgm:style>
+      <a:lnRef idx="2">
+        <a:scrgbClr r="0" g="0" b="0"/>
+      </a:lnRef>
+      <a:fillRef idx="1">
+        <a:scrgbClr r="0" g="0" b="0"/>
+      </a:fillRef>
+      <a:effectRef idx="0">
+        <a:scrgbClr r="0" g="0" b="0"/>
+      </a:effectRef>
+      <a:fontRef idx="minor"/>
+    </dgm:style>
+  </dgm:styleLbl>
+  <dgm:styleLbl name="fgAcc3">
+    <dgm:scene3d>
+      <a:camera prst="orthographicFront"/>
+      <a:lightRig rig="threePt" dir="t"/>
+    </dgm:scene3d>
+    <dgm:sp3d/>
+    <dgm:txPr/>
+    <dgm:style>
+      <a:lnRef idx="2">
+        <a:scrgbClr r="0" g="0" b="0"/>
+      </a:lnRef>
+      <a:fillRef idx="1">
+        <a:scrgbClr r="0" g="0" b="0"/>
+      </a:fillRef>
+      <a:effectRef idx="0">
+        <a:scrgbClr r="0" g="0" b="0"/>
+      </a:effectRef>
+      <a:fontRef idx="minor"/>
+    </dgm:style>
+  </dgm:styleLbl>
+  <dgm:styleLbl name="fgAcc4">
+    <dgm:scene3d>
+      <a:camera prst="orthographicFront"/>
+      <a:lightRig rig="threePt" dir="t"/>
+    </dgm:scene3d>
+    <dgm:sp3d/>
+    <dgm:txPr/>
+    <dgm:style>
+      <a:lnRef idx="2">
+        <a:scrgbClr r="0" g="0" b="0"/>
+      </a:lnRef>
+      <a:fillRef idx="1">
+        <a:scrgbClr r="0" g="0" b="0"/>
+      </a:fillRef>
+      <a:effectRef idx="0">
+        <a:scrgbClr r="0" g="0" b="0"/>
+      </a:effectRef>
+      <a:fontRef idx="minor"/>
+    </dgm:style>
+  </dgm:styleLbl>
+  <dgm:styleLbl name="bgShp">
+    <dgm:scene3d>
+      <a:camera prst="orthographicFront"/>
+      <a:lightRig rig="threePt" dir="t"/>
+    </dgm:scene3d>
+    <dgm:sp3d/>
+    <dgm:txPr/>
+    <dgm:style>
+      <a:lnRef idx="0">
+        <a:scrgbClr r="0" g="0" b="0"/>
+      </a:lnRef>
+      <a:fillRef idx="1">
+        <a:scrgbClr r="0" g="0" b="0"/>
+      </a:fillRef>
+      <a:effectRef idx="0">
+        <a:scrgbClr r="0" g="0" b="0"/>
+      </a:effectRef>
+      <a:fontRef idx="minor"/>
+    </dgm:style>
+  </dgm:styleLbl>
+  <dgm:styleLbl name="dkBgShp">
+    <dgm:scene3d>
+      <a:camera prst="orthographicFront"/>
+      <a:lightRig rig="threePt" dir="t"/>
+    </dgm:scene3d>
+    <dgm:sp3d/>
+    <dgm:txPr/>
+    <dgm:style>
+      <a:lnRef idx="0">
+        <a:scrgbClr r="0" g="0" b="0"/>
+      </a:lnRef>
+      <a:fillRef idx="1">
+        <a:scrgbClr r="0" g="0" b="0"/>
+      </a:fillRef>
+      <a:effectRef idx="0">
+        <a:scrgbClr r="0" g="0" b="0"/>
+      </a:effectRef>
+      <a:fontRef idx="minor"/>
+    </dgm:style>
+  </dgm:styleLbl>
+  <dgm:styleLbl name="trBgShp">
+    <dgm:scene3d>
+      <a:camera prst="orthographicFront"/>
+      <a:lightRig rig="threePt" dir="t"/>
+    </dgm:scene3d>
+    <dgm:sp3d/>
+    <dgm:txPr/>
+    <dgm:style>
+      <a:lnRef idx="0">
+        <a:scrgbClr r="0" g="0" b="0"/>
+      </a:lnRef>
+      <a:fillRef idx="1">
+        <a:scrgbClr r="0" g="0" b="0"/>
+      </a:fillRef>
+      <a:effectRef idx="0">
+        <a:scrgbClr r="0" g="0" b="0"/>
+      </a:effectRef>
+      <a:fontRef idx="minor"/>
+    </dgm:style>
+  </dgm:styleLbl>
+  <dgm:styleLbl name="fgShp">
+    <dgm:scene3d>
+      <a:camera prst="orthographicFront"/>
+      <a:lightRig rig="threePt" dir="t"/>
+    </dgm:scene3d>
+    <dgm:sp3d/>
+    <dgm:txPr/>
+    <dgm:style>
+      <a:lnRef idx="2">
+        <a:scrgbClr r="0" g="0" b="0"/>
+      </a:lnRef>
+      <a:fillRef idx="1">
+        <a:scrgbClr r="0" g="0" b="0"/>
+      </a:fillRef>
+      <a:effectRef idx="0">
+        <a:scrgbClr r="0" g="0" b="0"/>
+      </a:effectRef>
+      <a:fontRef idx="minor"/>
+    </dgm:style>
+  </dgm:styleLbl>
+  <dgm:styleLbl name="revTx">
+    <dgm:scene3d>
+      <a:camera prst="orthographicFront"/>
+      <a:lightRig rig="threePt" dir="t"/>
+    </dgm:scene3d>
+    <dgm:sp3d/>
+    <dgm:txPr/>
+    <dgm:style>
+      <a:lnRef idx="0">
+        <a:scrgbClr r="0" g="0" b="0"/>
+      </a:lnRef>
+      <a:fillRef idx="0">
+        <a:scrgbClr r="0" g="0" b="0"/>
+      </a:fillRef>
+      <a:effectRef idx="0">
+        <a:scrgbClr r="0" g="0" b="0"/>
+      </a:effectRef>
+      <a:fontRef idx="minor"/>
+    </dgm:style>
+  </dgm:styleLbl>
+</dgm:styleDef>
 </file>
 
 <file path=ppt/slideLayouts/slideLayout1.xml><?xml version="1.0" encoding="utf-8"?>
@@ -310,7 +3149,7 @@
           <a:p>
             <a:fld id="{1F86D852-7648-4D84-944E-E1841212398F}" type="datetimeFigureOut">
               <a:rPr lang="en-US" smtClean="0"/>
-              <a:t>11/17/2019</a:t>
+              <a:t>11/18/2019</a:t>
             </a:fld>
             <a:endParaRPr lang="en-US"/>
           </a:p>
@@ -510,7 +3349,7 @@
           <a:p>
             <a:fld id="{1F86D852-7648-4D84-944E-E1841212398F}" type="datetimeFigureOut">
               <a:rPr lang="en-US" smtClean="0"/>
-              <a:t>11/17/2019</a:t>
+              <a:t>11/18/2019</a:t>
             </a:fld>
             <a:endParaRPr lang="en-US"/>
           </a:p>
@@ -720,7 +3559,7 @@
           <a:p>
             <a:fld id="{1F86D852-7648-4D84-944E-E1841212398F}" type="datetimeFigureOut">
               <a:rPr lang="en-US" smtClean="0"/>
-              <a:t>11/17/2019</a:t>
+              <a:t>11/18/2019</a:t>
             </a:fld>
             <a:endParaRPr lang="en-US"/>
           </a:p>
@@ -920,7 +3759,7 @@
           <a:p>
             <a:fld id="{1F86D852-7648-4D84-944E-E1841212398F}" type="datetimeFigureOut">
               <a:rPr lang="en-US" smtClean="0"/>
-              <a:t>11/17/2019</a:t>
+              <a:t>11/18/2019</a:t>
             </a:fld>
             <a:endParaRPr lang="en-US"/>
           </a:p>
@@ -1196,7 +4035,7 @@
           <a:p>
             <a:fld id="{1F86D852-7648-4D84-944E-E1841212398F}" type="datetimeFigureOut">
               <a:rPr lang="en-US" smtClean="0"/>
-              <a:t>11/17/2019</a:t>
+              <a:t>11/18/2019</a:t>
             </a:fld>
             <a:endParaRPr lang="en-US"/>
           </a:p>
@@ -1464,7 +4303,7 @@
           <a:p>
             <a:fld id="{1F86D852-7648-4D84-944E-E1841212398F}" type="datetimeFigureOut">
               <a:rPr lang="en-US" smtClean="0"/>
-              <a:t>11/17/2019</a:t>
+              <a:t>11/18/2019</a:t>
             </a:fld>
             <a:endParaRPr lang="en-US"/>
           </a:p>
@@ -1879,7 +4718,7 @@
           <a:p>
             <a:fld id="{1F86D852-7648-4D84-944E-E1841212398F}" type="datetimeFigureOut">
               <a:rPr lang="en-US" smtClean="0"/>
-              <a:t>11/17/2019</a:t>
+              <a:t>11/18/2019</a:t>
             </a:fld>
             <a:endParaRPr lang="en-US"/>
           </a:p>
@@ -2021,7 +4860,7 @@
           <a:p>
             <a:fld id="{1F86D852-7648-4D84-944E-E1841212398F}" type="datetimeFigureOut">
               <a:rPr lang="en-US" smtClean="0"/>
-              <a:t>11/17/2019</a:t>
+              <a:t>11/18/2019</a:t>
             </a:fld>
             <a:endParaRPr lang="en-US"/>
           </a:p>
@@ -2134,7 +4973,7 @@
           <a:p>
             <a:fld id="{1F86D852-7648-4D84-944E-E1841212398F}" type="datetimeFigureOut">
               <a:rPr lang="en-US" smtClean="0"/>
-              <a:t>11/17/2019</a:t>
+              <a:t>11/18/2019</a:t>
             </a:fld>
             <a:endParaRPr lang="en-US"/>
           </a:p>
@@ -2447,7 +5286,7 @@
           <a:p>
             <a:fld id="{1F86D852-7648-4D84-944E-E1841212398F}" type="datetimeFigureOut">
               <a:rPr lang="en-US" smtClean="0"/>
-              <a:t>11/17/2019</a:t>
+              <a:t>11/18/2019</a:t>
             </a:fld>
             <a:endParaRPr lang="en-US"/>
           </a:p>
@@ -2736,7 +5575,7 @@
           <a:p>
             <a:fld id="{1F86D852-7648-4D84-944E-E1841212398F}" type="datetimeFigureOut">
               <a:rPr lang="en-US" smtClean="0"/>
-              <a:t>11/17/2019</a:t>
+              <a:t>11/18/2019</a:t>
             </a:fld>
             <a:endParaRPr lang="en-US"/>
           </a:p>
@@ -2979,7 +5818,7 @@
           <a:p>
             <a:fld id="{1F86D852-7648-4D84-944E-E1841212398F}" type="datetimeFigureOut">
               <a:rPr lang="en-US" smtClean="0"/>
-              <a:t>11/17/2019</a:t>
+              <a:t>11/18/2019</a:t>
             </a:fld>
             <a:endParaRPr lang="en-US"/>
           </a:p>
@@ -3580,11 +6419,7 @@
             </a:r>
             <a:r>
               <a:rPr lang="ko-KR" altLang="en-US" dirty="0"/>
-              <a:t>현재 </a:t>
-            </a:r>
-            <a:r>
-              <a:rPr lang="ko-KR" altLang="en-US" dirty="0" smtClean="0"/>
-              <a:t>논의 중</a:t>
+              <a:t>현재 논의 중</a:t>
             </a:r>
             <a:endParaRPr lang="en-US" dirty="0"/>
           </a:p>
@@ -3726,11 +6561,7 @@
             </a:r>
             <a:r>
               <a:rPr lang="ko-KR" altLang="en-US" dirty="0"/>
-              <a:t> </a:t>
-            </a:r>
-            <a:r>
-              <a:rPr lang="ko-KR" altLang="en-US" dirty="0" smtClean="0"/>
-              <a:t>지속 시 </a:t>
+              <a:t> 지속 시 </a:t>
             </a:r>
             <a:r>
               <a:rPr lang="ko-KR" altLang="en-US" dirty="0" err="1"/>
@@ -3769,11 +6600,7 @@
             </a:r>
             <a:r>
               <a:rPr lang="ko-KR" altLang="en-US" dirty="0"/>
-              <a:t>현재 </a:t>
-            </a:r>
-            <a:r>
-              <a:rPr lang="ko-KR" altLang="en-US" dirty="0" smtClean="0"/>
-              <a:t>논의 중</a:t>
+              <a:t>현재 논의 중</a:t>
             </a:r>
             <a:endParaRPr lang="en-US" dirty="0"/>
           </a:p>
@@ -3923,11 +6750,11 @@
               <a:t>유저 편의성은 </a:t>
             </a:r>
             <a:r>
-              <a:rPr lang="ko-KR" altLang="en-US" dirty="0" err="1" smtClean="0"/>
+              <a:rPr lang="ko-KR" altLang="en-US" dirty="0" err="1"/>
               <a:t>어플이</a:t>
             </a:r>
             <a:r>
-              <a:rPr lang="ko-KR" altLang="en-US" dirty="0" smtClean="0"/>
+              <a:rPr lang="ko-KR" altLang="en-US" dirty="0"/>
               <a:t> 좋음</a:t>
             </a:r>
             <a:endParaRPr lang="en-US" altLang="ko-KR" dirty="0"/>
@@ -3969,6 +6796,101 @@
           <p:cNvPr id="2" name="제목 1">
             <a:extLst>
               <a:ext uri="{FF2B5EF4-FFF2-40B4-BE49-F238E27FC236}">
+                <a16:creationId xmlns:a16="http://schemas.microsoft.com/office/drawing/2014/main" id="{40811974-047C-4BA4-AC23-CAA6D4CE7F61}"/>
+              </a:ext>
+            </a:extLst>
+          </p:cNvPr>
+          <p:cNvSpPr>
+            <a:spLocks noGrp="1"/>
+          </p:cNvSpPr>
+          <p:nvPr>
+            <p:ph type="title"/>
+          </p:nvPr>
+        </p:nvSpPr>
+        <p:spPr/>
+        <p:txBody>
+          <a:bodyPr/>
+          <a:lstStyle/>
+          <a:p>
+            <a:r>
+              <a:rPr lang="en-US" altLang="ko-KR" dirty="0"/>
+              <a:t>PROJECT MANAGEMENT</a:t>
+            </a:r>
+            <a:endParaRPr lang="en-US" dirty="0"/>
+          </a:p>
+        </p:txBody>
+      </p:sp>
+      <p:sp>
+        <p:nvSpPr>
+          <p:cNvPr id="3" name="내용 개체 틀 2">
+            <a:extLst>
+              <a:ext uri="{FF2B5EF4-FFF2-40B4-BE49-F238E27FC236}">
+                <a16:creationId xmlns:a16="http://schemas.microsoft.com/office/drawing/2014/main" id="{18356260-57BD-4970-9DE2-AD8BBA1254DA}"/>
+              </a:ext>
+            </a:extLst>
+          </p:cNvPr>
+          <p:cNvSpPr>
+            <a:spLocks noGrp="1"/>
+          </p:cNvSpPr>
+          <p:nvPr>
+            <p:ph idx="1"/>
+          </p:nvPr>
+        </p:nvSpPr>
+        <p:spPr/>
+        <p:txBody>
+          <a:bodyPr/>
+          <a:lstStyle/>
+          <a:p>
+            <a:r>
+              <a:rPr lang="en-US" dirty="0"/>
+              <a:t>GITHUB</a:t>
+            </a:r>
+            <a:r>
+              <a:rPr lang="ko-KR" altLang="en-US" dirty="0"/>
+              <a:t>를 이용하여 팀원들간 협업</a:t>
+            </a:r>
+            <a:endParaRPr lang="en-US" altLang="ko-KR" dirty="0"/>
+          </a:p>
+          <a:p>
+            <a:endParaRPr lang="en-US" altLang="ko-KR" dirty="0"/>
+          </a:p>
+        </p:txBody>
+      </p:sp>
+    </p:spTree>
+    <p:extLst>
+      <p:ext uri="{BB962C8B-B14F-4D97-AF65-F5344CB8AC3E}">
+        <p14:creationId xmlns:p14="http://schemas.microsoft.com/office/powerpoint/2010/main" val="4191702558"/>
+      </p:ext>
+    </p:extLst>
+  </p:cSld>
+  <p:clrMapOvr>
+    <a:masterClrMapping/>
+  </p:clrMapOvr>
+</p:sld>
+</file>
+
+<file path=ppt/slides/slide14.xml><?xml version="1.0" encoding="utf-8"?>
+<p:sld xmlns:a="http://schemas.openxmlformats.org/drawingml/2006/main" xmlns:r="http://schemas.openxmlformats.org/officeDocument/2006/relationships" xmlns:p="http://schemas.openxmlformats.org/presentationml/2006/main">
+  <p:cSld>
+    <p:spTree>
+      <p:nvGrpSpPr>
+        <p:cNvPr id="1" name=""/>
+        <p:cNvGrpSpPr/>
+        <p:nvPr/>
+      </p:nvGrpSpPr>
+      <p:grpSpPr>
+        <a:xfrm>
+          <a:off x="0" y="0"/>
+          <a:ext cx="0" cy="0"/>
+          <a:chOff x="0" y="0"/>
+          <a:chExt cx="0" cy="0"/>
+        </a:xfrm>
+      </p:grpSpPr>
+      <p:sp>
+        <p:nvSpPr>
+          <p:cNvPr id="2" name="제목 1">
+            <a:extLst>
+              <a:ext uri="{FF2B5EF4-FFF2-40B4-BE49-F238E27FC236}">
                 <a16:creationId xmlns:a16="http://schemas.microsoft.com/office/drawing/2014/main" id="{13CDA398-ADD3-408B-AAED-41F1E2EC7ED3}"/>
               </a:ext>
             </a:extLst>
@@ -4050,11 +6972,7 @@
           <a:p>
             <a:r>
               <a:rPr lang="ko-KR" altLang="en-US" dirty="0"/>
-              <a:t>이후 </a:t>
-            </a:r>
-            <a:r>
-              <a:rPr lang="ko-KR" altLang="en-US" dirty="0" smtClean="0"/>
-              <a:t>고도화</a:t>
+              <a:t>이후 고도화</a:t>
             </a:r>
             <a:r>
               <a:rPr lang="en-US" altLang="ko-KR" dirty="0"/>
@@ -4109,7 +7027,7 @@
           <p:cNvPr id="2" name="제목 1">
             <a:extLst>
               <a:ext uri="{FF2B5EF4-FFF2-40B4-BE49-F238E27FC236}">
-                <a16:creationId xmlns:a16="http://schemas.microsoft.com/office/drawing/2014/main" id="{644FC908-E787-4377-93C5-88C3C9336D4C}"/>
+                <a16:creationId xmlns:a16="http://schemas.microsoft.com/office/drawing/2014/main" id="{0088022B-C61E-4100-A2BC-8FFE723501FB}"/>
               </a:ext>
             </a:extLst>
           </p:cNvPr>
@@ -4120,69 +7038,65 @@
             <p:ph type="title"/>
           </p:nvPr>
         </p:nvSpPr>
-        <p:spPr/>
-        <p:txBody>
-          <a:bodyPr/>
+        <p:spPr>
+          <a:xfrm>
+            <a:off x="870204" y="606564"/>
+            <a:ext cx="10451592" cy="1325563"/>
+          </a:xfrm>
+        </p:spPr>
+        <p:txBody>
+          <a:bodyPr anchor="ctr">
+            <a:normAutofit/>
+          </a:bodyPr>
           <a:lstStyle/>
           <a:p>
             <a:r>
               <a:rPr lang="ko-KR" altLang="en-US" dirty="0"/>
               <a:t>목차</a:t>
             </a:r>
+            <a:r>
+              <a:rPr lang="en-US" altLang="ko-KR" dirty="0"/>
+              <a:t>	</a:t>
+            </a:r>
             <a:endParaRPr lang="en-US" dirty="0"/>
           </a:p>
         </p:txBody>
       </p:sp>
-      <p:sp>
-        <p:nvSpPr>
-          <p:cNvPr id="3" name="내용 개체 틀 2">
-            <a:extLst>
-              <a:ext uri="{FF2B5EF4-FFF2-40B4-BE49-F238E27FC236}">
-                <a16:creationId xmlns:a16="http://schemas.microsoft.com/office/drawing/2014/main" id="{4450FB8C-B193-40EA-BFA7-BFB26CDF50EE}"/>
-              </a:ext>
-            </a:extLst>
-          </p:cNvPr>
-          <p:cNvSpPr>
-            <a:spLocks noGrp="1"/>
-          </p:cNvSpPr>
+      <p:graphicFrame>
+        <p:nvGraphicFramePr>
+          <p:cNvPr id="5" name="내용 개체 틀 2">
+            <a:extLst>
+              <a:ext uri="{FF2B5EF4-FFF2-40B4-BE49-F238E27FC236}">
+                <a16:creationId xmlns:a16="http://schemas.microsoft.com/office/drawing/2014/main" id="{747A4065-9F26-4142-84C3-DBCE1D031B6E}"/>
+              </a:ext>
+            </a:extLst>
+          </p:cNvPr>
+          <p:cNvGraphicFramePr>
+            <a:graphicFrameLocks noGrp="1"/>
+          </p:cNvGraphicFramePr>
           <p:nvPr>
             <p:ph idx="1"/>
-          </p:nvPr>
-        </p:nvSpPr>
-        <p:spPr/>
-        <p:txBody>
-          <a:bodyPr/>
-          <a:lstStyle/>
-          <a:p>
-            <a:r>
-              <a:rPr lang="ko-KR" altLang="en-US" dirty="0"/>
-              <a:t>목적</a:t>
-            </a:r>
-            <a:endParaRPr lang="en-US" altLang="ko-KR" dirty="0"/>
-          </a:p>
-          <a:p>
-            <a:r>
-              <a:rPr lang="ko-KR" altLang="en-US" dirty="0"/>
-              <a:t>장비</a:t>
-            </a:r>
-            <a:endParaRPr lang="en-US" altLang="ko-KR" dirty="0"/>
-          </a:p>
-          <a:p>
-            <a:r>
-              <a:rPr lang="ko-KR" altLang="en-US" dirty="0"/>
-              <a:t>데이터 축적</a:t>
-            </a:r>
-            <a:endParaRPr lang="en-US" altLang="ko-KR" dirty="0"/>
-          </a:p>
-          <a:p>
-            <a:endParaRPr lang="en-US" dirty="0"/>
-          </a:p>
-        </p:txBody>
-      </p:sp>
+            <p:extLst>
+              <p:ext uri="{D42A27DB-BD31-4B8C-83A1-F6EECF244321}">
+                <p14:modId xmlns:p14="http://schemas.microsoft.com/office/powerpoint/2010/main" val="3495010095"/>
+              </p:ext>
+            </p:extLst>
+          </p:nvPr>
+        </p:nvGraphicFramePr>
+        <p:xfrm>
+          <a:off x="1000874" y="2385390"/>
+          <a:ext cx="10190252" cy="3617845"/>
+        </p:xfrm>
+        <a:graphic>
+          <a:graphicData uri="http://schemas.openxmlformats.org/drawingml/2006/diagram">
+            <dgm:relIds xmlns:dgm="http://schemas.openxmlformats.org/drawingml/2006/diagram" xmlns:r="http://schemas.openxmlformats.org/officeDocument/2006/relationships" r:dm="rId2" r:lo="rId3" r:qs="rId4" r:cs="rId5"/>
+          </a:graphicData>
+        </a:graphic>
+      </p:graphicFrame>
     </p:spTree>
     <p:extLst>
       <p:ext uri="{BB962C8B-B14F-4D97-AF65-F5344CB8AC3E}">
-        <p14:creationId xmlns:p14="http://schemas.microsoft.com/office/powerpoint/2010/main" val="3872817665"/>
+        <p14:creationId xmlns:p14="http://schemas.microsoft.com/office/powerpoint/2010/main" val="270329306"/>
       </p:ext>
     </p:extLst>
   </p:cSld>
@@ -4195,6 +7109,14 @@
 <file path=ppt/slides/slide3.xml><?xml version="1.0" encoding="utf-8"?>
 <p:sld xmlns:a="http://schemas.openxmlformats.org/drawingml/2006/main" xmlns:r="http://schemas.openxmlformats.org/officeDocument/2006/relationships" xmlns:p="http://schemas.openxmlformats.org/presentationml/2006/main">
   <p:cSld>
+    <p:bg>
+      <p:bgPr>
+        <a:solidFill>
+          <a:schemeClr val="bg1"/>
+        </a:solidFill>
+        <a:effectLst/>
+      </p:bgPr>
+    </p:bg>
     <p:spTree>
       <p:nvGrpSpPr>
         <p:cNvPr id="1" name=""/>
@@ -4211,10 +7133,354 @@
       </p:grpSpPr>
       <p:sp>
         <p:nvSpPr>
-          <p:cNvPr id="2" name="제목 1">
-            <a:extLst>
-              <a:ext uri="{FF2B5EF4-FFF2-40B4-BE49-F238E27FC236}">
-                <a16:creationId xmlns:a16="http://schemas.microsoft.com/office/drawing/2014/main" id="{AE8575BB-8783-42F1-9ABC-796C328CF690}"/>
+          <p:cNvPr id="10" name="Rectangle 9">
+            <a:extLst>
+              <a:ext uri="{FF2B5EF4-FFF2-40B4-BE49-F238E27FC236}">
+                <a16:creationId xmlns:a16="http://schemas.microsoft.com/office/drawing/2014/main" id="{AFA67CD3-AB4E-4A7A-BEB8-53C445D8C44E}"/>
+              </a:ext>
+              <a:ext uri="{C183D7F6-B498-43B3-948B-1728B52AA6E4}">
+                <adec:decorative xmlns:adec="http://schemas.microsoft.com/office/drawing/2017/decorative" val="1"/>
+              </a:ext>
+            </a:extLst>
+          </p:cNvPr>
+          <p:cNvSpPr>
+            <a:spLocks noGrp="1" noRot="1" noChangeAspect="1" noMove="1" noResize="1" noEditPoints="1" noAdjustHandles="1" noChangeArrowheads="1" noChangeShapeType="1" noTextEdit="1"/>
+          </p:cNvSpPr>
+          <p:nvPr>
+            <p:extLst>
+              <p:ext uri="{386F3935-93C4-4BCD-93E2-E3B085C9AB24}">
+                <p16:designElem xmlns:p16="http://schemas.microsoft.com/office/powerpoint/2015/main" val="1"/>
+              </p:ext>
+            </p:extLst>
+          </p:nvPr>
+        </p:nvSpPr>
+        <p:spPr>
+          <a:xfrm>
+            <a:off x="1" y="3726"/>
+            <a:ext cx="5614875" cy="6858000"/>
+          </a:xfrm>
+          <a:prstGeom prst="rect">
+            <a:avLst/>
+          </a:prstGeom>
+          <a:gradFill>
+            <a:gsLst>
+              <a:gs pos="0">
+                <a:schemeClr val="accent1">
+                  <a:lumMod val="100000"/>
+                  <a:alpha val="82000"/>
+                </a:schemeClr>
+              </a:gs>
+              <a:gs pos="25000">
+                <a:schemeClr val="accent1">
+                  <a:alpha val="60000"/>
+                </a:schemeClr>
+              </a:gs>
+              <a:gs pos="94000">
+                <a:schemeClr val="bg2">
+                  <a:lumMod val="75000"/>
+                </a:schemeClr>
+              </a:gs>
+              <a:gs pos="100000">
+                <a:schemeClr val="bg2">
+                  <a:lumMod val="75000"/>
+                </a:schemeClr>
+              </a:gs>
+            </a:gsLst>
+            <a:lin ang="4200000" scaled="0"/>
+          </a:gradFill>
+          <a:ln>
+            <a:noFill/>
+          </a:ln>
+        </p:spPr>
+        <p:style>
+          <a:lnRef idx="2">
+            <a:schemeClr val="accent1">
+              <a:shade val="50000"/>
+            </a:schemeClr>
+          </a:lnRef>
+          <a:fillRef idx="1">
+            <a:schemeClr val="accent1"/>
+          </a:fillRef>
+          <a:effectRef idx="0">
+            <a:schemeClr val="accent1"/>
+          </a:effectRef>
+          <a:fontRef idx="minor">
+            <a:schemeClr val="lt1"/>
+          </a:fontRef>
+        </p:style>
+        <p:txBody>
+          <a:bodyPr rtlCol="0" anchor="ctr"/>
+          <a:lstStyle/>
+          <a:p>
+            <a:pPr algn="ctr"/>
+            <a:endParaRPr lang="en-US"/>
+          </a:p>
+        </p:txBody>
+      </p:sp>
+      <p:pic>
+        <p:nvPicPr>
+          <p:cNvPr id="12" name="Picture 11">
+            <a:extLst>
+              <a:ext uri="{FF2B5EF4-FFF2-40B4-BE49-F238E27FC236}">
+                <a16:creationId xmlns:a16="http://schemas.microsoft.com/office/drawing/2014/main" id="{07CF545F-9C2E-4446-97CD-AD92990C2B68}"/>
+              </a:ext>
+              <a:ext uri="{C183D7F6-B498-43B3-948B-1728B52AA6E4}">
+                <adec:decorative xmlns:adec="http://schemas.microsoft.com/office/drawing/2017/decorative" val="1"/>
+              </a:ext>
+            </a:extLst>
+          </p:cNvPr>
+          <p:cNvPicPr>
+            <a:picLocks noGrp="1" noRot="1" noChangeAspect="1" noMove="1" noResize="1" noEditPoints="1" noAdjustHandles="1" noChangeArrowheads="1" noChangeShapeType="1" noCrop="1"/>
+          </p:cNvPicPr>
+          <p:nvPr>
+            <p:extLst>
+              <p:ext uri="{386F3935-93C4-4BCD-93E2-E3B085C9AB24}">
+                <p16:designElem xmlns:p16="http://schemas.microsoft.com/office/powerpoint/2015/main" val="1"/>
+              </p:ext>
+            </p:extLst>
+          </p:nvPr>
+        </p:nvPicPr>
+        <p:blipFill>
+          <a:blip r:embed="rId2">
+            <a:extLst>
+              <a:ext uri="{28A0092B-C50C-407E-A947-70E740481C1C}">
+                <a14:useLocalDpi xmlns:a14="http://schemas.microsoft.com/office/drawing/2010/main" val="0"/>
+              </a:ext>
+            </a:extLst>
+          </a:blip>
+          <a:stretch>
+            <a:fillRect/>
+          </a:stretch>
+        </p:blipFill>
+        <p:spPr>
+          <a:xfrm>
+            <a:off x="0" y="0"/>
+            <a:ext cx="12192000" cy="6858000"/>
+          </a:xfrm>
+          <a:prstGeom prst="rect">
+            <a:avLst/>
+          </a:prstGeom>
+        </p:spPr>
+      </p:pic>
+      <p:sp>
+        <p:nvSpPr>
+          <p:cNvPr id="14" name="Freeform 62">
+            <a:extLst>
+              <a:ext uri="{FF2B5EF4-FFF2-40B4-BE49-F238E27FC236}">
+                <a16:creationId xmlns:a16="http://schemas.microsoft.com/office/drawing/2014/main" id="{339C8D78-A644-462F-B674-F440635E5353}"/>
+              </a:ext>
+              <a:ext uri="{C183D7F6-B498-43B3-948B-1728B52AA6E4}">
+                <adec:decorative xmlns:adec="http://schemas.microsoft.com/office/drawing/2017/decorative" val="1"/>
+              </a:ext>
+            </a:extLst>
+          </p:cNvPr>
+          <p:cNvSpPr>
+            <a:spLocks noGrp="1" noRot="1" noChangeAspect="1" noMove="1" noResize="1" noEditPoints="1" noAdjustHandles="1" noChangeArrowheads="1" noChangeShapeType="1" noTextEdit="1"/>
+          </p:cNvSpPr>
+          <p:nvPr>
+            <p:extLst>
+              <p:ext uri="{386F3935-93C4-4BCD-93E2-E3B085C9AB24}">
+                <p16:designElem xmlns:p16="http://schemas.microsoft.com/office/powerpoint/2015/main" val="1"/>
+              </p:ext>
+            </p:extLst>
+          </p:nvPr>
+        </p:nvSpPr>
+        <p:spPr>
+          <a:xfrm>
+            <a:off x="0" y="738619"/>
+            <a:ext cx="5000438" cy="5400962"/>
+          </a:xfrm>
+          <a:custGeom>
+            <a:avLst/>
+            <a:gdLst>
+              <a:gd name="connsiteX0" fmla="*/ 2299956 w 5000438"/>
+              <a:gd name="connsiteY0" fmla="*/ 0 h 5400962"/>
+              <a:gd name="connsiteX1" fmla="*/ 5000438 w 5000438"/>
+              <a:gd name="connsiteY1" fmla="*/ 2700481 h 5400962"/>
+              <a:gd name="connsiteX2" fmla="*/ 2299956 w 5000438"/>
+              <a:gd name="connsiteY2" fmla="*/ 5400962 h 5400962"/>
+              <a:gd name="connsiteX3" fmla="*/ 60675 w 5000438"/>
+              <a:gd name="connsiteY3" fmla="*/ 4210346 h 5400962"/>
+              <a:gd name="connsiteX4" fmla="*/ 0 w 5000438"/>
+              <a:gd name="connsiteY4" fmla="*/ 4110472 h 5400962"/>
+              <a:gd name="connsiteX5" fmla="*/ 0 w 5000438"/>
+              <a:gd name="connsiteY5" fmla="*/ 1290491 h 5400962"/>
+              <a:gd name="connsiteX6" fmla="*/ 60675 w 5000438"/>
+              <a:gd name="connsiteY6" fmla="*/ 1190617 h 5400962"/>
+              <a:gd name="connsiteX7" fmla="*/ 2299956 w 5000438"/>
+              <a:gd name="connsiteY7" fmla="*/ 0 h 5400962"/>
+            </a:gdLst>
+            <a:ahLst/>
+            <a:cxnLst>
+              <a:cxn ang="0">
+                <a:pos x="connsiteX0" y="connsiteY0"/>
+              </a:cxn>
+              <a:cxn ang="0">
+                <a:pos x="connsiteX1" y="connsiteY1"/>
+              </a:cxn>
+              <a:cxn ang="0">
+                <a:pos x="connsiteX2" y="connsiteY2"/>
+              </a:cxn>
+              <a:cxn ang="0">
+                <a:pos x="connsiteX3" y="connsiteY3"/>
+              </a:cxn>
+              <a:cxn ang="0">
+                <a:pos x="connsiteX4" y="connsiteY4"/>
+              </a:cxn>
+              <a:cxn ang="0">
+                <a:pos x="connsiteX5" y="connsiteY5"/>
+              </a:cxn>
+              <a:cxn ang="0">
+                <a:pos x="connsiteX6" y="connsiteY6"/>
+              </a:cxn>
+              <a:cxn ang="0">
+                <a:pos x="connsiteX7" y="connsiteY7"/>
+              </a:cxn>
+            </a:cxnLst>
+            <a:rect l="l" t="t" r="r" b="b"/>
+            <a:pathLst>
+              <a:path w="5000438" h="5400962">
+                <a:moveTo>
+                  <a:pt x="2299956" y="0"/>
+                </a:moveTo>
+                <a:cubicBezTo>
+                  <a:pt x="3791390" y="0"/>
+                  <a:pt x="5000438" y="1209047"/>
+                  <a:pt x="5000438" y="2700481"/>
+                </a:cubicBezTo>
+                <a:cubicBezTo>
+                  <a:pt x="5000438" y="4191915"/>
+                  <a:pt x="3791390" y="5400962"/>
+                  <a:pt x="2299956" y="5400962"/>
+                </a:cubicBezTo>
+                <a:cubicBezTo>
+                  <a:pt x="1367810" y="5400962"/>
+                  <a:pt x="545971" y="4928678"/>
+                  <a:pt x="60675" y="4210346"/>
+                </a:cubicBezTo>
+                <a:lnTo>
+                  <a:pt x="0" y="4110472"/>
+                </a:lnTo>
+                <a:lnTo>
+                  <a:pt x="0" y="1290491"/>
+                </a:lnTo>
+                <a:lnTo>
+                  <a:pt x="60675" y="1190617"/>
+                </a:lnTo>
+                <a:cubicBezTo>
+                  <a:pt x="545971" y="472284"/>
+                  <a:pt x="1367810" y="0"/>
+                  <a:pt x="2299956" y="0"/>
+                </a:cubicBezTo>
+                <a:close/>
+              </a:path>
+            </a:pathLst>
+          </a:custGeom>
+          <a:solidFill>
+            <a:srgbClr val="FFFFFF"/>
+          </a:solidFill>
+          <a:ln>
+            <a:gradFill>
+              <a:gsLst>
+                <a:gs pos="0">
+                  <a:schemeClr val="accent1">
+                    <a:lumMod val="40000"/>
+                    <a:lumOff val="60000"/>
+                  </a:schemeClr>
+                </a:gs>
+                <a:gs pos="23000">
+                  <a:schemeClr val="accent1">
+                    <a:lumMod val="45000"/>
+                    <a:lumOff val="55000"/>
+                  </a:schemeClr>
+                </a:gs>
+                <a:gs pos="83000">
+                  <a:schemeClr val="bg2">
+                    <a:lumMod val="85000"/>
+                  </a:schemeClr>
+                </a:gs>
+                <a:gs pos="100000">
+                  <a:schemeClr val="bg2">
+                    <a:lumMod val="85000"/>
+                  </a:schemeClr>
+                </a:gs>
+              </a:gsLst>
+              <a:lin ang="5400000" scaled="1"/>
+            </a:gradFill>
+          </a:ln>
+        </p:spPr>
+        <p:style>
+          <a:lnRef idx="2">
+            <a:schemeClr val="accent1">
+              <a:shade val="50000"/>
+            </a:schemeClr>
+          </a:lnRef>
+          <a:fillRef idx="1">
+            <a:schemeClr val="accent1"/>
+          </a:fillRef>
+          <a:effectRef idx="0">
+            <a:schemeClr val="accent1"/>
+          </a:effectRef>
+          <a:fontRef idx="minor">
+            <a:schemeClr val="lt1"/>
+          </a:fontRef>
+        </p:style>
+        <p:txBody>
+          <a:bodyPr wrap="square" rtlCol="0" anchor="ctr">
+            <a:noAutofit/>
+          </a:bodyPr>
+          <a:lstStyle/>
+          <a:p>
+            <a:pPr algn="ctr"/>
+            <a:endParaRPr lang="en-US"/>
+          </a:p>
+        </p:txBody>
+      </p:sp>
+      <p:pic>
+        <p:nvPicPr>
+          <p:cNvPr id="7" name="Graphic 6" descr="클립아트이(가) 표시된 사진&#10;&#10;자동 생성된 설명">
+            <a:extLst>
+              <a:ext uri="{FF2B5EF4-FFF2-40B4-BE49-F238E27FC236}">
+                <a16:creationId xmlns:a16="http://schemas.microsoft.com/office/drawing/2014/main" id="{B98FC3BC-A2B7-46FA-8567-1C24E2891702}"/>
+              </a:ext>
+            </a:extLst>
+          </p:cNvPr>
+          <p:cNvPicPr>
+            <a:picLocks noChangeAspect="1"/>
+          </p:cNvPicPr>
+          <p:nvPr/>
+        </p:nvPicPr>
+        <p:blipFill>
+          <a:blip r:embed="rId3">
+            <a:extLst>
+              <a:ext uri="{28A0092B-C50C-407E-A947-70E740481C1C}">
+                <a14:useLocalDpi xmlns:a14="http://schemas.microsoft.com/office/drawing/2010/main" val="0"/>
+              </a:ext>
+              <a:ext uri="{837473B0-CC2E-450A-ABE3-18F120FF3D39}">
+                <a1611:picAttrSrcUrl xmlns:a1611="http://schemas.microsoft.com/office/drawing/2016/11/main" r:id="rId4"/>
+              </a:ext>
+            </a:extLst>
+          </a:blip>
+          <a:stretch>
+            <a:fillRect/>
+          </a:stretch>
+        </p:blipFill>
+        <p:spPr>
+          <a:xfrm>
+            <a:off x="450254" y="2340125"/>
+            <a:ext cx="3620021" cy="2197948"/>
+          </a:xfrm>
+          <a:prstGeom prst="rect">
+            <a:avLst/>
+          </a:prstGeom>
+        </p:spPr>
+      </p:pic>
+      <p:sp>
+        <p:nvSpPr>
+          <p:cNvPr id="3" name="내용 개체 틀 2">
+            <a:extLst>
+              <a:ext uri="{FF2B5EF4-FFF2-40B4-BE49-F238E27FC236}">
+                <a16:creationId xmlns:a16="http://schemas.microsoft.com/office/drawing/2014/main" id="{1660BF8F-61D5-43F0-ADE9-6C2804ECC7F3}"/>
               </a:ext>
             </a:extLst>
           </p:cNvPr>
@@ -4222,59 +7488,104 @@
             <a:spLocks noGrp="1"/>
           </p:cNvSpPr>
           <p:nvPr>
-            <p:ph type="title"/>
-          </p:nvPr>
-        </p:nvSpPr>
-        <p:spPr/>
-        <p:txBody>
-          <a:bodyPr/>
+            <p:ph idx="1"/>
+          </p:nvPr>
+        </p:nvSpPr>
+        <p:spPr>
+          <a:xfrm>
+            <a:off x="6090574" y="2421682"/>
+            <a:ext cx="4977578" cy="3639289"/>
+          </a:xfrm>
+        </p:spPr>
+        <p:txBody>
+          <a:bodyPr anchor="ctr">
+            <a:normAutofit/>
+          </a:bodyPr>
           <a:lstStyle/>
           <a:p>
             <a:r>
-              <a:rPr lang="ko-KR" altLang="en-US" dirty="0"/>
-              <a:t>목적</a:t>
-            </a:r>
-            <a:endParaRPr lang="en-US" dirty="0"/>
-          </a:p>
-        </p:txBody>
-      </p:sp>
-      <p:sp>
-        <p:nvSpPr>
-          <p:cNvPr id="3" name="내용 개체 틀 2">
-            <a:extLst>
-              <a:ext uri="{FF2B5EF4-FFF2-40B4-BE49-F238E27FC236}">
-                <a16:creationId xmlns:a16="http://schemas.microsoft.com/office/drawing/2014/main" id="{1660BF8F-61D5-43F0-ADE9-6C2804ECC7F3}"/>
-              </a:ext>
-            </a:extLst>
-          </p:cNvPr>
-          <p:cNvSpPr>
-            <a:spLocks noGrp="1"/>
-          </p:cNvSpPr>
-          <p:nvPr>
-            <p:ph idx="1"/>
-          </p:nvPr>
-        </p:nvSpPr>
-        <p:spPr/>
-        <p:txBody>
-          <a:bodyPr/>
-          <a:lstStyle/>
-          <a:p>
-            <a:r>
-              <a:rPr lang="ko-KR" altLang="en-US" dirty="0"/>
-              <a:t>수면의 질을 향상하며</a:t>
-            </a:r>
-            <a:r>
-              <a:rPr lang="en-US" altLang="ko-KR" dirty="0"/>
-              <a:t>, </a:t>
-            </a:r>
-            <a:r>
-              <a:rPr lang="ko-KR" altLang="en-US" dirty="0"/>
-              <a:t>얻을 수 있는 데이터로 추측 및 표기</a:t>
-            </a:r>
-            <a:endParaRPr lang="en-US" altLang="ko-KR" dirty="0"/>
-          </a:p>
-          <a:p>
-            <a:endParaRPr lang="en-US" dirty="0"/>
+              <a:rPr lang="ko-KR" altLang="en-US" sz="2000" dirty="0">
+                <a:solidFill>
+                  <a:srgbClr val="000000"/>
+                </a:solidFill>
+              </a:rPr>
+              <a:t>수면의 질을 향상시킬 수 있는 하나의 체계</a:t>
+            </a:r>
+            <a:r>
+              <a:rPr lang="en-US" altLang="ko-KR" sz="2000" dirty="0">
+                <a:solidFill>
+                  <a:srgbClr val="000000"/>
+                </a:solidFill>
+              </a:rPr>
+              <a:t>(</a:t>
+            </a:r>
+            <a:r>
+              <a:rPr lang="ko-KR" altLang="en-US" sz="2000" dirty="0">
+                <a:solidFill>
+                  <a:srgbClr val="000000"/>
+                </a:solidFill>
+              </a:rPr>
+              <a:t>기계</a:t>
+            </a:r>
+            <a:r>
+              <a:rPr lang="en-US" altLang="ko-KR" sz="2000" dirty="0">
+                <a:solidFill>
+                  <a:srgbClr val="000000"/>
+                </a:solidFill>
+              </a:rPr>
+              <a:t>)</a:t>
+            </a:r>
+            <a:r>
+              <a:rPr lang="ko-KR" altLang="en-US" sz="2000" dirty="0">
+                <a:solidFill>
+                  <a:srgbClr val="000000"/>
+                </a:solidFill>
+              </a:rPr>
+              <a:t>를 설립</a:t>
+            </a:r>
+            <a:endParaRPr lang="en-US" altLang="ko-KR" sz="2000" dirty="0">
+              <a:solidFill>
+                <a:srgbClr val="000000"/>
+              </a:solidFill>
+            </a:endParaRPr>
+          </a:p>
+          <a:p>
+            <a:r>
+              <a:rPr lang="ko-KR" altLang="en-US" sz="2000" dirty="0">
+                <a:solidFill>
+                  <a:srgbClr val="000000"/>
+                </a:solidFill>
+              </a:rPr>
+              <a:t>각 장비에서</a:t>
+            </a:r>
+            <a:r>
+              <a:rPr lang="en-US" altLang="ko-KR" sz="2000" dirty="0">
+                <a:solidFill>
+                  <a:srgbClr val="000000"/>
+                </a:solidFill>
+              </a:rPr>
+              <a:t> </a:t>
+            </a:r>
+            <a:r>
+              <a:rPr lang="ko-KR" altLang="en-US" sz="2000" dirty="0">
+                <a:solidFill>
+                  <a:srgbClr val="000000"/>
+                </a:solidFill>
+              </a:rPr>
+              <a:t>얻을 수 있는 데이터로 사용자의 수면을 분석 및 표기</a:t>
+            </a:r>
+            <a:endParaRPr lang="en-US" altLang="ko-KR" sz="2000" dirty="0">
+              <a:solidFill>
+                <a:srgbClr val="000000"/>
+              </a:solidFill>
+            </a:endParaRPr>
+          </a:p>
+          <a:p>
+            <a:endParaRPr lang="en-US" sz="2000" dirty="0">
+              <a:solidFill>
+                <a:srgbClr val="000000"/>
+              </a:solidFill>
+            </a:endParaRPr>
           </a:p>
         </p:txBody>
       </p:sp>
@@ -4294,6 +7605,14 @@
 <file path=ppt/slides/slide4.xml><?xml version="1.0" encoding="utf-8"?>
 <p:sld xmlns:a="http://schemas.openxmlformats.org/drawingml/2006/main" xmlns:r="http://schemas.openxmlformats.org/officeDocument/2006/relationships" xmlns:p="http://schemas.openxmlformats.org/presentationml/2006/main">
   <p:cSld>
+    <p:bg>
+      <p:bgPr>
+        <a:solidFill>
+          <a:schemeClr val="bg1"/>
+        </a:solidFill>
+        <a:effectLst/>
+      </p:bgPr>
+    </p:bg>
     <p:spTree>
       <p:nvGrpSpPr>
         <p:cNvPr id="1" name=""/>
@@ -4324,18 +7643,21 @@
             <p:ph type="title"/>
           </p:nvPr>
         </p:nvSpPr>
-        <p:spPr/>
-        <p:txBody>
-          <a:bodyPr/>
+        <p:spPr>
+          <a:xfrm>
+            <a:off x="648929" y="629266"/>
+            <a:ext cx="5127031" cy="1676603"/>
+          </a:xfrm>
+        </p:spPr>
+        <p:txBody>
+          <a:bodyPr>
+            <a:normAutofit/>
+          </a:bodyPr>
           <a:lstStyle/>
           <a:p>
             <a:r>
-              <a:rPr lang="ko-KR" altLang="en-US" dirty="0"/>
-              <a:t>스마트 </a:t>
-            </a:r>
-            <a:r>
-              <a:rPr lang="ko-KR" altLang="en-US" dirty="0" err="1"/>
-              <a:t>워치</a:t>
+              <a:rPr lang="ko-KR" altLang="en-US"/>
+              <a:t>스마트 워치</a:t>
             </a:r>
             <a:endParaRPr lang="en-US" dirty="0"/>
           </a:p>
@@ -4357,60 +7679,114 @@
             <p:ph idx="1"/>
           </p:nvPr>
         </p:nvSpPr>
-        <p:spPr/>
-        <p:txBody>
-          <a:bodyPr/>
+        <p:spPr>
+          <a:xfrm>
+            <a:off x="648930" y="2438400"/>
+            <a:ext cx="5127029" cy="3785419"/>
+          </a:xfrm>
+        </p:spPr>
+        <p:txBody>
+          <a:bodyPr>
+            <a:normAutofit/>
+          </a:bodyPr>
           <a:lstStyle/>
           <a:p>
             <a:r>
-              <a:rPr lang="ko-KR" altLang="en-US" dirty="0"/>
+              <a:rPr lang="ko-KR" altLang="en-US"/>
               <a:t>맥박 측정</a:t>
             </a:r>
+            <a:endParaRPr lang="en-US" altLang="ko-KR"/>
+          </a:p>
+          <a:p>
+            <a:r>
+              <a:rPr lang="ko-KR" altLang="en-US"/>
+              <a:t>맥박 떨어질 시 수면 시작으로 판단</a:t>
+            </a:r>
+          </a:p>
+          <a:p>
+            <a:r>
+              <a:rPr lang="ko-KR" altLang="en-US"/>
+              <a:t>코골이</a:t>
+            </a:r>
+            <a:r>
+              <a:rPr lang="en-US" altLang="ko-KR"/>
+              <a:t>, </a:t>
+            </a:r>
+            <a:r>
+              <a:rPr lang="ko-KR" altLang="en-US"/>
+              <a:t>수면 무호흡증 시 맥박 변화가 심함</a:t>
+            </a:r>
+          </a:p>
+          <a:p>
+            <a:endParaRPr lang="en-US" altLang="ko-KR"/>
+          </a:p>
+          <a:p>
+            <a:r>
+              <a:rPr lang="ko-KR" altLang="en-US"/>
+              <a:t>현재 장비</a:t>
+            </a:r>
+            <a:r>
+              <a:rPr lang="en-US" altLang="ko-KR"/>
+              <a:t>: mi</a:t>
+            </a:r>
+            <a:r>
+              <a:rPr lang="ko-KR" altLang="en-US"/>
+              <a:t> </a:t>
+            </a:r>
+            <a:r>
+              <a:rPr lang="en-US" altLang="ko-KR"/>
+              <a:t>band</a:t>
+            </a:r>
             <a:endParaRPr lang="en-US" altLang="ko-KR" dirty="0"/>
           </a:p>
-          <a:p>
-            <a:r>
-              <a:rPr lang="ko-KR" altLang="en-US" dirty="0"/>
-              <a:t>맥박 떨어질 시 수면 시작으로 판단</a:t>
-            </a:r>
-          </a:p>
-          <a:p>
-            <a:r>
-              <a:rPr lang="ko-KR" altLang="en-US" dirty="0" err="1"/>
-              <a:t>코골이</a:t>
-            </a:r>
-            <a:r>
-              <a:rPr lang="en-US" altLang="ko-KR" dirty="0"/>
-              <a:t>, </a:t>
-            </a:r>
-            <a:r>
-              <a:rPr lang="ko-KR" altLang="en-US" dirty="0"/>
-              <a:t>수면 무호흡증 시 맥박 변화가 심함</a:t>
-            </a:r>
-          </a:p>
-          <a:p>
-            <a:endParaRPr lang="en-US" altLang="ko-KR" dirty="0"/>
-          </a:p>
-          <a:p>
-            <a:r>
-              <a:rPr lang="ko-KR" altLang="en-US" dirty="0"/>
-              <a:t>현재 장비</a:t>
-            </a:r>
-            <a:r>
-              <a:rPr lang="en-US" altLang="ko-KR" dirty="0"/>
-              <a:t>: mi</a:t>
-            </a:r>
-            <a:r>
-              <a:rPr lang="ko-KR" altLang="en-US" dirty="0"/>
-              <a:t> </a:t>
-            </a:r>
-            <a:r>
-              <a:rPr lang="en-US" altLang="ko-KR" dirty="0"/>
-              <a:t>fit</a:t>
-            </a:r>
-          </a:p>
-        </p:txBody>
-      </p:sp>
+        </p:txBody>
+      </p:sp>
+      <p:pic>
+        <p:nvPicPr>
+          <p:cNvPr id="1026" name="Picture 2" descr="mi band 2에 대한 이미지 검색결과">
+            <a:extLst>
+              <a:ext uri="{FF2B5EF4-FFF2-40B4-BE49-F238E27FC236}">
+                <a16:creationId xmlns:a16="http://schemas.microsoft.com/office/drawing/2014/main" id="{7828CAF0-8555-42EF-8CCC-5430A7FF5963}"/>
+              </a:ext>
+            </a:extLst>
+          </p:cNvPr>
+          <p:cNvPicPr>
+            <a:picLocks noChangeAspect="1" noChangeArrowheads="1"/>
+          </p:cNvPicPr>
+          <p:nvPr/>
+        </p:nvPicPr>
+        <p:blipFill rotWithShape="1">
+          <a:blip r:embed="rId2">
+            <a:extLst>
+              <a:ext uri="{28A0092B-C50C-407E-A947-70E740481C1C}">
+                <a14:useLocalDpi xmlns:a14="http://schemas.microsoft.com/office/drawing/2010/main" val="0"/>
+              </a:ext>
+            </a:extLst>
+          </a:blip>
+          <a:srcRect l="2082" r="3" b="3"/>
+          <a:stretch/>
+        </p:blipFill>
+        <p:spPr bwMode="auto">
+          <a:xfrm>
+            <a:off x="7064007" y="1706101"/>
+            <a:ext cx="3830613" cy="3912050"/>
+          </a:xfrm>
+          <a:prstGeom prst="rect">
+            <a:avLst/>
+          </a:prstGeom>
+          <a:noFill/>
+          <a:effectLst/>
+          <a:extLst>
+            <a:ext uri="{909E8E84-426E-40DD-AFC4-6F175D3DCCD1}">
+              <a14:hiddenFill xmlns:a14="http://schemas.microsoft.com/office/drawing/2010/main">
+                <a:solidFill>
+                  <a:srgbClr val="FFFFFF"/>
+                </a:solidFill>
+              </a14:hiddenFill>
+            </a:ext>
+          </a:extLst>
+        </p:spPr>
+      </p:pic>
     </p:spTree>
     <p:extLst>
       <p:ext uri="{BB962C8B-B14F-4D97-AF65-F5344CB8AC3E}">
@@ -4472,7 +7848,7 @@
             </a:r>
             <a:r>
               <a:rPr lang="en-US" altLang="ko-KR" dirty="0"/>
-              <a:t>(mi fit)</a:t>
+              <a:t>(mi band)</a:t>
             </a:r>
             <a:endParaRPr lang="en-US" dirty="0"/>
           </a:p>
@@ -4531,10 +7907,160 @@
               <a:rPr lang="ko-KR" altLang="en-US" dirty="0"/>
               <a:t>추출</a:t>
             </a:r>
+            <a:endParaRPr lang="en-US" altLang="ko-KR" dirty="0"/>
+          </a:p>
+          <a:p>
+            <a:r>
+              <a:rPr lang="ko-KR" altLang="en-US" dirty="0"/>
+              <a:t>그 외에 활용할 수 있는 데이터가 있으면 사용할 예정</a:t>
+            </a:r>
             <a:endParaRPr lang="en-US" dirty="0"/>
           </a:p>
         </p:txBody>
       </p:sp>
+      <p:pic>
+        <p:nvPicPr>
+          <p:cNvPr id="2050" name="Picture 2" descr="mi fit에 대한 이미지 검색결과">
+            <a:extLst>
+              <a:ext uri="{FF2B5EF4-FFF2-40B4-BE49-F238E27FC236}">
+                <a16:creationId xmlns:a16="http://schemas.microsoft.com/office/drawing/2014/main" id="{A0883B1B-50CF-45DE-B8CD-538EFE984063}"/>
+              </a:ext>
+            </a:extLst>
+          </p:cNvPr>
+          <p:cNvPicPr>
+            <a:picLocks noChangeAspect="1" noChangeArrowheads="1"/>
+          </p:cNvPicPr>
+          <p:nvPr/>
+        </p:nvPicPr>
+        <p:blipFill>
+          <a:blip r:embed="rId2">
+            <a:extLst>
+              <a:ext uri="{28A0092B-C50C-407E-A947-70E740481C1C}">
+                <a14:useLocalDpi xmlns:a14="http://schemas.microsoft.com/office/drawing/2010/main" val="0"/>
+              </a:ext>
+            </a:extLst>
+          </a:blip>
+          <a:srcRect/>
+          <a:stretch>
+            <a:fillRect/>
+          </a:stretch>
+        </p:blipFill>
+        <p:spPr bwMode="auto">
+          <a:xfrm>
+            <a:off x="2399225" y="3547141"/>
+            <a:ext cx="2143125" cy="2143125"/>
+          </a:xfrm>
+          <a:prstGeom prst="rect">
+            <a:avLst/>
+          </a:prstGeom>
+          <a:noFill/>
+          <a:extLst>
+            <a:ext uri="{909E8E84-426E-40DD-AFC4-6F175D3DCCD1}">
+              <a14:hiddenFill xmlns:a14="http://schemas.microsoft.com/office/drawing/2010/main">
+                <a:solidFill>
+                  <a:srgbClr val="FFFFFF"/>
+                </a:solidFill>
+              </a14:hiddenFill>
+            </a:ext>
+          </a:extLst>
+        </p:spPr>
+      </p:pic>
+      <p:sp>
+        <p:nvSpPr>
+          <p:cNvPr id="4" name="화살표: 오른쪽 3">
+            <a:extLst>
+              <a:ext uri="{FF2B5EF4-FFF2-40B4-BE49-F238E27FC236}">
+                <a16:creationId xmlns:a16="http://schemas.microsoft.com/office/drawing/2014/main" id="{34580765-B711-42D6-9732-363E39340B25}"/>
+              </a:ext>
+            </a:extLst>
+          </p:cNvPr>
+          <p:cNvSpPr/>
+          <p:nvPr/>
+        </p:nvSpPr>
+        <p:spPr>
+          <a:xfrm>
+            <a:off x="5147353" y="4304872"/>
+            <a:ext cx="1489753" cy="544530"/>
+          </a:xfrm>
+          <a:prstGeom prst="rightArrow">
+            <a:avLst/>
+          </a:prstGeom>
+          <a:solidFill>
+            <a:schemeClr val="accent5"/>
+          </a:solidFill>
+        </p:spPr>
+        <p:style>
+          <a:lnRef idx="2">
+            <a:schemeClr val="accent1">
+              <a:shade val="50000"/>
+            </a:schemeClr>
+          </a:lnRef>
+          <a:fillRef idx="1">
+            <a:schemeClr val="accent1"/>
+          </a:fillRef>
+          <a:effectRef idx="0">
+            <a:schemeClr val="accent1"/>
+          </a:effectRef>
+          <a:fontRef idx="minor">
+            <a:schemeClr val="lt1"/>
+          </a:fontRef>
+        </p:style>
+        <p:txBody>
+          <a:bodyPr rtlCol="0" anchor="ctr"/>
+          <a:lstStyle/>
+          <a:p>
+            <a:pPr algn="ctr"/>
+            <a:endParaRPr lang="en-US"/>
+          </a:p>
+        </p:txBody>
+      </p:sp>
+      <p:pic>
+        <p:nvPicPr>
+          <p:cNvPr id="2052" name="Picture 4" descr="google fir에 대한 이미지 검색결과">
+            <a:extLst>
+              <a:ext uri="{FF2B5EF4-FFF2-40B4-BE49-F238E27FC236}">
+                <a16:creationId xmlns:a16="http://schemas.microsoft.com/office/drawing/2014/main" id="{BCD4CA13-85AE-4DA5-98D8-89C3B0A6E7AE}"/>
+              </a:ext>
+            </a:extLst>
+          </p:cNvPr>
+          <p:cNvPicPr>
+            <a:picLocks noChangeAspect="1" noChangeArrowheads="1"/>
+          </p:cNvPicPr>
+          <p:nvPr/>
+        </p:nvPicPr>
+        <p:blipFill>
+          <a:blip r:embed="rId3">
+            <a:extLst>
+              <a:ext uri="{28A0092B-C50C-407E-A947-70E740481C1C}">
+                <a14:useLocalDpi xmlns:a14="http://schemas.microsoft.com/office/drawing/2010/main" val="0"/>
+              </a:ext>
+            </a:extLst>
+          </a:blip>
+          <a:srcRect/>
+          <a:stretch>
+            <a:fillRect/>
+          </a:stretch>
+        </p:blipFill>
+        <p:spPr bwMode="auto">
+          <a:xfrm>
+            <a:off x="7242109" y="3829424"/>
+            <a:ext cx="3057525" cy="1495425"/>
+          </a:xfrm>
+          <a:prstGeom prst="rect">
+            <a:avLst/>
+          </a:prstGeom>
+          <a:noFill/>
+          <a:extLst>
+            <a:ext uri="{909E8E84-426E-40DD-AFC4-6F175D3DCCD1}">
+              <a14:hiddenFill xmlns:a14="http://schemas.microsoft.com/office/drawing/2010/main">
+                <a:solidFill>
+                  <a:srgbClr val="FFFFFF"/>
+                </a:solidFill>
+              </a14:hiddenFill>
+            </a:ext>
+          </a:extLst>
+        </p:spPr>
+      </p:pic>
     </p:spTree>
     <p:extLst>
       <p:ext uri="{BB962C8B-B14F-4D97-AF65-F5344CB8AC3E}">
@@ -4551,6 +8077,14 @@
 <file path=ppt/slides/slide6.xml><?xml version="1.0" encoding="utf-8"?>
 <p:sld xmlns:a="http://schemas.openxmlformats.org/drawingml/2006/main" xmlns:r="http://schemas.openxmlformats.org/officeDocument/2006/relationships" xmlns:p="http://schemas.openxmlformats.org/presentationml/2006/main">
   <p:cSld>
+    <p:bg>
+      <p:bgPr>
+        <a:solidFill>
+          <a:schemeClr val="bg1"/>
+        </a:solidFill>
+        <a:effectLst/>
+      </p:bgPr>
+    </p:bg>
     <p:spTree>
       <p:nvGrpSpPr>
         <p:cNvPr id="1" name=""/>
@@ -4581,9 +8115,16 @@
             <p:ph type="title"/>
           </p:nvPr>
         </p:nvSpPr>
-        <p:spPr/>
-        <p:txBody>
-          <a:bodyPr/>
+        <p:spPr>
+          <a:xfrm>
+            <a:off x="648929" y="629266"/>
+            <a:ext cx="5127031" cy="1676603"/>
+          </a:xfrm>
+        </p:spPr>
+        <p:txBody>
+          <a:bodyPr>
+            <a:normAutofit/>
+          </a:bodyPr>
           <a:lstStyle/>
           <a:p>
             <a:r>
@@ -4622,9 +8163,16 @@
             <p:ph idx="1"/>
           </p:nvPr>
         </p:nvSpPr>
-        <p:spPr/>
-        <p:txBody>
-          <a:bodyPr/>
+        <p:spPr>
+          <a:xfrm>
+            <a:off x="648930" y="2438400"/>
+            <a:ext cx="5127029" cy="3785419"/>
+          </a:xfrm>
+        </p:spPr>
+        <p:txBody>
+          <a:bodyPr>
+            <a:normAutofit/>
+          </a:bodyPr>
           <a:lstStyle/>
           <a:p>
             <a:r>
@@ -4684,6 +8232,52 @@
           </a:p>
         </p:txBody>
       </p:sp>
+      <p:pic>
+        <p:nvPicPr>
+          <p:cNvPr id="3076" name="Picture 4" descr="arduino sound sensor에 대한 이미지 검색결과">
+            <a:extLst>
+              <a:ext uri="{FF2B5EF4-FFF2-40B4-BE49-F238E27FC236}">
+                <a16:creationId xmlns:a16="http://schemas.microsoft.com/office/drawing/2014/main" id="{A15B8AAA-1320-407F-8D68-4871C5D70DB4}"/>
+              </a:ext>
+            </a:extLst>
+          </p:cNvPr>
+          <p:cNvPicPr>
+            <a:picLocks noChangeAspect="1" noChangeArrowheads="1"/>
+          </p:cNvPicPr>
+          <p:nvPr/>
+        </p:nvPicPr>
+        <p:blipFill rotWithShape="1">
+          <a:blip r:embed="rId2">
+            <a:extLst>
+              <a:ext uri="{28A0092B-C50C-407E-A947-70E740481C1C}">
+                <a14:useLocalDpi xmlns:a14="http://schemas.microsoft.com/office/drawing/2010/main" val="0"/>
+              </a:ext>
+            </a:extLst>
+          </a:blip>
+          <a:srcRect l="2082" r="3" b="3"/>
+          <a:stretch/>
+        </p:blipFill>
+        <p:spPr bwMode="auto">
+          <a:xfrm>
+            <a:off x="6778871" y="1472975"/>
+            <a:ext cx="3830613" cy="3912050"/>
+          </a:xfrm>
+          <a:prstGeom prst="rect">
+            <a:avLst/>
+          </a:prstGeom>
+          <a:noFill/>
+          <a:effectLst/>
+          <a:extLst>
+            <a:ext uri="{909E8E84-426E-40DD-AFC4-6F175D3DCCD1}">
+              <a14:hiddenFill xmlns:a14="http://schemas.microsoft.com/office/drawing/2010/main">
+                <a:solidFill>
+                  <a:srgbClr val="FFFFFF"/>
+                </a:solidFill>
+              </a14:hiddenFill>
+            </a:ext>
+          </a:extLst>
+        </p:spPr>
+      </p:pic>
     </p:spTree>
     <p:extLst>
       <p:ext uri="{BB962C8B-B14F-4D97-AF65-F5344CB8AC3E}">
@@ -4700,6 +8294,14 @@
 <file path=ppt/slides/slide7.xml><?xml version="1.0" encoding="utf-8"?>
 <p:sld xmlns:a="http://schemas.openxmlformats.org/drawingml/2006/main" xmlns:r="http://schemas.openxmlformats.org/officeDocument/2006/relationships" xmlns:p="http://schemas.openxmlformats.org/presentationml/2006/main">
   <p:cSld>
+    <p:bg>
+      <p:bgPr>
+        <a:solidFill>
+          <a:schemeClr val="bg1"/>
+        </a:solidFill>
+        <a:effectLst/>
+      </p:bgPr>
+    </p:bg>
     <p:spTree>
       <p:nvGrpSpPr>
         <p:cNvPr id="1" name=""/>
@@ -4730,9 +8332,16 @@
             <p:ph type="title"/>
           </p:nvPr>
         </p:nvSpPr>
-        <p:spPr/>
-        <p:txBody>
-          <a:bodyPr/>
+        <p:spPr>
+          <a:xfrm>
+            <a:off x="648929" y="629266"/>
+            <a:ext cx="5127031" cy="1676603"/>
+          </a:xfrm>
+        </p:spPr>
+        <p:txBody>
+          <a:bodyPr>
+            <a:normAutofit/>
+          </a:bodyPr>
           <a:lstStyle/>
           <a:p>
             <a:r>
@@ -4779,9 +8388,16 @@
             <p:ph idx="1"/>
           </p:nvPr>
         </p:nvSpPr>
-        <p:spPr/>
-        <p:txBody>
-          <a:bodyPr/>
+        <p:spPr>
+          <a:xfrm>
+            <a:off x="648930" y="2438400"/>
+            <a:ext cx="5127029" cy="3785419"/>
+          </a:xfrm>
+        </p:spPr>
+        <p:txBody>
+          <a:bodyPr>
+            <a:normAutofit/>
+          </a:bodyPr>
           <a:lstStyle/>
           <a:p>
             <a:r>
@@ -4811,6 +8427,52 @@
           </a:p>
         </p:txBody>
       </p:sp>
+      <p:pic>
+        <p:nvPicPr>
+          <p:cNvPr id="4098" name="Picture 2" descr="adafruit amg8833에 대한 이미지 검색결과">
+            <a:extLst>
+              <a:ext uri="{FF2B5EF4-FFF2-40B4-BE49-F238E27FC236}">
+                <a16:creationId xmlns:a16="http://schemas.microsoft.com/office/drawing/2014/main" id="{A7417571-1C65-40E4-83AC-AB95FDD1F4D3}"/>
+              </a:ext>
+            </a:extLst>
+          </p:cNvPr>
+          <p:cNvPicPr>
+            <a:picLocks noChangeAspect="1" noChangeArrowheads="1"/>
+          </p:cNvPicPr>
+          <p:nvPr/>
+        </p:nvPicPr>
+        <p:blipFill rotWithShape="1">
+          <a:blip r:embed="rId2">
+            <a:extLst>
+              <a:ext uri="{28A0092B-C50C-407E-A947-70E740481C1C}">
+                <a14:useLocalDpi xmlns:a14="http://schemas.microsoft.com/office/drawing/2010/main" val="0"/>
+              </a:ext>
+            </a:extLst>
+          </a:blip>
+          <a:srcRect r="2085" b="3"/>
+          <a:stretch/>
+        </p:blipFill>
+        <p:spPr bwMode="auto">
+          <a:xfrm>
+            <a:off x="6871449" y="1298004"/>
+            <a:ext cx="4173270" cy="4261991"/>
+          </a:xfrm>
+          <a:prstGeom prst="rect">
+            <a:avLst/>
+          </a:prstGeom>
+          <a:noFill/>
+          <a:effectLst/>
+          <a:extLst>
+            <a:ext uri="{909E8E84-426E-40DD-AFC4-6F175D3DCCD1}">
+              <a14:hiddenFill xmlns:a14="http://schemas.microsoft.com/office/drawing/2010/main">
+                <a:solidFill>
+                  <a:srgbClr val="FFFFFF"/>
+                </a:solidFill>
+              </a14:hiddenFill>
+            </a:ext>
+          </a:extLst>
+        </p:spPr>
+      </p:pic>
     </p:spTree>
     <p:extLst>
       <p:ext uri="{BB962C8B-B14F-4D97-AF65-F5344CB8AC3E}">
@@ -4827,6 +8489,14 @@
 <file path=ppt/slides/slide8.xml><?xml version="1.0" encoding="utf-8"?>
 <p:sld xmlns:a="http://schemas.openxmlformats.org/drawingml/2006/main" xmlns:r="http://schemas.openxmlformats.org/officeDocument/2006/relationships" xmlns:p="http://schemas.openxmlformats.org/presentationml/2006/main">
   <p:cSld>
+    <p:bg>
+      <p:bgPr>
+        <a:solidFill>
+          <a:schemeClr val="bg1"/>
+        </a:solidFill>
+        <a:effectLst/>
+      </p:bgPr>
+    </p:bg>
     <p:spTree>
       <p:nvGrpSpPr>
         <p:cNvPr id="1" name=""/>
@@ -4857,9 +8527,16 @@
             <p:ph type="title"/>
           </p:nvPr>
         </p:nvSpPr>
-        <p:spPr/>
-        <p:txBody>
-          <a:bodyPr/>
+        <p:spPr>
+          <a:xfrm>
+            <a:off x="648929" y="629266"/>
+            <a:ext cx="5127031" cy="1676603"/>
+          </a:xfrm>
+        </p:spPr>
+        <p:txBody>
+          <a:bodyPr>
+            <a:normAutofit/>
+          </a:bodyPr>
           <a:lstStyle/>
           <a:p>
             <a:r>
@@ -4886,9 +8563,16 @@
             <p:ph idx="1"/>
           </p:nvPr>
         </p:nvSpPr>
-        <p:spPr/>
-        <p:txBody>
-          <a:bodyPr/>
+        <p:spPr>
+          <a:xfrm>
+            <a:off x="648930" y="2438400"/>
+            <a:ext cx="5127029" cy="3785419"/>
+          </a:xfrm>
+        </p:spPr>
+        <p:txBody>
+          <a:bodyPr>
+            <a:normAutofit/>
+          </a:bodyPr>
           <a:lstStyle/>
           <a:p>
             <a:r>
@@ -4903,18 +8587,14 @@
           <a:p>
             <a:r>
               <a:rPr lang="ko-KR" altLang="en-US" dirty="0"/>
-              <a:t>현재 </a:t>
-            </a:r>
-            <a:r>
-              <a:rPr lang="ko-KR" altLang="en-US" dirty="0" smtClean="0"/>
-              <a:t>장비</a:t>
-            </a:r>
-            <a:r>
-              <a:rPr lang="en-US" altLang="ko-KR" dirty="0" smtClean="0"/>
+              <a:t>현재 장비</a:t>
+            </a:r>
+            <a:r>
+              <a:rPr lang="en-US" altLang="ko-KR" dirty="0"/>
               <a:t>:</a:t>
             </a:r>
             <a:r>
-              <a:rPr lang="ko-KR" altLang="en-US" dirty="0" smtClean="0"/>
+              <a:rPr lang="ko-KR" altLang="en-US" dirty="0"/>
               <a:t> </a:t>
             </a:r>
             <a:r>
@@ -4925,6 +8605,52 @@
           </a:p>
         </p:txBody>
       </p:sp>
+      <p:pic>
+        <p:nvPicPr>
+          <p:cNvPr id="5122" name="Picture 2" descr="dht11에 대한 이미지 검색결과">
+            <a:extLst>
+              <a:ext uri="{FF2B5EF4-FFF2-40B4-BE49-F238E27FC236}">
+                <a16:creationId xmlns:a16="http://schemas.microsoft.com/office/drawing/2014/main" id="{5E4D9973-2406-446A-9053-95E17AD3CE02}"/>
+              </a:ext>
+            </a:extLst>
+          </p:cNvPr>
+          <p:cNvPicPr>
+            <a:picLocks noChangeAspect="1" noChangeArrowheads="1"/>
+          </p:cNvPicPr>
+          <p:nvPr/>
+        </p:nvPicPr>
+        <p:blipFill rotWithShape="1">
+          <a:blip r:embed="rId2">
+            <a:extLst>
+              <a:ext uri="{28A0092B-C50C-407E-A947-70E740481C1C}">
+                <a14:useLocalDpi xmlns:a14="http://schemas.microsoft.com/office/drawing/2010/main" val="0"/>
+              </a:ext>
+            </a:extLst>
+          </a:blip>
+          <a:srcRect r="2085" b="3"/>
+          <a:stretch/>
+        </p:blipFill>
+        <p:spPr bwMode="auto">
+          <a:xfrm>
+            <a:off x="6830353" y="1277079"/>
+            <a:ext cx="3940610" cy="4024385"/>
+          </a:xfrm>
+          <a:prstGeom prst="rect">
+            <a:avLst/>
+          </a:prstGeom>
+          <a:noFill/>
+          <a:effectLst/>
+          <a:extLst>
+            <a:ext uri="{909E8E84-426E-40DD-AFC4-6F175D3DCCD1}">
+              <a14:hiddenFill xmlns:a14="http://schemas.microsoft.com/office/drawing/2010/main">
+                <a:solidFill>
+                  <a:srgbClr val="FFFFFF"/>
+                </a:solidFill>
+              </a14:hiddenFill>
+            </a:ext>
+          </a:extLst>
+        </p:spPr>
+      </p:pic>
     </p:spTree>
     <p:extLst>
       <p:ext uri="{BB962C8B-B14F-4D97-AF65-F5344CB8AC3E}">
@@ -4977,12 +8703,8 @@
           <a:lstStyle/>
           <a:p>
             <a:r>
-              <a:rPr lang="ko-KR" altLang="en-US" dirty="0" smtClean="0"/>
-              <a:t>방 안 </a:t>
-            </a:r>
-            <a:r>
               <a:rPr lang="ko-KR" altLang="en-US" dirty="0"/>
-              <a:t>조도 센서</a:t>
+              <a:t>방 안 조도 센서</a:t>
             </a:r>
             <a:endParaRPr lang="en-US" dirty="0"/>
           </a:p>
@@ -5040,11 +8762,7 @@
             </a:r>
             <a:r>
               <a:rPr lang="ko-KR" altLang="en-US" dirty="0"/>
-              <a:t>현재 </a:t>
-            </a:r>
-            <a:r>
-              <a:rPr lang="ko-KR" altLang="en-US" dirty="0" smtClean="0"/>
-              <a:t>논의 중</a:t>
+              <a:t>현재 논의 중</a:t>
             </a:r>
             <a:endParaRPr lang="en-US" dirty="0"/>
           </a:p>

--- a/Sleeping_Analysis.pptx
+++ b/Sleeping_Analysis.pptx
@@ -1084,6 +1084,14 @@
         </dgm:presLayoutVars>
       </dgm:prSet>
       <dgm:spPr/>
+      <dgm:t>
+        <a:bodyPr/>
+        <a:lstStyle/>
+        <a:p>
+          <a:pPr latinLnBrk="1"/>
+          <a:endParaRPr lang="ko-KR" altLang="en-US"/>
+        </a:p>
+      </dgm:t>
     </dgm:pt>
     <dgm:pt modelId="{210C4ADA-A752-4F7E-805E-9D21FB161D16}" type="pres">
       <dgm:prSet presAssocID="{17A98381-80F5-4C12-A3EF-3506A4B9BDF4}" presName="compNode" presStyleCnt="0"/>
@@ -1103,7 +1111,7 @@
                 <a14:useLocalDpi xmlns:a14="http://schemas.microsoft.com/office/drawing/2010/main" val="0"/>
               </a:ext>
               <a:ext uri="{96DAC541-7B7A-43D3-8B79-37D633B846F1}">
-                <asvg:svgBlip xmlns:asvg="http://schemas.microsoft.com/office/drawing/2016/SVG/main" r:embed="rId2"/>
+                <asvg:svgBlip xmlns:asvg="http://schemas.microsoft.com/office/drawing/2016/SVG/main" xmlns="" r:embed="rId2"/>
               </a:ext>
             </a:extLst>
           </a:blip>
@@ -1133,6 +1141,14 @@
         </dgm:presLayoutVars>
       </dgm:prSet>
       <dgm:spPr/>
+      <dgm:t>
+        <a:bodyPr/>
+        <a:lstStyle/>
+        <a:p>
+          <a:pPr latinLnBrk="1"/>
+          <a:endParaRPr lang="ko-KR" altLang="en-US"/>
+        </a:p>
+      </dgm:t>
     </dgm:pt>
     <dgm:pt modelId="{CC72FB8A-CB5C-4F29-8AD1-1694236A31F0}" type="pres">
       <dgm:prSet presAssocID="{67FB173F-1537-4BD9-B93A-4C04E1471011}" presName="sibTrans" presStyleCnt="0"/>
@@ -1153,7 +1169,7 @@
           <a:blip xmlns:r="http://schemas.openxmlformats.org/officeDocument/2006/relationships" r:embed="rId3">
             <a:extLst>
               <a:ext uri="{96DAC541-7B7A-43D3-8B79-37D633B846F1}">
-                <asvg:svgBlip xmlns:asvg="http://schemas.microsoft.com/office/drawing/2016/SVG/main" r:embed="rId4"/>
+                <asvg:svgBlip xmlns:asvg="http://schemas.microsoft.com/office/drawing/2016/SVG/main" xmlns="" r:embed="rId4"/>
               </a:ext>
             </a:extLst>
           </a:blip>
@@ -1184,6 +1200,14 @@
         </dgm:presLayoutVars>
       </dgm:prSet>
       <dgm:spPr/>
+      <dgm:t>
+        <a:bodyPr/>
+        <a:lstStyle/>
+        <a:p>
+          <a:pPr latinLnBrk="1"/>
+          <a:endParaRPr lang="ko-KR" altLang="en-US"/>
+        </a:p>
+      </dgm:t>
     </dgm:pt>
     <dgm:pt modelId="{6420DE86-F4EB-48A9-95F4-70E975EB05D9}" type="pres">
       <dgm:prSet presAssocID="{5A0AEAF3-846C-4740-86EB-FE171C49C1D0}" presName="sibTrans" presStyleCnt="0"/>
@@ -1207,7 +1231,7 @@
                 <a14:useLocalDpi xmlns:a14="http://schemas.microsoft.com/office/drawing/2010/main" val="0"/>
               </a:ext>
               <a:ext uri="{96DAC541-7B7A-43D3-8B79-37D633B846F1}">
-                <asvg:svgBlip xmlns:asvg="http://schemas.microsoft.com/office/drawing/2016/SVG/main" r:embed="rId6"/>
+                <asvg:svgBlip xmlns:asvg="http://schemas.microsoft.com/office/drawing/2016/SVG/main" xmlns="" r:embed="rId6"/>
               </a:ext>
             </a:extLst>
           </a:blip>
@@ -1237,16 +1261,24 @@
         </dgm:presLayoutVars>
       </dgm:prSet>
       <dgm:spPr/>
+      <dgm:t>
+        <a:bodyPr/>
+        <a:lstStyle/>
+        <a:p>
+          <a:pPr latinLnBrk="1"/>
+          <a:endParaRPr lang="ko-KR" altLang="en-US"/>
+        </a:p>
+      </dgm:t>
     </dgm:pt>
   </dgm:ptLst>
   <dgm:cxnLst>
+    <dgm:cxn modelId="{3F051184-8672-47FA-8E01-4319F0807255}" type="presOf" srcId="{4899A2A0-B16A-4FD3-B4F7-3977FBBDC3E9}" destId="{42759438-3AE3-4CB5-A966-ACB1BB14F715}" srcOrd="0" destOrd="0" presId="urn:microsoft.com/office/officeart/2018/5/layout/IconCircleLabelList"/>
+    <dgm:cxn modelId="{B6992BF8-FD6C-403A-94F6-39892D1FF199}" srcId="{29831B26-704C-4053-9FD5-B60675B840A4}" destId="{17A98381-80F5-4C12-A3EF-3506A4B9BDF4}" srcOrd="0" destOrd="0" parTransId="{82BB61A3-CB8B-414A-BBF5-BB918AF4CF0A}" sibTransId="{67FB173F-1537-4BD9-B93A-4C04E1471011}"/>
     <dgm:cxn modelId="{AEF74727-1477-416E-BB98-0BEA328EAA32}" type="presOf" srcId="{17A98381-80F5-4C12-A3EF-3506A4B9BDF4}" destId="{C878EF03-E172-4954-A556-12C3FA46E140}" srcOrd="0" destOrd="0" presId="urn:microsoft.com/office/officeart/2018/5/layout/IconCircleLabelList"/>
-    <dgm:cxn modelId="{3F051184-8672-47FA-8E01-4319F0807255}" type="presOf" srcId="{4899A2A0-B16A-4FD3-B4F7-3977FBBDC3E9}" destId="{42759438-3AE3-4CB5-A966-ACB1BB14F715}" srcOrd="0" destOrd="0" presId="urn:microsoft.com/office/officeart/2018/5/layout/IconCircleLabelList"/>
+    <dgm:cxn modelId="{C2617BDB-2172-4BE0-8B68-E817494EDC97}" type="presOf" srcId="{37E87069-FCA2-40E2-BBD0-D571A9EA881F}" destId="{B0F859CD-F693-41DB-86C5-D5482B89997C}" srcOrd="0" destOrd="0" presId="urn:microsoft.com/office/officeart/2018/5/layout/IconCircleLabelList"/>
+    <dgm:cxn modelId="{44A6C9D9-B3A7-4F7A-9222-9E0DE59584DA}" srcId="{29831B26-704C-4053-9FD5-B60675B840A4}" destId="{37E87069-FCA2-40E2-BBD0-D571A9EA881F}" srcOrd="2" destOrd="0" parTransId="{AF510381-9E14-48F9-A800-88E394D5CE39}" sibTransId="{0D977BC5-6E6C-4E19-B772-62C25F0510A0}"/>
     <dgm:cxn modelId="{F954F096-6579-426F-A03E-63BDB79D33AE}" srcId="{29831B26-704C-4053-9FD5-B60675B840A4}" destId="{4899A2A0-B16A-4FD3-B4F7-3977FBBDC3E9}" srcOrd="1" destOrd="0" parTransId="{AA267230-4837-4F06-A071-4E46D503AFA9}" sibTransId="{5A0AEAF3-846C-4740-86EB-FE171C49C1D0}"/>
     <dgm:cxn modelId="{37E1F69F-7DA1-49F6-A400-A689F0ADC4CD}" type="presOf" srcId="{29831B26-704C-4053-9FD5-B60675B840A4}" destId="{1698815F-8628-4E4F-BB1C-69626B68618D}" srcOrd="0" destOrd="0" presId="urn:microsoft.com/office/officeart/2018/5/layout/IconCircleLabelList"/>
-    <dgm:cxn modelId="{44A6C9D9-B3A7-4F7A-9222-9E0DE59584DA}" srcId="{29831B26-704C-4053-9FD5-B60675B840A4}" destId="{37E87069-FCA2-40E2-BBD0-D571A9EA881F}" srcOrd="2" destOrd="0" parTransId="{AF510381-9E14-48F9-A800-88E394D5CE39}" sibTransId="{0D977BC5-6E6C-4E19-B772-62C25F0510A0}"/>
-    <dgm:cxn modelId="{C2617BDB-2172-4BE0-8B68-E817494EDC97}" type="presOf" srcId="{37E87069-FCA2-40E2-BBD0-D571A9EA881F}" destId="{B0F859CD-F693-41DB-86C5-D5482B89997C}" srcOrd="0" destOrd="0" presId="urn:microsoft.com/office/officeart/2018/5/layout/IconCircleLabelList"/>
-    <dgm:cxn modelId="{B6992BF8-FD6C-403A-94F6-39892D1FF199}" srcId="{29831B26-704C-4053-9FD5-B60675B840A4}" destId="{17A98381-80F5-4C12-A3EF-3506A4B9BDF4}" srcOrd="0" destOrd="0" parTransId="{82BB61A3-CB8B-414A-BBF5-BB918AF4CF0A}" sibTransId="{67FB173F-1537-4BD9-B93A-4C04E1471011}"/>
     <dgm:cxn modelId="{CCB26713-5E67-4972-8743-AC652FA9D187}" type="presParOf" srcId="{1698815F-8628-4E4F-BB1C-69626B68618D}" destId="{210C4ADA-A752-4F7E-805E-9D21FB161D16}" srcOrd="0" destOrd="0" presId="urn:microsoft.com/office/officeart/2018/5/layout/IconCircleLabelList"/>
     <dgm:cxn modelId="{21675390-0DE8-404A-B10C-F3D61ADD7811}" type="presParOf" srcId="{210C4ADA-A752-4F7E-805E-9D21FB161D16}" destId="{FE848667-7DCB-4040-B14C-4A5A5A88462B}" srcOrd="0" destOrd="0" presId="urn:microsoft.com/office/officeart/2018/5/layout/IconCircleLabelList"/>
     <dgm:cxn modelId="{C20005C8-A501-4192-A6D9-1CC04C8623A5}" type="presParOf" srcId="{210C4ADA-A752-4F7E-805E-9D21FB161D16}" destId="{1D1D0377-DF3C-413F-877D-693399392BB2}" srcOrd="1" destOrd="0" presId="urn:microsoft.com/office/officeart/2018/5/layout/IconCircleLabelList"/>
@@ -1342,7 +1374,7 @@
                 <a14:useLocalDpi xmlns:a14="http://schemas.microsoft.com/office/drawing/2010/main" val="0"/>
               </a:ext>
               <a:ext uri="{96DAC541-7B7A-43D3-8B79-37D633B846F1}">
-                <asvg:svgBlip xmlns:asvg="http://schemas.microsoft.com/office/drawing/2016/SVG/main" r:embed="rId2"/>
+                <asvg:svgBlip xmlns:asvg="http://schemas.microsoft.com/office/drawing/2016/SVG/main" xmlns="" r:embed="rId2"/>
               </a:ext>
             </a:extLst>
           </a:blip>
@@ -1409,7 +1441,7 @@
         </a:bodyPr>
         <a:lstStyle/>
         <a:p>
-          <a:pPr marL="0" lvl="0" indent="0" algn="ctr" defTabSz="1022350">
+          <a:pPr lvl="0" algn="ctr" defTabSz="1022350">
             <a:lnSpc>
               <a:spcPct val="100000"/>
             </a:lnSpc>
@@ -1419,7 +1451,6 @@
             <a:spcAft>
               <a:spcPct val="35000"/>
             </a:spcAft>
-            <a:buNone/>
             <a:defRPr cap="all"/>
           </a:pPr>
           <a:r>
@@ -1489,7 +1520,7 @@
           <a:blip xmlns:r="http://schemas.openxmlformats.org/officeDocument/2006/relationships" r:embed="rId3">
             <a:extLst>
               <a:ext uri="{96DAC541-7B7A-43D3-8B79-37D633B846F1}">
-                <asvg:svgBlip xmlns:asvg="http://schemas.microsoft.com/office/drawing/2016/SVG/main" r:embed="rId4"/>
+                <asvg:svgBlip xmlns:asvg="http://schemas.microsoft.com/office/drawing/2016/SVG/main" xmlns="" r:embed="rId4"/>
               </a:ext>
             </a:extLst>
           </a:blip>
@@ -1557,7 +1588,7 @@
         </a:bodyPr>
         <a:lstStyle/>
         <a:p>
-          <a:pPr marL="0" lvl="0" indent="0" algn="ctr" defTabSz="1022350">
+          <a:pPr lvl="0" algn="ctr" defTabSz="1022350">
             <a:lnSpc>
               <a:spcPct val="100000"/>
             </a:lnSpc>
@@ -1567,7 +1598,6 @@
             <a:spcAft>
               <a:spcPct val="35000"/>
             </a:spcAft>
-            <a:buNone/>
             <a:defRPr cap="all"/>
           </a:pPr>
           <a:r>
@@ -1656,7 +1686,7 @@
                 <a14:useLocalDpi xmlns:a14="http://schemas.microsoft.com/office/drawing/2010/main" val="0"/>
               </a:ext>
               <a:ext uri="{96DAC541-7B7A-43D3-8B79-37D633B846F1}">
-                <asvg:svgBlip xmlns:asvg="http://schemas.microsoft.com/office/drawing/2016/SVG/main" r:embed="rId6"/>
+                <asvg:svgBlip xmlns:asvg="http://schemas.microsoft.com/office/drawing/2016/SVG/main" xmlns="" r:embed="rId6"/>
               </a:ext>
             </a:extLst>
           </a:blip>
@@ -1723,7 +1753,7 @@
         </a:bodyPr>
         <a:lstStyle/>
         <a:p>
-          <a:pPr marL="0" lvl="0" indent="0" algn="ctr" defTabSz="1022350">
+          <a:pPr lvl="0" algn="ctr" defTabSz="1022350">
             <a:lnSpc>
               <a:spcPct val="100000"/>
             </a:lnSpc>
@@ -1733,7 +1763,6 @@
             <a:spcAft>
               <a:spcPct val="35000"/>
             </a:spcAft>
-            <a:buNone/>
             <a:defRPr cap="all"/>
           </a:pPr>
           <a:r>
@@ -1953,7 +1982,7 @@
   </dgm:layoutNode>
   <dgm:extLst>
     <a:ext uri="{68A01E43-0DF5-4B5B-8FA6-DAF915123BFB}">
-      <dgm1612:lstStyle xmlns:dgm1612="http://schemas.microsoft.com/office/drawing/2016/12/diagram">
+      <dgm1612:lstStyle xmlns:dgm1612="http://schemas.microsoft.com/office/drawing/2016/12/diagram" xmlns="">
         <a:lvl1pPr>
           <a:lnSpc>
             <a:spcPct val="100000"/>
@@ -3149,7 +3178,7 @@
           <a:p>
             <a:fld id="{1F86D852-7648-4D84-944E-E1841212398F}" type="datetimeFigureOut">
               <a:rPr lang="en-US" smtClean="0"/>
-              <a:t>11/18/2019</a:t>
+              <a:t>11/19/2019</a:t>
             </a:fld>
             <a:endParaRPr lang="en-US"/>
           </a:p>
@@ -3349,7 +3378,7 @@
           <a:p>
             <a:fld id="{1F86D852-7648-4D84-944E-E1841212398F}" type="datetimeFigureOut">
               <a:rPr lang="en-US" smtClean="0"/>
-              <a:t>11/18/2019</a:t>
+              <a:t>11/19/2019</a:t>
             </a:fld>
             <a:endParaRPr lang="en-US"/>
           </a:p>
@@ -3559,7 +3588,7 @@
           <a:p>
             <a:fld id="{1F86D852-7648-4D84-944E-E1841212398F}" type="datetimeFigureOut">
               <a:rPr lang="en-US" smtClean="0"/>
-              <a:t>11/18/2019</a:t>
+              <a:t>11/19/2019</a:t>
             </a:fld>
             <a:endParaRPr lang="en-US"/>
           </a:p>
@@ -3759,7 +3788,7 @@
           <a:p>
             <a:fld id="{1F86D852-7648-4D84-944E-E1841212398F}" type="datetimeFigureOut">
               <a:rPr lang="en-US" smtClean="0"/>
-              <a:t>11/18/2019</a:t>
+              <a:t>11/19/2019</a:t>
             </a:fld>
             <a:endParaRPr lang="en-US"/>
           </a:p>
@@ -4035,7 +4064,7 @@
           <a:p>
             <a:fld id="{1F86D852-7648-4D84-944E-E1841212398F}" type="datetimeFigureOut">
               <a:rPr lang="en-US" smtClean="0"/>
-              <a:t>11/18/2019</a:t>
+              <a:t>11/19/2019</a:t>
             </a:fld>
             <a:endParaRPr lang="en-US"/>
           </a:p>
@@ -4303,7 +4332,7 @@
           <a:p>
             <a:fld id="{1F86D852-7648-4D84-944E-E1841212398F}" type="datetimeFigureOut">
               <a:rPr lang="en-US" smtClean="0"/>
-              <a:t>11/18/2019</a:t>
+              <a:t>11/19/2019</a:t>
             </a:fld>
             <a:endParaRPr lang="en-US"/>
           </a:p>
@@ -4718,7 +4747,7 @@
           <a:p>
             <a:fld id="{1F86D852-7648-4D84-944E-E1841212398F}" type="datetimeFigureOut">
               <a:rPr lang="en-US" smtClean="0"/>
-              <a:t>11/18/2019</a:t>
+              <a:t>11/19/2019</a:t>
             </a:fld>
             <a:endParaRPr lang="en-US"/>
           </a:p>
@@ -4860,7 +4889,7 @@
           <a:p>
             <a:fld id="{1F86D852-7648-4D84-944E-E1841212398F}" type="datetimeFigureOut">
               <a:rPr lang="en-US" smtClean="0"/>
-              <a:t>11/18/2019</a:t>
+              <a:t>11/19/2019</a:t>
             </a:fld>
             <a:endParaRPr lang="en-US"/>
           </a:p>
@@ -4973,7 +5002,7 @@
           <a:p>
             <a:fld id="{1F86D852-7648-4D84-944E-E1841212398F}" type="datetimeFigureOut">
               <a:rPr lang="en-US" smtClean="0"/>
-              <a:t>11/18/2019</a:t>
+              <a:t>11/19/2019</a:t>
             </a:fld>
             <a:endParaRPr lang="en-US"/>
           </a:p>
@@ -5286,7 +5315,7 @@
           <a:p>
             <a:fld id="{1F86D852-7648-4D84-944E-E1841212398F}" type="datetimeFigureOut">
               <a:rPr lang="en-US" smtClean="0"/>
-              <a:t>11/18/2019</a:t>
+              <a:t>11/19/2019</a:t>
             </a:fld>
             <a:endParaRPr lang="en-US"/>
           </a:p>
@@ -5575,7 +5604,7 @@
           <a:p>
             <a:fld id="{1F86D852-7648-4D84-944E-E1841212398F}" type="datetimeFigureOut">
               <a:rPr lang="en-US" smtClean="0"/>
-              <a:t>11/18/2019</a:t>
+              <a:t>11/19/2019</a:t>
             </a:fld>
             <a:endParaRPr lang="en-US"/>
           </a:p>
@@ -5818,7 +5847,7 @@
           <a:p>
             <a:fld id="{1F86D852-7648-4D84-944E-E1841212398F}" type="datetimeFigureOut">
               <a:rPr lang="en-US" smtClean="0"/>
-              <a:t>11/18/2019</a:t>
+              <a:t>11/19/2019</a:t>
             </a:fld>
             <a:endParaRPr lang="en-US"/>
           </a:p>
@@ -6842,12 +6871,24 @@
           <a:lstStyle/>
           <a:p>
             <a:r>
-              <a:rPr lang="en-US" dirty="0"/>
-              <a:t>GITHUB</a:t>
+              <a:rPr lang="en-US" dirty="0" err="1" smtClean="0"/>
+              <a:t>Github</a:t>
+            </a:r>
+            <a:r>
+              <a:rPr lang="ko-KR" altLang="en-US" dirty="0" smtClean="0"/>
+              <a:t>을 </a:t>
             </a:r>
             <a:r>
               <a:rPr lang="ko-KR" altLang="en-US" dirty="0"/>
-              <a:t>를 이용하여 팀원들간 협업</a:t>
+              <a:t>이용하여 </a:t>
+            </a:r>
+            <a:r>
+              <a:rPr lang="ko-KR" altLang="en-US" dirty="0" smtClean="0"/>
+              <a:t>팀원들 간 </a:t>
+            </a:r>
+            <a:r>
+              <a:rPr lang="ko-KR" altLang="en-US" dirty="0"/>
+              <a:t>협업</a:t>
             </a:r>
             <a:endParaRPr lang="en-US" altLang="ko-KR" dirty="0"/>
           </a:p>
@@ -7139,7 +7180,7 @@
                 <a16:creationId xmlns:a16="http://schemas.microsoft.com/office/drawing/2014/main" id="{AFA67CD3-AB4E-4A7A-BEB8-53C445D8C44E}"/>
               </a:ext>
               <a:ext uri="{C183D7F6-B498-43B3-948B-1728B52AA6E4}">
-                <adec:decorative xmlns:adec="http://schemas.microsoft.com/office/drawing/2017/decorative" val="1"/>
+                <adec:decorative xmlns:adec="http://schemas.microsoft.com/office/drawing/2017/decorative" xmlns="" val="1"/>
               </a:ext>
             </a:extLst>
           </p:cNvPr>
@@ -7225,7 +7266,7 @@
                 <a16:creationId xmlns:a16="http://schemas.microsoft.com/office/drawing/2014/main" id="{07CF545F-9C2E-4446-97CD-AD92990C2B68}"/>
               </a:ext>
               <a:ext uri="{C183D7F6-B498-43B3-948B-1728B52AA6E4}">
-                <adec:decorative xmlns:adec="http://schemas.microsoft.com/office/drawing/2017/decorative" val="1"/>
+                <adec:decorative xmlns:adec="http://schemas.microsoft.com/office/drawing/2017/decorative" xmlns="" val="1"/>
               </a:ext>
             </a:extLst>
           </p:cNvPr>
@@ -7270,7 +7311,7 @@
                 <a16:creationId xmlns:a16="http://schemas.microsoft.com/office/drawing/2014/main" id="{339C8D78-A644-462F-B674-F440635E5353}"/>
               </a:ext>
               <a:ext uri="{C183D7F6-B498-43B3-948B-1728B52AA6E4}">
-                <adec:decorative xmlns:adec="http://schemas.microsoft.com/office/drawing/2017/decorative" val="1"/>
+                <adec:decorative xmlns:adec="http://schemas.microsoft.com/office/drawing/2017/decorative" xmlns="" val="1"/>
               </a:ext>
             </a:extLst>
           </p:cNvPr>
@@ -7451,13 +7492,13 @@
           <p:nvPr/>
         </p:nvPicPr>
         <p:blipFill>
-          <a:blip r:embed="rId3">
+          <a:blip r:embed="rId3" cstate="hqprint">
             <a:extLst>
               <a:ext uri="{28A0092B-C50C-407E-A947-70E740481C1C}">
                 <a14:useLocalDpi xmlns:a14="http://schemas.microsoft.com/office/drawing/2010/main" val="0"/>
               </a:ext>
               <a:ext uri="{837473B0-CC2E-450A-ABE3-18F120FF3D39}">
-                <a1611:picAttrSrcUrl xmlns:a1611="http://schemas.microsoft.com/office/drawing/2016/11/main" r:id="rId4"/>
+                <a1611:picAttrSrcUrl xmlns:a1611="http://schemas.microsoft.com/office/drawing/2016/11/main" xmlns="" r:id="rId4"/>
               </a:ext>
             </a:extLst>
           </a:blip>
@@ -8247,7 +8288,7 @@
           <p:nvPr/>
         </p:nvPicPr>
         <p:blipFill rotWithShape="1">
-          <a:blip r:embed="rId2">
+          <a:blip r:embed="rId2" cstate="hqprint">
             <a:extLst>
               <a:ext uri="{28A0092B-C50C-407E-A947-70E740481C1C}">
                 <a14:useLocalDpi xmlns:a14="http://schemas.microsoft.com/office/drawing/2010/main" val="0"/>

--- a/Sleeping_Analysis.pptx
+++ b/Sleeping_Analysis.pptx
@@ -18,7 +18,6 @@
     <p:sldId id="265" r:id="rId12"/>
     <p:sldId id="266" r:id="rId13"/>
     <p:sldId id="269" r:id="rId14"/>
-    <p:sldId id="268" r:id="rId15"/>
   </p:sldIdLst>
   <p:sldSz cx="12192000" cy="6858000"/>
   <p:notesSz cx="6858000" cy="9144000"/>
@@ -154,9 +153,7 @@
           </p14:sldIdLst>
         </p14:section>
         <p14:section name="회의록" id="{A93AE245-BAA0-49EC-8E06-74200226703B}">
-          <p14:sldIdLst>
-            <p14:sldId id="268"/>
-          </p14:sldIdLst>
+          <p14:sldIdLst/>
         </p14:section>
       </p14:sectionLst>
     </p:ext>
@@ -1111,7 +1108,7 @@
                 <a14:useLocalDpi xmlns:a14="http://schemas.microsoft.com/office/drawing/2010/main" val="0"/>
               </a:ext>
               <a:ext uri="{96DAC541-7B7A-43D3-8B79-37D633B846F1}">
-                <asvg:svgBlip xmlns:asvg="http://schemas.microsoft.com/office/drawing/2016/SVG/main" xmlns="" r:embed="rId2"/>
+                <asvg:svgBlip xmlns="" xmlns:asvg="http://schemas.microsoft.com/office/drawing/2016/SVG/main" r:embed="rId2"/>
               </a:ext>
             </a:extLst>
           </a:blip>
@@ -1169,7 +1166,7 @@
           <a:blip xmlns:r="http://schemas.openxmlformats.org/officeDocument/2006/relationships" r:embed="rId3">
             <a:extLst>
               <a:ext uri="{96DAC541-7B7A-43D3-8B79-37D633B846F1}">
-                <asvg:svgBlip xmlns:asvg="http://schemas.microsoft.com/office/drawing/2016/SVG/main" xmlns="" r:embed="rId4"/>
+                <asvg:svgBlip xmlns="" xmlns:asvg="http://schemas.microsoft.com/office/drawing/2016/SVG/main" r:embed="rId4"/>
               </a:ext>
             </a:extLst>
           </a:blip>
@@ -1231,7 +1228,7 @@
                 <a14:useLocalDpi xmlns:a14="http://schemas.microsoft.com/office/drawing/2010/main" val="0"/>
               </a:ext>
               <a:ext uri="{96DAC541-7B7A-43D3-8B79-37D633B846F1}">
-                <asvg:svgBlip xmlns:asvg="http://schemas.microsoft.com/office/drawing/2016/SVG/main" xmlns="" r:embed="rId6"/>
+                <asvg:svgBlip xmlns="" xmlns:asvg="http://schemas.microsoft.com/office/drawing/2016/SVG/main" r:embed="rId6"/>
               </a:ext>
             </a:extLst>
           </a:blip>
@@ -1374,7 +1371,7 @@
                 <a14:useLocalDpi xmlns:a14="http://schemas.microsoft.com/office/drawing/2010/main" val="0"/>
               </a:ext>
               <a:ext uri="{96DAC541-7B7A-43D3-8B79-37D633B846F1}">
-                <asvg:svgBlip xmlns:asvg="http://schemas.microsoft.com/office/drawing/2016/SVG/main" xmlns="" r:embed="rId2"/>
+                <asvg:svgBlip xmlns="" xmlns:asvg="http://schemas.microsoft.com/office/drawing/2016/SVG/main" r:embed="rId2"/>
               </a:ext>
             </a:extLst>
           </a:blip>
@@ -1520,7 +1517,7 @@
           <a:blip xmlns:r="http://schemas.openxmlformats.org/officeDocument/2006/relationships" r:embed="rId3">
             <a:extLst>
               <a:ext uri="{96DAC541-7B7A-43D3-8B79-37D633B846F1}">
-                <asvg:svgBlip xmlns:asvg="http://schemas.microsoft.com/office/drawing/2016/SVG/main" xmlns="" r:embed="rId4"/>
+                <asvg:svgBlip xmlns="" xmlns:asvg="http://schemas.microsoft.com/office/drawing/2016/SVG/main" r:embed="rId4"/>
               </a:ext>
             </a:extLst>
           </a:blip>
@@ -1686,7 +1683,7 @@
                 <a14:useLocalDpi xmlns:a14="http://schemas.microsoft.com/office/drawing/2010/main" val="0"/>
               </a:ext>
               <a:ext uri="{96DAC541-7B7A-43D3-8B79-37D633B846F1}">
-                <asvg:svgBlip xmlns:asvg="http://schemas.microsoft.com/office/drawing/2016/SVG/main" xmlns="" r:embed="rId6"/>
+                <asvg:svgBlip xmlns="" xmlns:asvg="http://schemas.microsoft.com/office/drawing/2016/SVG/main" r:embed="rId6"/>
               </a:ext>
             </a:extLst>
           </a:blip>
@@ -1982,7 +1979,7 @@
   </dgm:layoutNode>
   <dgm:extLst>
     <a:ext uri="{68A01E43-0DF5-4B5B-8FA6-DAF915123BFB}">
-      <dgm1612:lstStyle xmlns:dgm1612="http://schemas.microsoft.com/office/drawing/2016/12/diagram" xmlns="">
+      <dgm1612:lstStyle xmlns="" xmlns:dgm1612="http://schemas.microsoft.com/office/drawing/2016/12/diagram">
         <a:lvl1pPr>
           <a:lnSpc>
             <a:spcPct val="100000"/>
@@ -6910,142 +6907,6 @@
 </p:sld>
 </file>
 
-<file path=ppt/slides/slide14.xml><?xml version="1.0" encoding="utf-8"?>
-<p:sld xmlns:a="http://schemas.openxmlformats.org/drawingml/2006/main" xmlns:r="http://schemas.openxmlformats.org/officeDocument/2006/relationships" xmlns:p="http://schemas.openxmlformats.org/presentationml/2006/main">
-  <p:cSld>
-    <p:spTree>
-      <p:nvGrpSpPr>
-        <p:cNvPr id="1" name=""/>
-        <p:cNvGrpSpPr/>
-        <p:nvPr/>
-      </p:nvGrpSpPr>
-      <p:grpSpPr>
-        <a:xfrm>
-          <a:off x="0" y="0"/>
-          <a:ext cx="0" cy="0"/>
-          <a:chOff x="0" y="0"/>
-          <a:chExt cx="0" cy="0"/>
-        </a:xfrm>
-      </p:grpSpPr>
-      <p:sp>
-        <p:nvSpPr>
-          <p:cNvPr id="2" name="제목 1">
-            <a:extLst>
-              <a:ext uri="{FF2B5EF4-FFF2-40B4-BE49-F238E27FC236}">
-                <a16:creationId xmlns:a16="http://schemas.microsoft.com/office/drawing/2014/main" id="{13CDA398-ADD3-408B-AAED-41F1E2EC7ED3}"/>
-              </a:ext>
-            </a:extLst>
-          </p:cNvPr>
-          <p:cNvSpPr>
-            <a:spLocks noGrp="1"/>
-          </p:cNvSpPr>
-          <p:nvPr>
-            <p:ph type="title"/>
-          </p:nvPr>
-        </p:nvSpPr>
-        <p:spPr/>
-        <p:txBody>
-          <a:bodyPr/>
-          <a:lstStyle/>
-          <a:p>
-            <a:r>
-              <a:rPr lang="en-US" dirty="0"/>
-              <a:t>11</a:t>
-            </a:r>
-            <a:r>
-              <a:rPr lang="ko-KR" altLang="en-US" dirty="0"/>
-              <a:t>월 </a:t>
-            </a:r>
-            <a:r>
-              <a:rPr lang="en-US" altLang="ko-KR" dirty="0"/>
-              <a:t>12</a:t>
-            </a:r>
-            <a:r>
-              <a:rPr lang="ko-KR" altLang="en-US" dirty="0"/>
-              <a:t>일</a:t>
-            </a:r>
-            <a:endParaRPr lang="en-US" dirty="0"/>
-          </a:p>
-        </p:txBody>
-      </p:sp>
-      <p:sp>
-        <p:nvSpPr>
-          <p:cNvPr id="3" name="내용 개체 틀 2">
-            <a:extLst>
-              <a:ext uri="{FF2B5EF4-FFF2-40B4-BE49-F238E27FC236}">
-                <a16:creationId xmlns:a16="http://schemas.microsoft.com/office/drawing/2014/main" id="{132C13F9-E66E-4FB8-BCD4-8DD88A308F5A}"/>
-              </a:ext>
-            </a:extLst>
-          </p:cNvPr>
-          <p:cNvSpPr>
-            <a:spLocks noGrp="1"/>
-          </p:cNvSpPr>
-          <p:nvPr>
-            <p:ph idx="1"/>
-          </p:nvPr>
-        </p:nvSpPr>
-        <p:spPr/>
-        <p:txBody>
-          <a:bodyPr>
-            <a:normAutofit/>
-          </a:bodyPr>
-          <a:lstStyle/>
-          <a:p>
-            <a:r>
-              <a:rPr lang="ko-KR" altLang="en-US" dirty="0"/>
-              <a:t>습관 제안</a:t>
-            </a:r>
-            <a:r>
-              <a:rPr lang="en-US" altLang="ko-KR" dirty="0"/>
-              <a:t>?</a:t>
-            </a:r>
-          </a:p>
-          <a:p>
-            <a:r>
-              <a:rPr lang="ko-KR" altLang="en-US" dirty="0"/>
-              <a:t>임대 사업</a:t>
-            </a:r>
-            <a:r>
-              <a:rPr lang="en-US" altLang="ko-KR" dirty="0"/>
-              <a:t>?</a:t>
-            </a:r>
-          </a:p>
-          <a:p>
-            <a:r>
-              <a:rPr lang="ko-KR" altLang="en-US" dirty="0"/>
-              <a:t>이후 고도화</a:t>
-            </a:r>
-            <a:r>
-              <a:rPr lang="en-US" altLang="ko-KR" dirty="0"/>
-              <a:t>?</a:t>
-            </a:r>
-          </a:p>
-          <a:p>
-            <a:r>
-              <a:rPr lang="ko-KR" altLang="en-US" dirty="0"/>
-              <a:t>라즈베리 </a:t>
-            </a:r>
-            <a:r>
-              <a:rPr lang="en-US" altLang="ko-KR" dirty="0"/>
-              <a:t>ADC</a:t>
-            </a:r>
-            <a:endParaRPr lang="en-US" dirty="0"/>
-          </a:p>
-        </p:txBody>
-      </p:sp>
-    </p:spTree>
-    <p:extLst>
-      <p:ext uri="{BB962C8B-B14F-4D97-AF65-F5344CB8AC3E}">
-        <p14:creationId xmlns:p14="http://schemas.microsoft.com/office/powerpoint/2010/main" val="3037595680"/>
-      </p:ext>
-    </p:extLst>
-  </p:cSld>
-  <p:clrMapOvr>
-    <a:masterClrMapping/>
-  </p:clrMapOvr>
-</p:sld>
-</file>
-
 <file path=ppt/slides/slide2.xml><?xml version="1.0" encoding="utf-8"?>
 <p:sld xmlns:a="http://schemas.openxmlformats.org/drawingml/2006/main" xmlns:r="http://schemas.openxmlformats.org/officeDocument/2006/relationships" xmlns:p="http://schemas.openxmlformats.org/presentationml/2006/main">
   <p:cSld>
@@ -7180,7 +7041,7 @@
                 <a16:creationId xmlns:a16="http://schemas.microsoft.com/office/drawing/2014/main" id="{AFA67CD3-AB4E-4A7A-BEB8-53C445D8C44E}"/>
               </a:ext>
               <a:ext uri="{C183D7F6-B498-43B3-948B-1728B52AA6E4}">
-                <adec:decorative xmlns:adec="http://schemas.microsoft.com/office/drawing/2017/decorative" xmlns="" val="1"/>
+                <adec:decorative xmlns="" xmlns:adec="http://schemas.microsoft.com/office/drawing/2017/decorative" val="1"/>
               </a:ext>
             </a:extLst>
           </p:cNvPr>
@@ -7266,7 +7127,7 @@
                 <a16:creationId xmlns:a16="http://schemas.microsoft.com/office/drawing/2014/main" id="{07CF545F-9C2E-4446-97CD-AD92990C2B68}"/>
               </a:ext>
               <a:ext uri="{C183D7F6-B498-43B3-948B-1728B52AA6E4}">
-                <adec:decorative xmlns:adec="http://schemas.microsoft.com/office/drawing/2017/decorative" xmlns="" val="1"/>
+                <adec:decorative xmlns="" xmlns:adec="http://schemas.microsoft.com/office/drawing/2017/decorative" val="1"/>
               </a:ext>
             </a:extLst>
           </p:cNvPr>
@@ -7311,7 +7172,7 @@
                 <a16:creationId xmlns:a16="http://schemas.microsoft.com/office/drawing/2014/main" id="{339C8D78-A644-462F-B674-F440635E5353}"/>
               </a:ext>
               <a:ext uri="{C183D7F6-B498-43B3-948B-1728B52AA6E4}">
-                <adec:decorative xmlns:adec="http://schemas.microsoft.com/office/drawing/2017/decorative" xmlns="" val="1"/>
+                <adec:decorative xmlns="" xmlns:adec="http://schemas.microsoft.com/office/drawing/2017/decorative" val="1"/>
               </a:ext>
             </a:extLst>
           </p:cNvPr>
@@ -7498,7 +7359,7 @@
                 <a14:useLocalDpi xmlns:a14="http://schemas.microsoft.com/office/drawing/2010/main" val="0"/>
               </a:ext>
               <a:ext uri="{837473B0-CC2E-450A-ABE3-18F120FF3D39}">
-                <a1611:picAttrSrcUrl xmlns:a1611="http://schemas.microsoft.com/office/drawing/2016/11/main" xmlns="" r:id="rId4"/>
+                <a1611:picAttrSrcUrl xmlns="" xmlns:a1611="http://schemas.microsoft.com/office/drawing/2016/11/main" r:id="rId4"/>
               </a:ext>
             </a:extLst>
           </a:blip>
@@ -7613,7 +7474,38 @@
                   <a:srgbClr val="000000"/>
                 </a:solidFill>
               </a:rPr>
-              <a:t>얻을 수 있는 데이터로 사용자의 수면을 분석 및 표기</a:t>
+              <a:t>얻을 수 있는 </a:t>
+            </a:r>
+            <a:r>
+              <a:rPr lang="ko-KR" altLang="en-US" sz="2000" dirty="0" smtClean="0">
+                <a:solidFill>
+                  <a:srgbClr val="000000"/>
+                </a:solidFill>
+              </a:rPr>
+              <a:t>데이터 축적</a:t>
+            </a:r>
+            <a:endParaRPr lang="en-US" altLang="ko-KR" sz="2000" dirty="0" smtClean="0">
+              <a:solidFill>
+                <a:srgbClr val="000000"/>
+              </a:solidFill>
+            </a:endParaRPr>
+          </a:p>
+          <a:p>
+            <a:r>
+              <a:rPr lang="ko-KR" altLang="en-US" sz="2000" smtClean="0">
+                <a:solidFill>
+                  <a:srgbClr val="000000"/>
+                </a:solidFill>
+              </a:rPr>
+              <a:t>축적된 데이터를 활용해 </a:t>
+            </a:r>
+            <a:r>
+              <a:rPr lang="ko-KR" altLang="en-US" sz="2000" dirty="0">
+                <a:solidFill>
+                  <a:srgbClr val="000000"/>
+                </a:solidFill>
+              </a:rPr>
+              <a:t>사용자의 수면을 분석 및 표기</a:t>
             </a:r>
             <a:endParaRPr lang="en-US" altLang="ko-KR" sz="2000" dirty="0">
               <a:solidFill>
